--- a/devops_playground_intro.pptx
+++ b/devops_playground_intro.pptx
@@ -2,21 +2,22 @@
 <file path=ppt/presentation.xml><?xml version="1.0" encoding="utf-8"?>
 <p:presentation xmlns:a="http://schemas.openxmlformats.org/drawingml/2006/main" xmlns:r="http://schemas.openxmlformats.org/officeDocument/2006/relationships" xmlns:p="http://schemas.openxmlformats.org/presentationml/2006/main" saveSubsetFonts="1">
   <p:sldMasterIdLst>
-    <p:sldMasterId id="2147483648" r:id="rId1"/>
+    <p:sldMasterId id="2147483657" r:id="rId1"/>
   </p:sldMasterIdLst>
   <p:notesMasterIdLst>
-    <p:notesMasterId r:id="rId8"/>
+    <p:notesMasterId r:id="rId9"/>
   </p:notesMasterIdLst>
   <p:handoutMasterIdLst>
-    <p:handoutMasterId r:id="rId9"/>
+    <p:handoutMasterId r:id="rId10"/>
   </p:handoutMasterIdLst>
   <p:sldIdLst>
-    <p:sldId id="504" r:id="rId2"/>
-    <p:sldId id="505" r:id="rId3"/>
-    <p:sldId id="506" r:id="rId4"/>
-    <p:sldId id="507" r:id="rId5"/>
-    <p:sldId id="508" r:id="rId6"/>
-    <p:sldId id="509" r:id="rId7"/>
+    <p:sldId id="510" r:id="rId2"/>
+    <p:sldId id="504" r:id="rId3"/>
+    <p:sldId id="505" r:id="rId4"/>
+    <p:sldId id="506" r:id="rId5"/>
+    <p:sldId id="507" r:id="rId6"/>
+    <p:sldId id="508" r:id="rId7"/>
+    <p:sldId id="509" r:id="rId8"/>
   </p:sldIdLst>
   <p:sldSz cx="9144000" cy="6858000" type="screen4x3"/>
   <p:notesSz cx="6858000" cy="9144000"/>
@@ -219,7 +220,7 @@
           <a:p>
             <a:fld id="{EC6583EE-1744-469F-83FE-FBC2DC0C5805}" type="datetimeFigureOut">
               <a:rPr lang="en-GB" smtClean="0"/>
-              <a:t>05/01/2016</a:t>
+              <a:t>07/01/2016</a:t>
             </a:fld>
             <a:endParaRPr lang="en-GB"/>
           </a:p>
@@ -384,7 +385,7 @@
           <a:p>
             <a:fld id="{9E2563EB-1B48-4CFA-A8ED-114090E63D4B}" type="datetimeFigureOut">
               <a:rPr lang="en-GB" smtClean="0"/>
-              <a:t>05/01/2016</a:t>
+              <a:t>07/01/2016</a:t>
             </a:fld>
             <a:endParaRPr lang="en-GB"/>
           </a:p>
@@ -653,8 +654,1519 @@
 </file>
 
 <file path=ppt/slideLayouts/slideLayout1.xml><?xml version="1.0" encoding="utf-8"?>
+<p:sldLayout xmlns:a="http://schemas.openxmlformats.org/drawingml/2006/main" xmlns:r="http://schemas.openxmlformats.org/officeDocument/2006/relationships" xmlns:p="http://schemas.openxmlformats.org/presentationml/2006/main" type="title" preserve="1">
+  <p:cSld name="Title Slide">
+    <p:spTree>
+      <p:nvGrpSpPr>
+        <p:cNvPr id="1" name=""/>
+        <p:cNvGrpSpPr/>
+        <p:nvPr/>
+      </p:nvGrpSpPr>
+      <p:grpSpPr>
+        <a:xfrm>
+          <a:off x="0" y="0"/>
+          <a:ext cx="0" cy="0"/>
+          <a:chOff x="0" y="0"/>
+          <a:chExt cx="0" cy="0"/>
+        </a:xfrm>
+      </p:grpSpPr>
+      <p:sp>
+        <p:nvSpPr>
+          <p:cNvPr id="2" name="Title 1"/>
+          <p:cNvSpPr>
+            <a:spLocks noGrp="1"/>
+          </p:cNvSpPr>
+          <p:nvPr>
+            <p:ph type="ctrTitle"/>
+          </p:nvPr>
+        </p:nvSpPr>
+        <p:spPr>
+          <a:xfrm>
+            <a:off x="1143000" y="1122363"/>
+            <a:ext cx="6858000" cy="2387600"/>
+          </a:xfrm>
+        </p:spPr>
+        <p:txBody>
+          <a:bodyPr anchor="b"/>
+          <a:lstStyle>
+            <a:lvl1pPr algn="ctr">
+              <a:defRPr sz="4500"/>
+            </a:lvl1pPr>
+          </a:lstStyle>
+          <a:p>
+            <a:r>
+              <a:rPr lang="en-US" smtClean="0"/>
+              <a:t>Click to edit Master title style</a:t>
+            </a:r>
+            <a:endParaRPr lang="en-GB"/>
+          </a:p>
+        </p:txBody>
+      </p:sp>
+      <p:sp>
+        <p:nvSpPr>
+          <p:cNvPr id="3" name="Subtitle 2"/>
+          <p:cNvSpPr>
+            <a:spLocks noGrp="1"/>
+          </p:cNvSpPr>
+          <p:nvPr>
+            <p:ph type="subTitle" idx="1"/>
+          </p:nvPr>
+        </p:nvSpPr>
+        <p:spPr>
+          <a:xfrm>
+            <a:off x="1143000" y="3602038"/>
+            <a:ext cx="6858000" cy="1655762"/>
+          </a:xfrm>
+        </p:spPr>
+        <p:txBody>
+          <a:bodyPr/>
+          <a:lstStyle>
+            <a:lvl1pPr marL="0" indent="0" algn="ctr">
+              <a:buNone/>
+              <a:defRPr sz="1800"/>
+            </a:lvl1pPr>
+            <a:lvl2pPr marL="342900" indent="0" algn="ctr">
+              <a:buNone/>
+              <a:defRPr sz="1500"/>
+            </a:lvl2pPr>
+            <a:lvl3pPr marL="685800" indent="0" algn="ctr">
+              <a:buNone/>
+              <a:defRPr sz="1350"/>
+            </a:lvl3pPr>
+            <a:lvl4pPr marL="1028700" indent="0" algn="ctr">
+              <a:buNone/>
+              <a:defRPr sz="1200"/>
+            </a:lvl4pPr>
+            <a:lvl5pPr marL="1371600" indent="0" algn="ctr">
+              <a:buNone/>
+              <a:defRPr sz="1200"/>
+            </a:lvl5pPr>
+            <a:lvl6pPr marL="1714500" indent="0" algn="ctr">
+              <a:buNone/>
+              <a:defRPr sz="1200"/>
+            </a:lvl6pPr>
+            <a:lvl7pPr marL="2057400" indent="0" algn="ctr">
+              <a:buNone/>
+              <a:defRPr sz="1200"/>
+            </a:lvl7pPr>
+            <a:lvl8pPr marL="2400300" indent="0" algn="ctr">
+              <a:buNone/>
+              <a:defRPr sz="1200"/>
+            </a:lvl8pPr>
+            <a:lvl9pPr marL="2743200" indent="0" algn="ctr">
+              <a:buNone/>
+              <a:defRPr sz="1200"/>
+            </a:lvl9pPr>
+          </a:lstStyle>
+          <a:p>
+            <a:r>
+              <a:rPr lang="en-US" smtClean="0"/>
+              <a:t>Click to edit Master subtitle style</a:t>
+            </a:r>
+            <a:endParaRPr lang="en-GB"/>
+          </a:p>
+        </p:txBody>
+      </p:sp>
+      <p:sp>
+        <p:nvSpPr>
+          <p:cNvPr id="4" name="Date Placeholder 3"/>
+          <p:cNvSpPr>
+            <a:spLocks noGrp="1"/>
+          </p:cNvSpPr>
+          <p:nvPr>
+            <p:ph type="dt" sz="half" idx="10"/>
+          </p:nvPr>
+        </p:nvSpPr>
+        <p:spPr/>
+        <p:txBody>
+          <a:bodyPr/>
+          <a:lstStyle/>
+          <a:p>
+            <a:fld id="{D0823908-2689-42EA-85FA-685E69EBFF6B}" type="datetimeFigureOut">
+              <a:rPr lang="en-GB" smtClean="0"/>
+              <a:t>07/01/2016</a:t>
+            </a:fld>
+            <a:endParaRPr lang="en-GB"/>
+          </a:p>
+        </p:txBody>
+      </p:sp>
+      <p:sp>
+        <p:nvSpPr>
+          <p:cNvPr id="5" name="Footer Placeholder 4"/>
+          <p:cNvSpPr>
+            <a:spLocks noGrp="1"/>
+          </p:cNvSpPr>
+          <p:nvPr>
+            <p:ph type="ftr" sz="quarter" idx="11"/>
+          </p:nvPr>
+        </p:nvSpPr>
+        <p:spPr/>
+        <p:txBody>
+          <a:bodyPr/>
+          <a:lstStyle/>
+          <a:p>
+            <a:endParaRPr lang="en-GB"/>
+          </a:p>
+        </p:txBody>
+      </p:sp>
+      <p:sp>
+        <p:nvSpPr>
+          <p:cNvPr id="6" name="Slide Number Placeholder 5"/>
+          <p:cNvSpPr>
+            <a:spLocks noGrp="1"/>
+          </p:cNvSpPr>
+          <p:nvPr>
+            <p:ph type="sldNum" sz="quarter" idx="12"/>
+          </p:nvPr>
+        </p:nvSpPr>
+        <p:spPr/>
+        <p:txBody>
+          <a:bodyPr/>
+          <a:lstStyle/>
+          <a:p>
+            <a:fld id="{17A7BC5E-5705-4547-84A2-DF79DB49C5EF}" type="slidenum">
+              <a:rPr lang="en-GB" smtClean="0"/>
+              <a:t>‹#›</a:t>
+            </a:fld>
+            <a:endParaRPr lang="en-GB"/>
+          </a:p>
+        </p:txBody>
+      </p:sp>
+    </p:spTree>
+    <p:extLst>
+      <p:ext uri="{BB962C8B-B14F-4D97-AF65-F5344CB8AC3E}">
+        <p14:creationId xmlns:p14="http://schemas.microsoft.com/office/powerpoint/2010/main" val="4130914372"/>
+      </p:ext>
+    </p:extLst>
+  </p:cSld>
+  <p:clrMapOvr>
+    <a:masterClrMapping/>
+  </p:clrMapOvr>
+  <p:hf sldNum="0" hdr="0" ftr="0" dt="0"/>
+</p:sldLayout>
+</file>
+
+<file path=ppt/slideLayouts/slideLayout10.xml><?xml version="1.0" encoding="utf-8"?>
+<p:sldLayout xmlns:a="http://schemas.openxmlformats.org/drawingml/2006/main" xmlns:r="http://schemas.openxmlformats.org/officeDocument/2006/relationships" xmlns:p="http://schemas.openxmlformats.org/presentationml/2006/main" type="vertTx" preserve="1">
+  <p:cSld name="Title and Vertical Text">
+    <p:spTree>
+      <p:nvGrpSpPr>
+        <p:cNvPr id="1" name=""/>
+        <p:cNvGrpSpPr/>
+        <p:nvPr/>
+      </p:nvGrpSpPr>
+      <p:grpSpPr>
+        <a:xfrm>
+          <a:off x="0" y="0"/>
+          <a:ext cx="0" cy="0"/>
+          <a:chOff x="0" y="0"/>
+          <a:chExt cx="0" cy="0"/>
+        </a:xfrm>
+      </p:grpSpPr>
+      <p:sp>
+        <p:nvSpPr>
+          <p:cNvPr id="2" name="Title 1"/>
+          <p:cNvSpPr>
+            <a:spLocks noGrp="1"/>
+          </p:cNvSpPr>
+          <p:nvPr>
+            <p:ph type="title"/>
+          </p:nvPr>
+        </p:nvSpPr>
+        <p:spPr/>
+        <p:txBody>
+          <a:bodyPr/>
+          <a:lstStyle/>
+          <a:p>
+            <a:r>
+              <a:rPr lang="en-US" smtClean="0"/>
+              <a:t>Click to edit Master title style</a:t>
+            </a:r>
+            <a:endParaRPr lang="en-GB"/>
+          </a:p>
+        </p:txBody>
+      </p:sp>
+      <p:sp>
+        <p:nvSpPr>
+          <p:cNvPr id="3" name="Vertical Text Placeholder 2"/>
+          <p:cNvSpPr>
+            <a:spLocks noGrp="1"/>
+          </p:cNvSpPr>
+          <p:nvPr>
+            <p:ph type="body" orient="vert" idx="1"/>
+          </p:nvPr>
+        </p:nvSpPr>
+        <p:spPr/>
+        <p:txBody>
+          <a:bodyPr vert="eaVert"/>
+          <a:lstStyle/>
+          <a:p>
+            <a:pPr lvl="0"/>
+            <a:r>
+              <a:rPr lang="en-US" smtClean="0"/>
+              <a:t>Click to edit Master text styles</a:t>
+            </a:r>
+          </a:p>
+          <a:p>
+            <a:pPr lvl="1"/>
+            <a:r>
+              <a:rPr lang="en-US" smtClean="0"/>
+              <a:t>Second level</a:t>
+            </a:r>
+          </a:p>
+          <a:p>
+            <a:pPr lvl="2"/>
+            <a:r>
+              <a:rPr lang="en-US" smtClean="0"/>
+              <a:t>Third level</a:t>
+            </a:r>
+          </a:p>
+          <a:p>
+            <a:pPr lvl="3"/>
+            <a:r>
+              <a:rPr lang="en-US" smtClean="0"/>
+              <a:t>Fourth level</a:t>
+            </a:r>
+          </a:p>
+          <a:p>
+            <a:pPr lvl="4"/>
+            <a:r>
+              <a:rPr lang="en-US" smtClean="0"/>
+              <a:t>Fifth level</a:t>
+            </a:r>
+            <a:endParaRPr lang="en-GB"/>
+          </a:p>
+        </p:txBody>
+      </p:sp>
+      <p:sp>
+        <p:nvSpPr>
+          <p:cNvPr id="4" name="Date Placeholder 3"/>
+          <p:cNvSpPr>
+            <a:spLocks noGrp="1"/>
+          </p:cNvSpPr>
+          <p:nvPr>
+            <p:ph type="dt" sz="half" idx="10"/>
+          </p:nvPr>
+        </p:nvSpPr>
+        <p:spPr/>
+        <p:txBody>
+          <a:bodyPr/>
+          <a:lstStyle/>
+          <a:p>
+            <a:fld id="{D0823908-2689-42EA-85FA-685E69EBFF6B}" type="datetimeFigureOut">
+              <a:rPr lang="en-GB" smtClean="0"/>
+              <a:t>07/01/2016</a:t>
+            </a:fld>
+            <a:endParaRPr lang="en-GB"/>
+          </a:p>
+        </p:txBody>
+      </p:sp>
+      <p:sp>
+        <p:nvSpPr>
+          <p:cNvPr id="5" name="Footer Placeholder 4"/>
+          <p:cNvSpPr>
+            <a:spLocks noGrp="1"/>
+          </p:cNvSpPr>
+          <p:nvPr>
+            <p:ph type="ftr" sz="quarter" idx="11"/>
+          </p:nvPr>
+        </p:nvSpPr>
+        <p:spPr/>
+        <p:txBody>
+          <a:bodyPr/>
+          <a:lstStyle/>
+          <a:p>
+            <a:endParaRPr lang="en-GB"/>
+          </a:p>
+        </p:txBody>
+      </p:sp>
+      <p:sp>
+        <p:nvSpPr>
+          <p:cNvPr id="6" name="Slide Number Placeholder 5"/>
+          <p:cNvSpPr>
+            <a:spLocks noGrp="1"/>
+          </p:cNvSpPr>
+          <p:nvPr>
+            <p:ph type="sldNum" sz="quarter" idx="12"/>
+          </p:nvPr>
+        </p:nvSpPr>
+        <p:spPr/>
+        <p:txBody>
+          <a:bodyPr/>
+          <a:lstStyle/>
+          <a:p>
+            <a:fld id="{17A7BC5E-5705-4547-84A2-DF79DB49C5EF}" type="slidenum">
+              <a:rPr lang="en-GB" smtClean="0"/>
+              <a:t>‹#›</a:t>
+            </a:fld>
+            <a:endParaRPr lang="en-GB"/>
+          </a:p>
+        </p:txBody>
+      </p:sp>
+    </p:spTree>
+    <p:extLst>
+      <p:ext uri="{BB962C8B-B14F-4D97-AF65-F5344CB8AC3E}">
+        <p14:creationId xmlns:p14="http://schemas.microsoft.com/office/powerpoint/2010/main" val="112525871"/>
+      </p:ext>
+    </p:extLst>
+  </p:cSld>
+  <p:clrMapOvr>
+    <a:masterClrMapping/>
+  </p:clrMapOvr>
+  <p:hf sldNum="0" hdr="0" ftr="0" dt="0"/>
+</p:sldLayout>
+</file>
+
+<file path=ppt/slideLayouts/slideLayout11.xml><?xml version="1.0" encoding="utf-8"?>
+<p:sldLayout xmlns:a="http://schemas.openxmlformats.org/drawingml/2006/main" xmlns:r="http://schemas.openxmlformats.org/officeDocument/2006/relationships" xmlns:p="http://schemas.openxmlformats.org/presentationml/2006/main" type="vertTitleAndTx" preserve="1">
+  <p:cSld name="Vertical Title and Text">
+    <p:spTree>
+      <p:nvGrpSpPr>
+        <p:cNvPr id="1" name=""/>
+        <p:cNvGrpSpPr/>
+        <p:nvPr/>
+      </p:nvGrpSpPr>
+      <p:grpSpPr>
+        <a:xfrm>
+          <a:off x="0" y="0"/>
+          <a:ext cx="0" cy="0"/>
+          <a:chOff x="0" y="0"/>
+          <a:chExt cx="0" cy="0"/>
+        </a:xfrm>
+      </p:grpSpPr>
+      <p:sp>
+        <p:nvSpPr>
+          <p:cNvPr id="2" name="Vertical Title 1"/>
+          <p:cNvSpPr>
+            <a:spLocks noGrp="1"/>
+          </p:cNvSpPr>
+          <p:nvPr>
+            <p:ph type="title" orient="vert"/>
+          </p:nvPr>
+        </p:nvSpPr>
+        <p:spPr>
+          <a:xfrm>
+            <a:off x="6543675" y="365125"/>
+            <a:ext cx="1971675" cy="5811838"/>
+          </a:xfrm>
+        </p:spPr>
+        <p:txBody>
+          <a:bodyPr vert="eaVert"/>
+          <a:lstStyle/>
+          <a:p>
+            <a:r>
+              <a:rPr lang="en-US" smtClean="0"/>
+              <a:t>Click to edit Master title style</a:t>
+            </a:r>
+            <a:endParaRPr lang="en-GB"/>
+          </a:p>
+        </p:txBody>
+      </p:sp>
+      <p:sp>
+        <p:nvSpPr>
+          <p:cNvPr id="3" name="Vertical Text Placeholder 2"/>
+          <p:cNvSpPr>
+            <a:spLocks noGrp="1"/>
+          </p:cNvSpPr>
+          <p:nvPr>
+            <p:ph type="body" orient="vert" idx="1"/>
+          </p:nvPr>
+        </p:nvSpPr>
+        <p:spPr>
+          <a:xfrm>
+            <a:off x="628650" y="365125"/>
+            <a:ext cx="5800725" cy="5811838"/>
+          </a:xfrm>
+        </p:spPr>
+        <p:txBody>
+          <a:bodyPr vert="eaVert"/>
+          <a:lstStyle/>
+          <a:p>
+            <a:pPr lvl="0"/>
+            <a:r>
+              <a:rPr lang="en-US" smtClean="0"/>
+              <a:t>Click to edit Master text styles</a:t>
+            </a:r>
+          </a:p>
+          <a:p>
+            <a:pPr lvl="1"/>
+            <a:r>
+              <a:rPr lang="en-US" smtClean="0"/>
+              <a:t>Second level</a:t>
+            </a:r>
+          </a:p>
+          <a:p>
+            <a:pPr lvl="2"/>
+            <a:r>
+              <a:rPr lang="en-US" smtClean="0"/>
+              <a:t>Third level</a:t>
+            </a:r>
+          </a:p>
+          <a:p>
+            <a:pPr lvl="3"/>
+            <a:r>
+              <a:rPr lang="en-US" smtClean="0"/>
+              <a:t>Fourth level</a:t>
+            </a:r>
+          </a:p>
+          <a:p>
+            <a:pPr lvl="4"/>
+            <a:r>
+              <a:rPr lang="en-US" smtClean="0"/>
+              <a:t>Fifth level</a:t>
+            </a:r>
+            <a:endParaRPr lang="en-GB"/>
+          </a:p>
+        </p:txBody>
+      </p:sp>
+      <p:sp>
+        <p:nvSpPr>
+          <p:cNvPr id="4" name="Date Placeholder 3"/>
+          <p:cNvSpPr>
+            <a:spLocks noGrp="1"/>
+          </p:cNvSpPr>
+          <p:nvPr>
+            <p:ph type="dt" sz="half" idx="10"/>
+          </p:nvPr>
+        </p:nvSpPr>
+        <p:spPr/>
+        <p:txBody>
+          <a:bodyPr/>
+          <a:lstStyle/>
+          <a:p>
+            <a:fld id="{D0823908-2689-42EA-85FA-685E69EBFF6B}" type="datetimeFigureOut">
+              <a:rPr lang="en-GB" smtClean="0"/>
+              <a:t>07/01/2016</a:t>
+            </a:fld>
+            <a:endParaRPr lang="en-GB"/>
+          </a:p>
+        </p:txBody>
+      </p:sp>
+      <p:sp>
+        <p:nvSpPr>
+          <p:cNvPr id="5" name="Footer Placeholder 4"/>
+          <p:cNvSpPr>
+            <a:spLocks noGrp="1"/>
+          </p:cNvSpPr>
+          <p:nvPr>
+            <p:ph type="ftr" sz="quarter" idx="11"/>
+          </p:nvPr>
+        </p:nvSpPr>
+        <p:spPr/>
+        <p:txBody>
+          <a:bodyPr/>
+          <a:lstStyle/>
+          <a:p>
+            <a:endParaRPr lang="en-GB"/>
+          </a:p>
+        </p:txBody>
+      </p:sp>
+      <p:sp>
+        <p:nvSpPr>
+          <p:cNvPr id="6" name="Slide Number Placeholder 5"/>
+          <p:cNvSpPr>
+            <a:spLocks noGrp="1"/>
+          </p:cNvSpPr>
+          <p:nvPr>
+            <p:ph type="sldNum" sz="quarter" idx="12"/>
+          </p:nvPr>
+        </p:nvSpPr>
+        <p:spPr/>
+        <p:txBody>
+          <a:bodyPr/>
+          <a:lstStyle/>
+          <a:p>
+            <a:fld id="{17A7BC5E-5705-4547-84A2-DF79DB49C5EF}" type="slidenum">
+              <a:rPr lang="en-GB" smtClean="0"/>
+              <a:t>‹#›</a:t>
+            </a:fld>
+            <a:endParaRPr lang="en-GB"/>
+          </a:p>
+        </p:txBody>
+      </p:sp>
+    </p:spTree>
+    <p:extLst>
+      <p:ext uri="{BB962C8B-B14F-4D97-AF65-F5344CB8AC3E}">
+        <p14:creationId xmlns:p14="http://schemas.microsoft.com/office/powerpoint/2010/main" val="3627674410"/>
+      </p:ext>
+    </p:extLst>
+  </p:cSld>
+  <p:clrMapOvr>
+    <a:masterClrMapping/>
+  </p:clrMapOvr>
+  <p:hf sldNum="0" hdr="0" ftr="0" dt="0"/>
+</p:sldLayout>
+</file>
+
+<file path=ppt/slideLayouts/slideLayout12.xml><?xml version="1.0" encoding="utf-8"?>
+<p:sldLayout xmlns:a="http://schemas.openxmlformats.org/drawingml/2006/main" xmlns:r="http://schemas.openxmlformats.org/officeDocument/2006/relationships" xmlns:p="http://schemas.openxmlformats.org/presentationml/2006/main" userDrawn="1">
+  <p:cSld name="1_Title Only">
+    <p:spTree>
+      <p:nvGrpSpPr>
+        <p:cNvPr id="1" name=""/>
+        <p:cNvGrpSpPr/>
+        <p:nvPr/>
+      </p:nvGrpSpPr>
+      <p:grpSpPr>
+        <a:xfrm>
+          <a:off x="0" y="0"/>
+          <a:ext cx="0" cy="0"/>
+          <a:chOff x="0" y="0"/>
+          <a:chExt cx="0" cy="0"/>
+        </a:xfrm>
+      </p:grpSpPr>
+      <p:sp>
+        <p:nvSpPr>
+          <p:cNvPr id="6" name="Title 1"/>
+          <p:cNvSpPr>
+            <a:spLocks noGrp="1"/>
+          </p:cNvSpPr>
+          <p:nvPr>
+            <p:ph type="title"/>
+            <p:custDataLst>
+              <p:tags r:id="rId1"/>
+            </p:custDataLst>
+          </p:nvPr>
+        </p:nvSpPr>
+        <p:spPr>
+          <a:xfrm>
+            <a:off x="76200" y="328200"/>
+            <a:ext cx="8991600" cy="510000"/>
+          </a:xfrm>
+          <a:prstGeom prst="rect">
+            <a:avLst/>
+          </a:prstGeom>
+        </p:spPr>
+        <p:txBody>
+          <a:bodyPr/>
+          <a:lstStyle>
+            <a:lvl1pPr algn="ctr">
+              <a:defRPr sz="2400" b="1" i="0" baseline="0">
+                <a:solidFill>
+                  <a:srgbClr val="7030A0"/>
+                </a:solidFill>
+                <a:latin typeface="Comfortaa" panose="020F0603070200060003" pitchFamily="34" charset="0"/>
+              </a:defRPr>
+            </a:lvl1pPr>
+          </a:lstStyle>
+          <a:p>
+            <a:r>
+              <a:rPr lang="en-US" smtClean="0"/>
+              <a:t>Click to edit Master title style</a:t>
+            </a:r>
+            <a:endParaRPr lang="en-US" dirty="0"/>
+          </a:p>
+        </p:txBody>
+      </p:sp>
+      <p:sp>
+        <p:nvSpPr>
+          <p:cNvPr id="7" name="Content Placeholder 2"/>
+          <p:cNvSpPr>
+            <a:spLocks noGrp="1"/>
+          </p:cNvSpPr>
+          <p:nvPr>
+            <p:ph idx="1"/>
+            <p:custDataLst>
+              <p:tags r:id="rId2"/>
+            </p:custDataLst>
+          </p:nvPr>
+        </p:nvSpPr>
+        <p:spPr>
+          <a:xfrm>
+            <a:off x="76200" y="838200"/>
+            <a:ext cx="8991600" cy="5105399"/>
+          </a:xfrm>
+          <a:prstGeom prst="rect">
+            <a:avLst/>
+          </a:prstGeom>
+        </p:spPr>
+        <p:txBody>
+          <a:bodyPr/>
+          <a:lstStyle>
+            <a:lvl1pPr marL="225425" indent="-225425" algn="l">
+              <a:buFont typeface="Arial" pitchFamily="34" charset="0"/>
+              <a:buChar char="•"/>
+              <a:defRPr sz="3000" b="0" i="0" baseline="0">
+                <a:latin typeface="+mn-lt"/>
+              </a:defRPr>
+            </a:lvl1pPr>
+            <a:lvl2pPr algn="l">
+              <a:defRPr>
+                <a:latin typeface="+mn-lt"/>
+              </a:defRPr>
+            </a:lvl2pPr>
+            <a:lvl3pPr algn="l">
+              <a:defRPr>
+                <a:latin typeface="+mn-lt"/>
+              </a:defRPr>
+            </a:lvl3pPr>
+            <a:lvl4pPr algn="l">
+              <a:defRPr>
+                <a:latin typeface="+mn-lt"/>
+              </a:defRPr>
+            </a:lvl4pPr>
+            <a:lvl5pPr algn="just">
+              <a:defRPr/>
+            </a:lvl5pPr>
+          </a:lstStyle>
+          <a:p>
+            <a:pPr lvl="0"/>
+            <a:r>
+              <a:rPr lang="en-US" smtClean="0"/>
+              <a:t>Click to edit Master text styles</a:t>
+            </a:r>
+          </a:p>
+          <a:p>
+            <a:pPr lvl="1"/>
+            <a:r>
+              <a:rPr lang="en-US" smtClean="0"/>
+              <a:t>Second level</a:t>
+            </a:r>
+          </a:p>
+          <a:p>
+            <a:pPr lvl="2"/>
+            <a:r>
+              <a:rPr lang="en-US" smtClean="0"/>
+              <a:t>Third level</a:t>
+            </a:r>
+          </a:p>
+          <a:p>
+            <a:pPr lvl="3"/>
+            <a:r>
+              <a:rPr lang="en-US" smtClean="0"/>
+              <a:t>Fourth level</a:t>
+            </a:r>
+          </a:p>
+        </p:txBody>
+      </p:sp>
+    </p:spTree>
+    <p:extLst>
+      <p:ext uri="{BB962C8B-B14F-4D97-AF65-F5344CB8AC3E}">
+        <p14:creationId xmlns:p14="http://schemas.microsoft.com/office/powerpoint/2010/main" val="1807545388"/>
+      </p:ext>
+    </p:extLst>
+  </p:cSld>
+  <p:clrMapOvr>
+    <a:masterClrMapping/>
+  </p:clrMapOvr>
+  <p:timing>
+    <p:tnLst>
+      <p:par>
+        <p:cTn id="1" dur="indefinite" restart="never" nodeType="tmRoot"/>
+      </p:par>
+    </p:tnLst>
+  </p:timing>
+</p:sldLayout>
+</file>
+
+<file path=ppt/slideLayouts/slideLayout13.xml><?xml version="1.0" encoding="utf-8"?>
+<p:sldLayout xmlns:a="http://schemas.openxmlformats.org/drawingml/2006/main" xmlns:r="http://schemas.openxmlformats.org/officeDocument/2006/relationships" xmlns:p="http://schemas.openxmlformats.org/presentationml/2006/main" userDrawn="1">
+  <p:cSld name="2_Title Only">
+    <p:spTree>
+      <p:nvGrpSpPr>
+        <p:cNvPr id="1" name=""/>
+        <p:cNvGrpSpPr/>
+        <p:nvPr/>
+      </p:nvGrpSpPr>
+      <p:grpSpPr>
+        <a:xfrm>
+          <a:off x="0" y="0"/>
+          <a:ext cx="0" cy="0"/>
+          <a:chOff x="0" y="0"/>
+          <a:chExt cx="0" cy="0"/>
+        </a:xfrm>
+      </p:grpSpPr>
+      <p:sp>
+        <p:nvSpPr>
+          <p:cNvPr id="6" name="Title 1"/>
+          <p:cNvSpPr>
+            <a:spLocks noGrp="1"/>
+          </p:cNvSpPr>
+          <p:nvPr>
+            <p:ph type="title"/>
+            <p:custDataLst>
+              <p:tags r:id="rId1"/>
+            </p:custDataLst>
+          </p:nvPr>
+        </p:nvSpPr>
+        <p:spPr>
+          <a:xfrm>
+            <a:off x="76200" y="328200"/>
+            <a:ext cx="8991600" cy="510000"/>
+          </a:xfrm>
+          <a:prstGeom prst="rect">
+            <a:avLst/>
+          </a:prstGeom>
+        </p:spPr>
+        <p:txBody>
+          <a:bodyPr/>
+          <a:lstStyle>
+            <a:lvl1pPr algn="ctr">
+              <a:defRPr sz="2400" b="1" i="0" baseline="0">
+                <a:solidFill>
+                  <a:srgbClr val="7030A0"/>
+                </a:solidFill>
+                <a:latin typeface="Comfortaa" panose="020F0603070200060003" pitchFamily="34" charset="0"/>
+              </a:defRPr>
+            </a:lvl1pPr>
+          </a:lstStyle>
+          <a:p>
+            <a:r>
+              <a:rPr lang="en-US" smtClean="0"/>
+              <a:t>Click to edit Master title style</a:t>
+            </a:r>
+            <a:endParaRPr lang="en-US" dirty="0"/>
+          </a:p>
+        </p:txBody>
+      </p:sp>
+      <p:sp>
+        <p:nvSpPr>
+          <p:cNvPr id="7" name="Content Placeholder 2"/>
+          <p:cNvSpPr>
+            <a:spLocks noGrp="1"/>
+          </p:cNvSpPr>
+          <p:nvPr>
+            <p:ph idx="1"/>
+            <p:custDataLst>
+              <p:tags r:id="rId2"/>
+            </p:custDataLst>
+          </p:nvPr>
+        </p:nvSpPr>
+        <p:spPr>
+          <a:xfrm>
+            <a:off x="76200" y="838200"/>
+            <a:ext cx="8991600" cy="5105399"/>
+          </a:xfrm>
+          <a:prstGeom prst="rect">
+            <a:avLst/>
+          </a:prstGeom>
+        </p:spPr>
+        <p:txBody>
+          <a:bodyPr/>
+          <a:lstStyle>
+            <a:lvl1pPr marL="225425" indent="-225425" algn="l">
+              <a:buFont typeface="Arial" pitchFamily="34" charset="0"/>
+              <a:buChar char="•"/>
+              <a:defRPr sz="3000" b="0" i="0" baseline="0">
+                <a:latin typeface="+mn-lt"/>
+              </a:defRPr>
+            </a:lvl1pPr>
+            <a:lvl2pPr algn="l">
+              <a:defRPr>
+                <a:latin typeface="+mn-lt"/>
+              </a:defRPr>
+            </a:lvl2pPr>
+            <a:lvl3pPr algn="l">
+              <a:defRPr>
+                <a:latin typeface="+mn-lt"/>
+              </a:defRPr>
+            </a:lvl3pPr>
+            <a:lvl4pPr algn="l">
+              <a:defRPr>
+                <a:latin typeface="+mn-lt"/>
+              </a:defRPr>
+            </a:lvl4pPr>
+            <a:lvl5pPr algn="just">
+              <a:defRPr/>
+            </a:lvl5pPr>
+          </a:lstStyle>
+          <a:p>
+            <a:pPr lvl="0"/>
+            <a:r>
+              <a:rPr lang="en-US" smtClean="0"/>
+              <a:t>Click to edit Master text styles</a:t>
+            </a:r>
+          </a:p>
+          <a:p>
+            <a:pPr lvl="1"/>
+            <a:r>
+              <a:rPr lang="en-US" smtClean="0"/>
+              <a:t>Second level</a:t>
+            </a:r>
+          </a:p>
+          <a:p>
+            <a:pPr lvl="2"/>
+            <a:r>
+              <a:rPr lang="en-US" smtClean="0"/>
+              <a:t>Third level</a:t>
+            </a:r>
+          </a:p>
+          <a:p>
+            <a:pPr lvl="3"/>
+            <a:r>
+              <a:rPr lang="en-US" smtClean="0"/>
+              <a:t>Fourth level</a:t>
+            </a:r>
+          </a:p>
+        </p:txBody>
+      </p:sp>
+    </p:spTree>
+    <p:extLst>
+      <p:ext uri="{BB962C8B-B14F-4D97-AF65-F5344CB8AC3E}">
+        <p14:creationId xmlns:p14="http://schemas.microsoft.com/office/powerpoint/2010/main" val="1899784347"/>
+      </p:ext>
+    </p:extLst>
+  </p:cSld>
+  <p:clrMapOvr>
+    <a:masterClrMapping/>
+  </p:clrMapOvr>
+  <p:timing>
+    <p:tnLst>
+      <p:par>
+        <p:cTn id="1" dur="indefinite" restart="never" nodeType="tmRoot"/>
+      </p:par>
+    </p:tnLst>
+  </p:timing>
+</p:sldLayout>
+</file>
+
+<file path=ppt/slideLayouts/slideLayout14.xml><?xml version="1.0" encoding="utf-8"?>
+<p:sldLayout xmlns:a="http://schemas.openxmlformats.org/drawingml/2006/main" xmlns:r="http://schemas.openxmlformats.org/officeDocument/2006/relationships" xmlns:p="http://schemas.openxmlformats.org/presentationml/2006/main" userDrawn="1">
+  <p:cSld name="3_Title Only">
+    <p:spTree>
+      <p:nvGrpSpPr>
+        <p:cNvPr id="1" name=""/>
+        <p:cNvGrpSpPr/>
+        <p:nvPr/>
+      </p:nvGrpSpPr>
+      <p:grpSpPr>
+        <a:xfrm>
+          <a:off x="0" y="0"/>
+          <a:ext cx="0" cy="0"/>
+          <a:chOff x="0" y="0"/>
+          <a:chExt cx="0" cy="0"/>
+        </a:xfrm>
+      </p:grpSpPr>
+      <p:sp>
+        <p:nvSpPr>
+          <p:cNvPr id="6" name="Title 1"/>
+          <p:cNvSpPr>
+            <a:spLocks noGrp="1"/>
+          </p:cNvSpPr>
+          <p:nvPr>
+            <p:ph type="title"/>
+            <p:custDataLst>
+              <p:tags r:id="rId1"/>
+            </p:custDataLst>
+          </p:nvPr>
+        </p:nvSpPr>
+        <p:spPr>
+          <a:xfrm>
+            <a:off x="76200" y="328200"/>
+            <a:ext cx="8991600" cy="510000"/>
+          </a:xfrm>
+          <a:prstGeom prst="rect">
+            <a:avLst/>
+          </a:prstGeom>
+        </p:spPr>
+        <p:txBody>
+          <a:bodyPr/>
+          <a:lstStyle>
+            <a:lvl1pPr algn="ctr">
+              <a:defRPr sz="2400" b="1" i="0" baseline="0">
+                <a:solidFill>
+                  <a:srgbClr val="7030A0"/>
+                </a:solidFill>
+                <a:latin typeface="Comfortaa" panose="020F0603070200060003" pitchFamily="34" charset="0"/>
+              </a:defRPr>
+            </a:lvl1pPr>
+          </a:lstStyle>
+          <a:p>
+            <a:r>
+              <a:rPr lang="en-US" smtClean="0"/>
+              <a:t>Click to edit Master title style</a:t>
+            </a:r>
+            <a:endParaRPr lang="en-US" dirty="0"/>
+          </a:p>
+        </p:txBody>
+      </p:sp>
+      <p:sp>
+        <p:nvSpPr>
+          <p:cNvPr id="7" name="Content Placeholder 2"/>
+          <p:cNvSpPr>
+            <a:spLocks noGrp="1"/>
+          </p:cNvSpPr>
+          <p:nvPr>
+            <p:ph idx="1"/>
+            <p:custDataLst>
+              <p:tags r:id="rId2"/>
+            </p:custDataLst>
+          </p:nvPr>
+        </p:nvSpPr>
+        <p:spPr>
+          <a:xfrm>
+            <a:off x="76200" y="838200"/>
+            <a:ext cx="8991600" cy="5105399"/>
+          </a:xfrm>
+          <a:prstGeom prst="rect">
+            <a:avLst/>
+          </a:prstGeom>
+        </p:spPr>
+        <p:txBody>
+          <a:bodyPr/>
+          <a:lstStyle>
+            <a:lvl1pPr marL="225425" indent="-225425" algn="l">
+              <a:buFont typeface="Arial" pitchFamily="34" charset="0"/>
+              <a:buChar char="•"/>
+              <a:defRPr sz="3000" b="0" i="0" baseline="0">
+                <a:latin typeface="+mn-lt"/>
+              </a:defRPr>
+            </a:lvl1pPr>
+            <a:lvl2pPr algn="l">
+              <a:defRPr>
+                <a:latin typeface="+mn-lt"/>
+              </a:defRPr>
+            </a:lvl2pPr>
+            <a:lvl3pPr algn="l">
+              <a:defRPr>
+                <a:latin typeface="+mn-lt"/>
+              </a:defRPr>
+            </a:lvl3pPr>
+            <a:lvl4pPr algn="l">
+              <a:defRPr>
+                <a:latin typeface="+mn-lt"/>
+              </a:defRPr>
+            </a:lvl4pPr>
+            <a:lvl5pPr algn="just">
+              <a:defRPr/>
+            </a:lvl5pPr>
+          </a:lstStyle>
+          <a:p>
+            <a:pPr lvl="0"/>
+            <a:r>
+              <a:rPr lang="en-US" smtClean="0"/>
+              <a:t>Click to edit Master text styles</a:t>
+            </a:r>
+          </a:p>
+          <a:p>
+            <a:pPr lvl="1"/>
+            <a:r>
+              <a:rPr lang="en-US" smtClean="0"/>
+              <a:t>Second level</a:t>
+            </a:r>
+          </a:p>
+          <a:p>
+            <a:pPr lvl="2"/>
+            <a:r>
+              <a:rPr lang="en-US" smtClean="0"/>
+              <a:t>Third level</a:t>
+            </a:r>
+          </a:p>
+          <a:p>
+            <a:pPr lvl="3"/>
+            <a:r>
+              <a:rPr lang="en-US" smtClean="0"/>
+              <a:t>Fourth level</a:t>
+            </a:r>
+          </a:p>
+        </p:txBody>
+      </p:sp>
+    </p:spTree>
+    <p:extLst>
+      <p:ext uri="{BB962C8B-B14F-4D97-AF65-F5344CB8AC3E}">
+        <p14:creationId xmlns:p14="http://schemas.microsoft.com/office/powerpoint/2010/main" val="2866137876"/>
+      </p:ext>
+    </p:extLst>
+  </p:cSld>
+  <p:clrMapOvr>
+    <a:masterClrMapping/>
+  </p:clrMapOvr>
+  <p:timing>
+    <p:tnLst>
+      <p:par>
+        <p:cTn id="1" dur="indefinite" restart="never" nodeType="tmRoot"/>
+      </p:par>
+    </p:tnLst>
+  </p:timing>
+</p:sldLayout>
+</file>
+
+<file path=ppt/slideLayouts/slideLayout15.xml><?xml version="1.0" encoding="utf-8"?>
+<p:sldLayout xmlns:a="http://schemas.openxmlformats.org/drawingml/2006/main" xmlns:r="http://schemas.openxmlformats.org/officeDocument/2006/relationships" xmlns:p="http://schemas.openxmlformats.org/presentationml/2006/main" userDrawn="1">
+  <p:cSld name="4_Title Only">
+    <p:spTree>
+      <p:nvGrpSpPr>
+        <p:cNvPr id="1" name=""/>
+        <p:cNvGrpSpPr/>
+        <p:nvPr/>
+      </p:nvGrpSpPr>
+      <p:grpSpPr>
+        <a:xfrm>
+          <a:off x="0" y="0"/>
+          <a:ext cx="0" cy="0"/>
+          <a:chOff x="0" y="0"/>
+          <a:chExt cx="0" cy="0"/>
+        </a:xfrm>
+      </p:grpSpPr>
+      <p:sp>
+        <p:nvSpPr>
+          <p:cNvPr id="6" name="Title 1"/>
+          <p:cNvSpPr>
+            <a:spLocks noGrp="1"/>
+          </p:cNvSpPr>
+          <p:nvPr>
+            <p:ph type="title"/>
+            <p:custDataLst>
+              <p:tags r:id="rId1"/>
+            </p:custDataLst>
+          </p:nvPr>
+        </p:nvSpPr>
+        <p:spPr>
+          <a:xfrm>
+            <a:off x="76200" y="328200"/>
+            <a:ext cx="8991600" cy="510000"/>
+          </a:xfrm>
+          <a:prstGeom prst="rect">
+            <a:avLst/>
+          </a:prstGeom>
+        </p:spPr>
+        <p:txBody>
+          <a:bodyPr/>
+          <a:lstStyle>
+            <a:lvl1pPr algn="ctr">
+              <a:defRPr sz="2400" b="1" i="0" baseline="0">
+                <a:solidFill>
+                  <a:srgbClr val="7030A0"/>
+                </a:solidFill>
+                <a:latin typeface="Comfortaa" panose="020F0603070200060003" pitchFamily="34" charset="0"/>
+              </a:defRPr>
+            </a:lvl1pPr>
+          </a:lstStyle>
+          <a:p>
+            <a:r>
+              <a:rPr lang="en-US" smtClean="0"/>
+              <a:t>Click to edit Master title style</a:t>
+            </a:r>
+            <a:endParaRPr lang="en-US" dirty="0"/>
+          </a:p>
+        </p:txBody>
+      </p:sp>
+      <p:sp>
+        <p:nvSpPr>
+          <p:cNvPr id="7" name="Content Placeholder 2"/>
+          <p:cNvSpPr>
+            <a:spLocks noGrp="1"/>
+          </p:cNvSpPr>
+          <p:nvPr>
+            <p:ph idx="1"/>
+            <p:custDataLst>
+              <p:tags r:id="rId2"/>
+            </p:custDataLst>
+          </p:nvPr>
+        </p:nvSpPr>
+        <p:spPr>
+          <a:xfrm>
+            <a:off x="76200" y="838200"/>
+            <a:ext cx="8991600" cy="5105399"/>
+          </a:xfrm>
+          <a:prstGeom prst="rect">
+            <a:avLst/>
+          </a:prstGeom>
+        </p:spPr>
+        <p:txBody>
+          <a:bodyPr/>
+          <a:lstStyle>
+            <a:lvl1pPr marL="225425" indent="-225425" algn="l">
+              <a:buFont typeface="Arial" pitchFamily="34" charset="0"/>
+              <a:buChar char="•"/>
+              <a:defRPr sz="3000" b="0" i="0" baseline="0">
+                <a:latin typeface="+mn-lt"/>
+              </a:defRPr>
+            </a:lvl1pPr>
+            <a:lvl2pPr algn="l">
+              <a:defRPr>
+                <a:latin typeface="+mn-lt"/>
+              </a:defRPr>
+            </a:lvl2pPr>
+            <a:lvl3pPr algn="l">
+              <a:defRPr>
+                <a:latin typeface="+mn-lt"/>
+              </a:defRPr>
+            </a:lvl3pPr>
+            <a:lvl4pPr algn="l">
+              <a:defRPr>
+                <a:latin typeface="+mn-lt"/>
+              </a:defRPr>
+            </a:lvl4pPr>
+            <a:lvl5pPr algn="just">
+              <a:defRPr/>
+            </a:lvl5pPr>
+          </a:lstStyle>
+          <a:p>
+            <a:pPr lvl="0"/>
+            <a:r>
+              <a:rPr lang="en-US" smtClean="0"/>
+              <a:t>Click to edit Master text styles</a:t>
+            </a:r>
+          </a:p>
+          <a:p>
+            <a:pPr lvl="1"/>
+            <a:r>
+              <a:rPr lang="en-US" smtClean="0"/>
+              <a:t>Second level</a:t>
+            </a:r>
+          </a:p>
+          <a:p>
+            <a:pPr lvl="2"/>
+            <a:r>
+              <a:rPr lang="en-US" smtClean="0"/>
+              <a:t>Third level</a:t>
+            </a:r>
+          </a:p>
+          <a:p>
+            <a:pPr lvl="3"/>
+            <a:r>
+              <a:rPr lang="en-US" smtClean="0"/>
+              <a:t>Fourth level</a:t>
+            </a:r>
+          </a:p>
+        </p:txBody>
+      </p:sp>
+    </p:spTree>
+    <p:extLst>
+      <p:ext uri="{BB962C8B-B14F-4D97-AF65-F5344CB8AC3E}">
+        <p14:creationId xmlns:p14="http://schemas.microsoft.com/office/powerpoint/2010/main" val="2248330734"/>
+      </p:ext>
+    </p:extLst>
+  </p:cSld>
+  <p:clrMapOvr>
+    <a:masterClrMapping/>
+  </p:clrMapOvr>
+  <p:timing>
+    <p:tnLst>
+      <p:par>
+        <p:cTn id="1" dur="indefinite" restart="never" nodeType="tmRoot"/>
+      </p:par>
+    </p:tnLst>
+  </p:timing>
+</p:sldLayout>
+</file>
+
+<file path=ppt/slideLayouts/slideLayout16.xml><?xml version="1.0" encoding="utf-8"?>
+<p:sldLayout xmlns:a="http://schemas.openxmlformats.org/drawingml/2006/main" xmlns:r="http://schemas.openxmlformats.org/officeDocument/2006/relationships" xmlns:p="http://schemas.openxmlformats.org/presentationml/2006/main" userDrawn="1">
+  <p:cSld name="5_Title Only">
+    <p:spTree>
+      <p:nvGrpSpPr>
+        <p:cNvPr id="1" name=""/>
+        <p:cNvGrpSpPr/>
+        <p:nvPr/>
+      </p:nvGrpSpPr>
+      <p:grpSpPr>
+        <a:xfrm>
+          <a:off x="0" y="0"/>
+          <a:ext cx="0" cy="0"/>
+          <a:chOff x="0" y="0"/>
+          <a:chExt cx="0" cy="0"/>
+        </a:xfrm>
+      </p:grpSpPr>
+      <p:sp>
+        <p:nvSpPr>
+          <p:cNvPr id="6" name="Title 1"/>
+          <p:cNvSpPr>
+            <a:spLocks noGrp="1"/>
+          </p:cNvSpPr>
+          <p:nvPr>
+            <p:ph type="title"/>
+            <p:custDataLst>
+              <p:tags r:id="rId1"/>
+            </p:custDataLst>
+          </p:nvPr>
+        </p:nvSpPr>
+        <p:spPr>
+          <a:xfrm>
+            <a:off x="76200" y="328200"/>
+            <a:ext cx="8991600" cy="510000"/>
+          </a:xfrm>
+          <a:prstGeom prst="rect">
+            <a:avLst/>
+          </a:prstGeom>
+        </p:spPr>
+        <p:txBody>
+          <a:bodyPr/>
+          <a:lstStyle>
+            <a:lvl1pPr algn="ctr">
+              <a:defRPr sz="2400" b="1" i="0" baseline="0">
+                <a:solidFill>
+                  <a:srgbClr val="7030A0"/>
+                </a:solidFill>
+                <a:latin typeface="Comfortaa" panose="020F0603070200060003" pitchFamily="34" charset="0"/>
+              </a:defRPr>
+            </a:lvl1pPr>
+          </a:lstStyle>
+          <a:p>
+            <a:r>
+              <a:rPr lang="en-US" smtClean="0"/>
+              <a:t>Click to edit Master title style</a:t>
+            </a:r>
+            <a:endParaRPr lang="en-US" dirty="0"/>
+          </a:p>
+        </p:txBody>
+      </p:sp>
+      <p:sp>
+        <p:nvSpPr>
+          <p:cNvPr id="7" name="Content Placeholder 2"/>
+          <p:cNvSpPr>
+            <a:spLocks noGrp="1"/>
+          </p:cNvSpPr>
+          <p:nvPr>
+            <p:ph idx="1"/>
+            <p:custDataLst>
+              <p:tags r:id="rId2"/>
+            </p:custDataLst>
+          </p:nvPr>
+        </p:nvSpPr>
+        <p:spPr>
+          <a:xfrm>
+            <a:off x="76200" y="838200"/>
+            <a:ext cx="8991600" cy="5105399"/>
+          </a:xfrm>
+          <a:prstGeom prst="rect">
+            <a:avLst/>
+          </a:prstGeom>
+        </p:spPr>
+        <p:txBody>
+          <a:bodyPr/>
+          <a:lstStyle>
+            <a:lvl1pPr marL="225425" indent="-225425" algn="l">
+              <a:buFont typeface="Arial" pitchFamily="34" charset="0"/>
+              <a:buChar char="•"/>
+              <a:defRPr sz="3000" b="0" i="0" baseline="0">
+                <a:latin typeface="+mn-lt"/>
+              </a:defRPr>
+            </a:lvl1pPr>
+            <a:lvl2pPr algn="l">
+              <a:defRPr>
+                <a:latin typeface="+mn-lt"/>
+              </a:defRPr>
+            </a:lvl2pPr>
+            <a:lvl3pPr algn="l">
+              <a:defRPr>
+                <a:latin typeface="+mn-lt"/>
+              </a:defRPr>
+            </a:lvl3pPr>
+            <a:lvl4pPr algn="l">
+              <a:defRPr>
+                <a:latin typeface="+mn-lt"/>
+              </a:defRPr>
+            </a:lvl4pPr>
+            <a:lvl5pPr algn="just">
+              <a:defRPr/>
+            </a:lvl5pPr>
+          </a:lstStyle>
+          <a:p>
+            <a:pPr lvl="0"/>
+            <a:r>
+              <a:rPr lang="en-US" smtClean="0"/>
+              <a:t>Click to edit Master text styles</a:t>
+            </a:r>
+          </a:p>
+          <a:p>
+            <a:pPr lvl="1"/>
+            <a:r>
+              <a:rPr lang="en-US" smtClean="0"/>
+              <a:t>Second level</a:t>
+            </a:r>
+          </a:p>
+          <a:p>
+            <a:pPr lvl="2"/>
+            <a:r>
+              <a:rPr lang="en-US" smtClean="0"/>
+              <a:t>Third level</a:t>
+            </a:r>
+          </a:p>
+          <a:p>
+            <a:pPr lvl="3"/>
+            <a:r>
+              <a:rPr lang="en-US" smtClean="0"/>
+              <a:t>Fourth level</a:t>
+            </a:r>
+          </a:p>
+        </p:txBody>
+      </p:sp>
+    </p:spTree>
+    <p:extLst>
+      <p:ext uri="{BB962C8B-B14F-4D97-AF65-F5344CB8AC3E}">
+        <p14:creationId xmlns:p14="http://schemas.microsoft.com/office/powerpoint/2010/main" val="450647698"/>
+      </p:ext>
+    </p:extLst>
+  </p:cSld>
+  <p:clrMapOvr>
+    <a:masterClrMapping/>
+  </p:clrMapOvr>
+  <p:timing>
+    <p:tnLst>
+      <p:par>
+        <p:cTn id="1" dur="indefinite" restart="never" nodeType="tmRoot"/>
+      </p:par>
+    </p:tnLst>
+  </p:timing>
+</p:sldLayout>
+</file>
+
+<file path=ppt/slideLayouts/slideLayout17.xml><?xml version="1.0" encoding="utf-8"?>
+<p:sldLayout xmlns:a="http://schemas.openxmlformats.org/drawingml/2006/main" xmlns:r="http://schemas.openxmlformats.org/officeDocument/2006/relationships" xmlns:p="http://schemas.openxmlformats.org/presentationml/2006/main" userDrawn="1">
+  <p:cSld name="6_Title Only">
+    <p:spTree>
+      <p:nvGrpSpPr>
+        <p:cNvPr id="1" name=""/>
+        <p:cNvGrpSpPr/>
+        <p:nvPr/>
+      </p:nvGrpSpPr>
+      <p:grpSpPr>
+        <a:xfrm>
+          <a:off x="0" y="0"/>
+          <a:ext cx="0" cy="0"/>
+          <a:chOff x="0" y="0"/>
+          <a:chExt cx="0" cy="0"/>
+        </a:xfrm>
+      </p:grpSpPr>
+      <p:sp>
+        <p:nvSpPr>
+          <p:cNvPr id="6" name="Title 1"/>
+          <p:cNvSpPr>
+            <a:spLocks noGrp="1"/>
+          </p:cNvSpPr>
+          <p:nvPr>
+            <p:ph type="title"/>
+            <p:custDataLst>
+              <p:tags r:id="rId1"/>
+            </p:custDataLst>
+          </p:nvPr>
+        </p:nvSpPr>
+        <p:spPr>
+          <a:xfrm>
+            <a:off x="76200" y="328200"/>
+            <a:ext cx="8991600" cy="510000"/>
+          </a:xfrm>
+          <a:prstGeom prst="rect">
+            <a:avLst/>
+          </a:prstGeom>
+        </p:spPr>
+        <p:txBody>
+          <a:bodyPr/>
+          <a:lstStyle>
+            <a:lvl1pPr algn="ctr">
+              <a:defRPr sz="2400" b="1" i="0" baseline="0">
+                <a:solidFill>
+                  <a:srgbClr val="7030A0"/>
+                </a:solidFill>
+                <a:latin typeface="Comfortaa" panose="020F0603070200060003" pitchFamily="34" charset="0"/>
+              </a:defRPr>
+            </a:lvl1pPr>
+          </a:lstStyle>
+          <a:p>
+            <a:r>
+              <a:rPr lang="en-US" smtClean="0"/>
+              <a:t>Click to edit Master title style</a:t>
+            </a:r>
+            <a:endParaRPr lang="en-US" dirty="0"/>
+          </a:p>
+        </p:txBody>
+      </p:sp>
+      <p:sp>
+        <p:nvSpPr>
+          <p:cNvPr id="7" name="Content Placeholder 2"/>
+          <p:cNvSpPr>
+            <a:spLocks noGrp="1"/>
+          </p:cNvSpPr>
+          <p:nvPr>
+            <p:ph idx="1"/>
+            <p:custDataLst>
+              <p:tags r:id="rId2"/>
+            </p:custDataLst>
+          </p:nvPr>
+        </p:nvSpPr>
+        <p:spPr>
+          <a:xfrm>
+            <a:off x="76200" y="838200"/>
+            <a:ext cx="8991600" cy="5105399"/>
+          </a:xfrm>
+          <a:prstGeom prst="rect">
+            <a:avLst/>
+          </a:prstGeom>
+        </p:spPr>
+        <p:txBody>
+          <a:bodyPr/>
+          <a:lstStyle>
+            <a:lvl1pPr marL="225425" indent="-225425" algn="l">
+              <a:buFont typeface="Arial" pitchFamily="34" charset="0"/>
+              <a:buChar char="•"/>
+              <a:defRPr sz="3000" b="0" i="0" baseline="0">
+                <a:latin typeface="+mn-lt"/>
+              </a:defRPr>
+            </a:lvl1pPr>
+            <a:lvl2pPr algn="l">
+              <a:defRPr>
+                <a:latin typeface="+mn-lt"/>
+              </a:defRPr>
+            </a:lvl2pPr>
+            <a:lvl3pPr algn="l">
+              <a:defRPr>
+                <a:latin typeface="+mn-lt"/>
+              </a:defRPr>
+            </a:lvl3pPr>
+            <a:lvl4pPr algn="l">
+              <a:defRPr>
+                <a:latin typeface="+mn-lt"/>
+              </a:defRPr>
+            </a:lvl4pPr>
+            <a:lvl5pPr algn="just">
+              <a:defRPr/>
+            </a:lvl5pPr>
+          </a:lstStyle>
+          <a:p>
+            <a:pPr lvl="0"/>
+            <a:r>
+              <a:rPr lang="en-US" smtClean="0"/>
+              <a:t>Click to edit Master text styles</a:t>
+            </a:r>
+          </a:p>
+          <a:p>
+            <a:pPr lvl="1"/>
+            <a:r>
+              <a:rPr lang="en-US" smtClean="0"/>
+              <a:t>Second level</a:t>
+            </a:r>
+          </a:p>
+          <a:p>
+            <a:pPr lvl="2"/>
+            <a:r>
+              <a:rPr lang="en-US" smtClean="0"/>
+              <a:t>Third level</a:t>
+            </a:r>
+          </a:p>
+          <a:p>
+            <a:pPr lvl="3"/>
+            <a:r>
+              <a:rPr lang="en-US" smtClean="0"/>
+              <a:t>Fourth level</a:t>
+            </a:r>
+          </a:p>
+        </p:txBody>
+      </p:sp>
+    </p:spTree>
+    <p:extLst>
+      <p:ext uri="{BB962C8B-B14F-4D97-AF65-F5344CB8AC3E}">
+        <p14:creationId xmlns:p14="http://schemas.microsoft.com/office/powerpoint/2010/main" val="2912792387"/>
+      </p:ext>
+    </p:extLst>
+  </p:cSld>
+  <p:clrMapOvr>
+    <a:masterClrMapping/>
+  </p:clrMapOvr>
+  <p:timing>
+    <p:tnLst>
+      <p:par>
+        <p:cTn id="1" dur="indefinite" restart="never" nodeType="tmRoot"/>
+      </p:par>
+    </p:tnLst>
+  </p:timing>
+</p:sldLayout>
+</file>
+
+<file path=ppt/slideLayouts/slideLayout18.xml><?xml version="1.0" encoding="utf-8"?>
 <p:sldLayout xmlns:a="http://schemas.openxmlformats.org/drawingml/2006/main" xmlns:r="http://schemas.openxmlformats.org/officeDocument/2006/relationships" xmlns:p="http://schemas.openxmlformats.org/presentationml/2006/main" preserve="1" userDrawn="1">
-  <p:cSld name="1_Title Only">
+  <p:cSld name="7_Title Only">
     <p:bg>
       <p:bgPr>
         <a:blipFill dpi="0" rotWithShape="1">
@@ -746,9 +2258,9 @@
 </p:sldLayout>
 </file>
 
-<file path=ppt/slideLayouts/slideLayout2.xml><?xml version="1.0" encoding="utf-8"?>
+<file path=ppt/slideLayouts/slideLayout19.xml><?xml version="1.0" encoding="utf-8"?>
 <p:sldLayout xmlns:a="http://schemas.openxmlformats.org/drawingml/2006/main" xmlns:r="http://schemas.openxmlformats.org/officeDocument/2006/relationships" xmlns:p="http://schemas.openxmlformats.org/presentationml/2006/main" preserve="1" userDrawn="1">
-  <p:cSld name="2_Title Only">
+  <p:cSld name="8_Title Only">
     <p:spTree>
       <p:nvGrpSpPr>
         <p:cNvPr id="1" name=""/>
@@ -864,8 +2376,1027 @@
 </p:sldLayout>
 </file>
 
+<file path=ppt/slideLayouts/slideLayout2.xml><?xml version="1.0" encoding="utf-8"?>
+<p:sldLayout xmlns:a="http://schemas.openxmlformats.org/drawingml/2006/main" xmlns:r="http://schemas.openxmlformats.org/officeDocument/2006/relationships" xmlns:p="http://schemas.openxmlformats.org/presentationml/2006/main" type="obj" preserve="1">
+  <p:cSld name="Title and Content">
+    <p:spTree>
+      <p:nvGrpSpPr>
+        <p:cNvPr id="1" name=""/>
+        <p:cNvGrpSpPr/>
+        <p:nvPr/>
+      </p:nvGrpSpPr>
+      <p:grpSpPr>
+        <a:xfrm>
+          <a:off x="0" y="0"/>
+          <a:ext cx="0" cy="0"/>
+          <a:chOff x="0" y="0"/>
+          <a:chExt cx="0" cy="0"/>
+        </a:xfrm>
+      </p:grpSpPr>
+      <p:sp>
+        <p:nvSpPr>
+          <p:cNvPr id="2" name="Title 1"/>
+          <p:cNvSpPr>
+            <a:spLocks noGrp="1"/>
+          </p:cNvSpPr>
+          <p:nvPr>
+            <p:ph type="title"/>
+          </p:nvPr>
+        </p:nvSpPr>
+        <p:spPr/>
+        <p:txBody>
+          <a:bodyPr/>
+          <a:lstStyle/>
+          <a:p>
+            <a:r>
+              <a:rPr lang="en-US" smtClean="0"/>
+              <a:t>Click to edit Master title style</a:t>
+            </a:r>
+            <a:endParaRPr lang="en-GB"/>
+          </a:p>
+        </p:txBody>
+      </p:sp>
+      <p:sp>
+        <p:nvSpPr>
+          <p:cNvPr id="3" name="Content Placeholder 2"/>
+          <p:cNvSpPr>
+            <a:spLocks noGrp="1"/>
+          </p:cNvSpPr>
+          <p:nvPr>
+            <p:ph idx="1"/>
+          </p:nvPr>
+        </p:nvSpPr>
+        <p:spPr/>
+        <p:txBody>
+          <a:bodyPr/>
+          <a:lstStyle/>
+          <a:p>
+            <a:pPr lvl="0"/>
+            <a:r>
+              <a:rPr lang="en-US" smtClean="0"/>
+              <a:t>Click to edit Master text styles</a:t>
+            </a:r>
+          </a:p>
+          <a:p>
+            <a:pPr lvl="1"/>
+            <a:r>
+              <a:rPr lang="en-US" smtClean="0"/>
+              <a:t>Second level</a:t>
+            </a:r>
+          </a:p>
+          <a:p>
+            <a:pPr lvl="2"/>
+            <a:r>
+              <a:rPr lang="en-US" smtClean="0"/>
+              <a:t>Third level</a:t>
+            </a:r>
+          </a:p>
+          <a:p>
+            <a:pPr lvl="3"/>
+            <a:r>
+              <a:rPr lang="en-US" smtClean="0"/>
+              <a:t>Fourth level</a:t>
+            </a:r>
+          </a:p>
+          <a:p>
+            <a:pPr lvl="4"/>
+            <a:r>
+              <a:rPr lang="en-US" smtClean="0"/>
+              <a:t>Fifth level</a:t>
+            </a:r>
+            <a:endParaRPr lang="en-GB"/>
+          </a:p>
+        </p:txBody>
+      </p:sp>
+      <p:sp>
+        <p:nvSpPr>
+          <p:cNvPr id="4" name="Date Placeholder 3"/>
+          <p:cNvSpPr>
+            <a:spLocks noGrp="1"/>
+          </p:cNvSpPr>
+          <p:nvPr>
+            <p:ph type="dt" sz="half" idx="10"/>
+          </p:nvPr>
+        </p:nvSpPr>
+        <p:spPr/>
+        <p:txBody>
+          <a:bodyPr/>
+          <a:lstStyle/>
+          <a:p>
+            <a:fld id="{D0823908-2689-42EA-85FA-685E69EBFF6B}" type="datetimeFigureOut">
+              <a:rPr lang="en-GB" smtClean="0"/>
+              <a:t>07/01/2016</a:t>
+            </a:fld>
+            <a:endParaRPr lang="en-GB"/>
+          </a:p>
+        </p:txBody>
+      </p:sp>
+      <p:sp>
+        <p:nvSpPr>
+          <p:cNvPr id="5" name="Footer Placeholder 4"/>
+          <p:cNvSpPr>
+            <a:spLocks noGrp="1"/>
+          </p:cNvSpPr>
+          <p:nvPr>
+            <p:ph type="ftr" sz="quarter" idx="11"/>
+          </p:nvPr>
+        </p:nvSpPr>
+        <p:spPr/>
+        <p:txBody>
+          <a:bodyPr/>
+          <a:lstStyle/>
+          <a:p>
+            <a:endParaRPr lang="en-GB"/>
+          </a:p>
+        </p:txBody>
+      </p:sp>
+      <p:sp>
+        <p:nvSpPr>
+          <p:cNvPr id="6" name="Slide Number Placeholder 5"/>
+          <p:cNvSpPr>
+            <a:spLocks noGrp="1"/>
+          </p:cNvSpPr>
+          <p:nvPr>
+            <p:ph type="sldNum" sz="quarter" idx="12"/>
+          </p:nvPr>
+        </p:nvSpPr>
+        <p:spPr/>
+        <p:txBody>
+          <a:bodyPr/>
+          <a:lstStyle/>
+          <a:p>
+            <a:fld id="{17A7BC5E-5705-4547-84A2-DF79DB49C5EF}" type="slidenum">
+              <a:rPr lang="en-GB" smtClean="0"/>
+              <a:t>‹#›</a:t>
+            </a:fld>
+            <a:endParaRPr lang="en-GB"/>
+          </a:p>
+        </p:txBody>
+      </p:sp>
+    </p:spTree>
+    <p:extLst>
+      <p:ext uri="{BB962C8B-B14F-4D97-AF65-F5344CB8AC3E}">
+        <p14:creationId xmlns:p14="http://schemas.microsoft.com/office/powerpoint/2010/main" val="1345504896"/>
+      </p:ext>
+    </p:extLst>
+  </p:cSld>
+  <p:clrMapOvr>
+    <a:masterClrMapping/>
+  </p:clrMapOvr>
+  <p:hf sldNum="0" hdr="0" ftr="0" dt="0"/>
+</p:sldLayout>
+</file>
+
 <file path=ppt/slideLayouts/slideLayout3.xml><?xml version="1.0" encoding="utf-8"?>
-<p:sldLayout xmlns:a="http://schemas.openxmlformats.org/drawingml/2006/main" xmlns:r="http://schemas.openxmlformats.org/officeDocument/2006/relationships" xmlns:p="http://schemas.openxmlformats.org/presentationml/2006/main" preserve="1" userDrawn="1">
+<p:sldLayout xmlns:a="http://schemas.openxmlformats.org/drawingml/2006/main" xmlns:r="http://schemas.openxmlformats.org/officeDocument/2006/relationships" xmlns:p="http://schemas.openxmlformats.org/presentationml/2006/main" type="secHead" preserve="1">
+  <p:cSld name="Section Header">
+    <p:spTree>
+      <p:nvGrpSpPr>
+        <p:cNvPr id="1" name=""/>
+        <p:cNvGrpSpPr/>
+        <p:nvPr/>
+      </p:nvGrpSpPr>
+      <p:grpSpPr>
+        <a:xfrm>
+          <a:off x="0" y="0"/>
+          <a:ext cx="0" cy="0"/>
+          <a:chOff x="0" y="0"/>
+          <a:chExt cx="0" cy="0"/>
+        </a:xfrm>
+      </p:grpSpPr>
+      <p:sp>
+        <p:nvSpPr>
+          <p:cNvPr id="2" name="Title 1"/>
+          <p:cNvSpPr>
+            <a:spLocks noGrp="1"/>
+          </p:cNvSpPr>
+          <p:nvPr>
+            <p:ph type="title"/>
+          </p:nvPr>
+        </p:nvSpPr>
+        <p:spPr>
+          <a:xfrm>
+            <a:off x="623888" y="1709739"/>
+            <a:ext cx="7886700" cy="2852737"/>
+          </a:xfrm>
+        </p:spPr>
+        <p:txBody>
+          <a:bodyPr anchor="b"/>
+          <a:lstStyle>
+            <a:lvl1pPr>
+              <a:defRPr sz="4500"/>
+            </a:lvl1pPr>
+          </a:lstStyle>
+          <a:p>
+            <a:r>
+              <a:rPr lang="en-US" smtClean="0"/>
+              <a:t>Click to edit Master title style</a:t>
+            </a:r>
+            <a:endParaRPr lang="en-GB"/>
+          </a:p>
+        </p:txBody>
+      </p:sp>
+      <p:sp>
+        <p:nvSpPr>
+          <p:cNvPr id="3" name="Text Placeholder 2"/>
+          <p:cNvSpPr>
+            <a:spLocks noGrp="1"/>
+          </p:cNvSpPr>
+          <p:nvPr>
+            <p:ph type="body" idx="1"/>
+          </p:nvPr>
+        </p:nvSpPr>
+        <p:spPr>
+          <a:xfrm>
+            <a:off x="623888" y="4589464"/>
+            <a:ext cx="7886700" cy="1500187"/>
+          </a:xfrm>
+        </p:spPr>
+        <p:txBody>
+          <a:bodyPr/>
+          <a:lstStyle>
+            <a:lvl1pPr marL="0" indent="0">
+              <a:buNone/>
+              <a:defRPr sz="1800">
+                <a:solidFill>
+                  <a:schemeClr val="tx1">
+                    <a:tint val="75000"/>
+                  </a:schemeClr>
+                </a:solidFill>
+              </a:defRPr>
+            </a:lvl1pPr>
+            <a:lvl2pPr marL="342900" indent="0">
+              <a:buNone/>
+              <a:defRPr sz="1500">
+                <a:solidFill>
+                  <a:schemeClr val="tx1">
+                    <a:tint val="75000"/>
+                  </a:schemeClr>
+                </a:solidFill>
+              </a:defRPr>
+            </a:lvl2pPr>
+            <a:lvl3pPr marL="685800" indent="0">
+              <a:buNone/>
+              <a:defRPr sz="1350">
+                <a:solidFill>
+                  <a:schemeClr val="tx1">
+                    <a:tint val="75000"/>
+                  </a:schemeClr>
+                </a:solidFill>
+              </a:defRPr>
+            </a:lvl3pPr>
+            <a:lvl4pPr marL="1028700" indent="0">
+              <a:buNone/>
+              <a:defRPr sz="1200">
+                <a:solidFill>
+                  <a:schemeClr val="tx1">
+                    <a:tint val="75000"/>
+                  </a:schemeClr>
+                </a:solidFill>
+              </a:defRPr>
+            </a:lvl4pPr>
+            <a:lvl5pPr marL="1371600" indent="0">
+              <a:buNone/>
+              <a:defRPr sz="1200">
+                <a:solidFill>
+                  <a:schemeClr val="tx1">
+                    <a:tint val="75000"/>
+                  </a:schemeClr>
+                </a:solidFill>
+              </a:defRPr>
+            </a:lvl5pPr>
+            <a:lvl6pPr marL="1714500" indent="0">
+              <a:buNone/>
+              <a:defRPr sz="1200">
+                <a:solidFill>
+                  <a:schemeClr val="tx1">
+                    <a:tint val="75000"/>
+                  </a:schemeClr>
+                </a:solidFill>
+              </a:defRPr>
+            </a:lvl6pPr>
+            <a:lvl7pPr marL="2057400" indent="0">
+              <a:buNone/>
+              <a:defRPr sz="1200">
+                <a:solidFill>
+                  <a:schemeClr val="tx1">
+                    <a:tint val="75000"/>
+                  </a:schemeClr>
+                </a:solidFill>
+              </a:defRPr>
+            </a:lvl7pPr>
+            <a:lvl8pPr marL="2400300" indent="0">
+              <a:buNone/>
+              <a:defRPr sz="1200">
+                <a:solidFill>
+                  <a:schemeClr val="tx1">
+                    <a:tint val="75000"/>
+                  </a:schemeClr>
+                </a:solidFill>
+              </a:defRPr>
+            </a:lvl8pPr>
+            <a:lvl9pPr marL="2743200" indent="0">
+              <a:buNone/>
+              <a:defRPr sz="1200">
+                <a:solidFill>
+                  <a:schemeClr val="tx1">
+                    <a:tint val="75000"/>
+                  </a:schemeClr>
+                </a:solidFill>
+              </a:defRPr>
+            </a:lvl9pPr>
+          </a:lstStyle>
+          <a:p>
+            <a:pPr lvl="0"/>
+            <a:r>
+              <a:rPr lang="en-US" smtClean="0"/>
+              <a:t>Click to edit Master text styles</a:t>
+            </a:r>
+          </a:p>
+        </p:txBody>
+      </p:sp>
+      <p:sp>
+        <p:nvSpPr>
+          <p:cNvPr id="4" name="Date Placeholder 3"/>
+          <p:cNvSpPr>
+            <a:spLocks noGrp="1"/>
+          </p:cNvSpPr>
+          <p:nvPr>
+            <p:ph type="dt" sz="half" idx="10"/>
+          </p:nvPr>
+        </p:nvSpPr>
+        <p:spPr/>
+        <p:txBody>
+          <a:bodyPr/>
+          <a:lstStyle/>
+          <a:p>
+            <a:fld id="{D0823908-2689-42EA-85FA-685E69EBFF6B}" type="datetimeFigureOut">
+              <a:rPr lang="en-GB" smtClean="0"/>
+              <a:t>07/01/2016</a:t>
+            </a:fld>
+            <a:endParaRPr lang="en-GB"/>
+          </a:p>
+        </p:txBody>
+      </p:sp>
+      <p:sp>
+        <p:nvSpPr>
+          <p:cNvPr id="5" name="Footer Placeholder 4"/>
+          <p:cNvSpPr>
+            <a:spLocks noGrp="1"/>
+          </p:cNvSpPr>
+          <p:nvPr>
+            <p:ph type="ftr" sz="quarter" idx="11"/>
+          </p:nvPr>
+        </p:nvSpPr>
+        <p:spPr/>
+        <p:txBody>
+          <a:bodyPr/>
+          <a:lstStyle/>
+          <a:p>
+            <a:endParaRPr lang="en-GB"/>
+          </a:p>
+        </p:txBody>
+      </p:sp>
+      <p:sp>
+        <p:nvSpPr>
+          <p:cNvPr id="6" name="Slide Number Placeholder 5"/>
+          <p:cNvSpPr>
+            <a:spLocks noGrp="1"/>
+          </p:cNvSpPr>
+          <p:nvPr>
+            <p:ph type="sldNum" sz="quarter" idx="12"/>
+          </p:nvPr>
+        </p:nvSpPr>
+        <p:spPr/>
+        <p:txBody>
+          <a:bodyPr/>
+          <a:lstStyle/>
+          <a:p>
+            <a:fld id="{17A7BC5E-5705-4547-84A2-DF79DB49C5EF}" type="slidenum">
+              <a:rPr lang="en-GB" smtClean="0"/>
+              <a:t>‹#›</a:t>
+            </a:fld>
+            <a:endParaRPr lang="en-GB"/>
+          </a:p>
+        </p:txBody>
+      </p:sp>
+    </p:spTree>
+    <p:extLst>
+      <p:ext uri="{BB962C8B-B14F-4D97-AF65-F5344CB8AC3E}">
+        <p14:creationId xmlns:p14="http://schemas.microsoft.com/office/powerpoint/2010/main" val="606103696"/>
+      </p:ext>
+    </p:extLst>
+  </p:cSld>
+  <p:clrMapOvr>
+    <a:masterClrMapping/>
+  </p:clrMapOvr>
+  <p:hf sldNum="0" hdr="0" ftr="0" dt="0"/>
+</p:sldLayout>
+</file>
+
+<file path=ppt/slideLayouts/slideLayout4.xml><?xml version="1.0" encoding="utf-8"?>
+<p:sldLayout xmlns:a="http://schemas.openxmlformats.org/drawingml/2006/main" xmlns:r="http://schemas.openxmlformats.org/officeDocument/2006/relationships" xmlns:p="http://schemas.openxmlformats.org/presentationml/2006/main" type="twoObj" preserve="1">
+  <p:cSld name="Two Content">
+    <p:spTree>
+      <p:nvGrpSpPr>
+        <p:cNvPr id="1" name=""/>
+        <p:cNvGrpSpPr/>
+        <p:nvPr/>
+      </p:nvGrpSpPr>
+      <p:grpSpPr>
+        <a:xfrm>
+          <a:off x="0" y="0"/>
+          <a:ext cx="0" cy="0"/>
+          <a:chOff x="0" y="0"/>
+          <a:chExt cx="0" cy="0"/>
+        </a:xfrm>
+      </p:grpSpPr>
+      <p:sp>
+        <p:nvSpPr>
+          <p:cNvPr id="2" name="Title 1"/>
+          <p:cNvSpPr>
+            <a:spLocks noGrp="1"/>
+          </p:cNvSpPr>
+          <p:nvPr>
+            <p:ph type="title"/>
+          </p:nvPr>
+        </p:nvSpPr>
+        <p:spPr/>
+        <p:txBody>
+          <a:bodyPr/>
+          <a:lstStyle/>
+          <a:p>
+            <a:r>
+              <a:rPr lang="en-US" smtClean="0"/>
+              <a:t>Click to edit Master title style</a:t>
+            </a:r>
+            <a:endParaRPr lang="en-GB"/>
+          </a:p>
+        </p:txBody>
+      </p:sp>
+      <p:sp>
+        <p:nvSpPr>
+          <p:cNvPr id="3" name="Content Placeholder 2"/>
+          <p:cNvSpPr>
+            <a:spLocks noGrp="1"/>
+          </p:cNvSpPr>
+          <p:nvPr>
+            <p:ph sz="half" idx="1"/>
+          </p:nvPr>
+        </p:nvSpPr>
+        <p:spPr>
+          <a:xfrm>
+            <a:off x="628650" y="1825625"/>
+            <a:ext cx="3886200" cy="4351338"/>
+          </a:xfrm>
+        </p:spPr>
+        <p:txBody>
+          <a:bodyPr/>
+          <a:lstStyle/>
+          <a:p>
+            <a:pPr lvl="0"/>
+            <a:r>
+              <a:rPr lang="en-US" smtClean="0"/>
+              <a:t>Click to edit Master text styles</a:t>
+            </a:r>
+          </a:p>
+          <a:p>
+            <a:pPr lvl="1"/>
+            <a:r>
+              <a:rPr lang="en-US" smtClean="0"/>
+              <a:t>Second level</a:t>
+            </a:r>
+          </a:p>
+          <a:p>
+            <a:pPr lvl="2"/>
+            <a:r>
+              <a:rPr lang="en-US" smtClean="0"/>
+              <a:t>Third level</a:t>
+            </a:r>
+          </a:p>
+          <a:p>
+            <a:pPr lvl="3"/>
+            <a:r>
+              <a:rPr lang="en-US" smtClean="0"/>
+              <a:t>Fourth level</a:t>
+            </a:r>
+          </a:p>
+          <a:p>
+            <a:pPr lvl="4"/>
+            <a:r>
+              <a:rPr lang="en-US" smtClean="0"/>
+              <a:t>Fifth level</a:t>
+            </a:r>
+            <a:endParaRPr lang="en-GB"/>
+          </a:p>
+        </p:txBody>
+      </p:sp>
+      <p:sp>
+        <p:nvSpPr>
+          <p:cNvPr id="4" name="Content Placeholder 3"/>
+          <p:cNvSpPr>
+            <a:spLocks noGrp="1"/>
+          </p:cNvSpPr>
+          <p:nvPr>
+            <p:ph sz="half" idx="2"/>
+          </p:nvPr>
+        </p:nvSpPr>
+        <p:spPr>
+          <a:xfrm>
+            <a:off x="4629150" y="1825625"/>
+            <a:ext cx="3886200" cy="4351338"/>
+          </a:xfrm>
+        </p:spPr>
+        <p:txBody>
+          <a:bodyPr/>
+          <a:lstStyle/>
+          <a:p>
+            <a:pPr lvl="0"/>
+            <a:r>
+              <a:rPr lang="en-US" smtClean="0"/>
+              <a:t>Click to edit Master text styles</a:t>
+            </a:r>
+          </a:p>
+          <a:p>
+            <a:pPr lvl="1"/>
+            <a:r>
+              <a:rPr lang="en-US" smtClean="0"/>
+              <a:t>Second level</a:t>
+            </a:r>
+          </a:p>
+          <a:p>
+            <a:pPr lvl="2"/>
+            <a:r>
+              <a:rPr lang="en-US" smtClean="0"/>
+              <a:t>Third level</a:t>
+            </a:r>
+          </a:p>
+          <a:p>
+            <a:pPr lvl="3"/>
+            <a:r>
+              <a:rPr lang="en-US" smtClean="0"/>
+              <a:t>Fourth level</a:t>
+            </a:r>
+          </a:p>
+          <a:p>
+            <a:pPr lvl="4"/>
+            <a:r>
+              <a:rPr lang="en-US" smtClean="0"/>
+              <a:t>Fifth level</a:t>
+            </a:r>
+            <a:endParaRPr lang="en-GB"/>
+          </a:p>
+        </p:txBody>
+      </p:sp>
+      <p:sp>
+        <p:nvSpPr>
+          <p:cNvPr id="5" name="Date Placeholder 4"/>
+          <p:cNvSpPr>
+            <a:spLocks noGrp="1"/>
+          </p:cNvSpPr>
+          <p:nvPr>
+            <p:ph type="dt" sz="half" idx="10"/>
+          </p:nvPr>
+        </p:nvSpPr>
+        <p:spPr/>
+        <p:txBody>
+          <a:bodyPr/>
+          <a:lstStyle/>
+          <a:p>
+            <a:fld id="{D0823908-2689-42EA-85FA-685E69EBFF6B}" type="datetimeFigureOut">
+              <a:rPr lang="en-GB" smtClean="0"/>
+              <a:t>07/01/2016</a:t>
+            </a:fld>
+            <a:endParaRPr lang="en-GB"/>
+          </a:p>
+        </p:txBody>
+      </p:sp>
+      <p:sp>
+        <p:nvSpPr>
+          <p:cNvPr id="6" name="Footer Placeholder 5"/>
+          <p:cNvSpPr>
+            <a:spLocks noGrp="1"/>
+          </p:cNvSpPr>
+          <p:nvPr>
+            <p:ph type="ftr" sz="quarter" idx="11"/>
+          </p:nvPr>
+        </p:nvSpPr>
+        <p:spPr/>
+        <p:txBody>
+          <a:bodyPr/>
+          <a:lstStyle/>
+          <a:p>
+            <a:endParaRPr lang="en-GB"/>
+          </a:p>
+        </p:txBody>
+      </p:sp>
+      <p:sp>
+        <p:nvSpPr>
+          <p:cNvPr id="7" name="Slide Number Placeholder 6"/>
+          <p:cNvSpPr>
+            <a:spLocks noGrp="1"/>
+          </p:cNvSpPr>
+          <p:nvPr>
+            <p:ph type="sldNum" sz="quarter" idx="12"/>
+          </p:nvPr>
+        </p:nvSpPr>
+        <p:spPr/>
+        <p:txBody>
+          <a:bodyPr/>
+          <a:lstStyle/>
+          <a:p>
+            <a:fld id="{17A7BC5E-5705-4547-84A2-DF79DB49C5EF}" type="slidenum">
+              <a:rPr lang="en-GB" smtClean="0"/>
+              <a:t>‹#›</a:t>
+            </a:fld>
+            <a:endParaRPr lang="en-GB"/>
+          </a:p>
+        </p:txBody>
+      </p:sp>
+    </p:spTree>
+    <p:extLst>
+      <p:ext uri="{BB962C8B-B14F-4D97-AF65-F5344CB8AC3E}">
+        <p14:creationId xmlns:p14="http://schemas.microsoft.com/office/powerpoint/2010/main" val="4054761821"/>
+      </p:ext>
+    </p:extLst>
+  </p:cSld>
+  <p:clrMapOvr>
+    <a:masterClrMapping/>
+  </p:clrMapOvr>
+  <p:hf sldNum="0" hdr="0" ftr="0" dt="0"/>
+</p:sldLayout>
+</file>
+
+<file path=ppt/slideLayouts/slideLayout5.xml><?xml version="1.0" encoding="utf-8"?>
+<p:sldLayout xmlns:a="http://schemas.openxmlformats.org/drawingml/2006/main" xmlns:r="http://schemas.openxmlformats.org/officeDocument/2006/relationships" xmlns:p="http://schemas.openxmlformats.org/presentationml/2006/main" type="twoTxTwoObj" preserve="1">
+  <p:cSld name="Comparison">
+    <p:spTree>
+      <p:nvGrpSpPr>
+        <p:cNvPr id="1" name=""/>
+        <p:cNvGrpSpPr/>
+        <p:nvPr/>
+      </p:nvGrpSpPr>
+      <p:grpSpPr>
+        <a:xfrm>
+          <a:off x="0" y="0"/>
+          <a:ext cx="0" cy="0"/>
+          <a:chOff x="0" y="0"/>
+          <a:chExt cx="0" cy="0"/>
+        </a:xfrm>
+      </p:grpSpPr>
+      <p:sp>
+        <p:nvSpPr>
+          <p:cNvPr id="2" name="Title 1"/>
+          <p:cNvSpPr>
+            <a:spLocks noGrp="1"/>
+          </p:cNvSpPr>
+          <p:nvPr>
+            <p:ph type="title"/>
+          </p:nvPr>
+        </p:nvSpPr>
+        <p:spPr>
+          <a:xfrm>
+            <a:off x="629841" y="365126"/>
+            <a:ext cx="7886700" cy="1325563"/>
+          </a:xfrm>
+        </p:spPr>
+        <p:txBody>
+          <a:bodyPr/>
+          <a:lstStyle/>
+          <a:p>
+            <a:r>
+              <a:rPr lang="en-US" smtClean="0"/>
+              <a:t>Click to edit Master title style</a:t>
+            </a:r>
+            <a:endParaRPr lang="en-GB"/>
+          </a:p>
+        </p:txBody>
+      </p:sp>
+      <p:sp>
+        <p:nvSpPr>
+          <p:cNvPr id="3" name="Text Placeholder 2"/>
+          <p:cNvSpPr>
+            <a:spLocks noGrp="1"/>
+          </p:cNvSpPr>
+          <p:nvPr>
+            <p:ph type="body" idx="1"/>
+          </p:nvPr>
+        </p:nvSpPr>
+        <p:spPr>
+          <a:xfrm>
+            <a:off x="629842" y="1681163"/>
+            <a:ext cx="3868340" cy="823912"/>
+          </a:xfrm>
+        </p:spPr>
+        <p:txBody>
+          <a:bodyPr anchor="b"/>
+          <a:lstStyle>
+            <a:lvl1pPr marL="0" indent="0">
+              <a:buNone/>
+              <a:defRPr sz="1800" b="1"/>
+            </a:lvl1pPr>
+            <a:lvl2pPr marL="342900" indent="0">
+              <a:buNone/>
+              <a:defRPr sz="1500" b="1"/>
+            </a:lvl2pPr>
+            <a:lvl3pPr marL="685800" indent="0">
+              <a:buNone/>
+              <a:defRPr sz="1350" b="1"/>
+            </a:lvl3pPr>
+            <a:lvl4pPr marL="1028700" indent="0">
+              <a:buNone/>
+              <a:defRPr sz="1200" b="1"/>
+            </a:lvl4pPr>
+            <a:lvl5pPr marL="1371600" indent="0">
+              <a:buNone/>
+              <a:defRPr sz="1200" b="1"/>
+            </a:lvl5pPr>
+            <a:lvl6pPr marL="1714500" indent="0">
+              <a:buNone/>
+              <a:defRPr sz="1200" b="1"/>
+            </a:lvl6pPr>
+            <a:lvl7pPr marL="2057400" indent="0">
+              <a:buNone/>
+              <a:defRPr sz="1200" b="1"/>
+            </a:lvl7pPr>
+            <a:lvl8pPr marL="2400300" indent="0">
+              <a:buNone/>
+              <a:defRPr sz="1200" b="1"/>
+            </a:lvl8pPr>
+            <a:lvl9pPr marL="2743200" indent="0">
+              <a:buNone/>
+              <a:defRPr sz="1200" b="1"/>
+            </a:lvl9pPr>
+          </a:lstStyle>
+          <a:p>
+            <a:pPr lvl="0"/>
+            <a:r>
+              <a:rPr lang="en-US" smtClean="0"/>
+              <a:t>Click to edit Master text styles</a:t>
+            </a:r>
+          </a:p>
+        </p:txBody>
+      </p:sp>
+      <p:sp>
+        <p:nvSpPr>
+          <p:cNvPr id="4" name="Content Placeholder 3"/>
+          <p:cNvSpPr>
+            <a:spLocks noGrp="1"/>
+          </p:cNvSpPr>
+          <p:nvPr>
+            <p:ph sz="half" idx="2"/>
+          </p:nvPr>
+        </p:nvSpPr>
+        <p:spPr>
+          <a:xfrm>
+            <a:off x="629842" y="2505075"/>
+            <a:ext cx="3868340" cy="3684588"/>
+          </a:xfrm>
+        </p:spPr>
+        <p:txBody>
+          <a:bodyPr/>
+          <a:lstStyle/>
+          <a:p>
+            <a:pPr lvl="0"/>
+            <a:r>
+              <a:rPr lang="en-US" smtClean="0"/>
+              <a:t>Click to edit Master text styles</a:t>
+            </a:r>
+          </a:p>
+          <a:p>
+            <a:pPr lvl="1"/>
+            <a:r>
+              <a:rPr lang="en-US" smtClean="0"/>
+              <a:t>Second level</a:t>
+            </a:r>
+          </a:p>
+          <a:p>
+            <a:pPr lvl="2"/>
+            <a:r>
+              <a:rPr lang="en-US" smtClean="0"/>
+              <a:t>Third level</a:t>
+            </a:r>
+          </a:p>
+          <a:p>
+            <a:pPr lvl="3"/>
+            <a:r>
+              <a:rPr lang="en-US" smtClean="0"/>
+              <a:t>Fourth level</a:t>
+            </a:r>
+          </a:p>
+          <a:p>
+            <a:pPr lvl="4"/>
+            <a:r>
+              <a:rPr lang="en-US" smtClean="0"/>
+              <a:t>Fifth level</a:t>
+            </a:r>
+            <a:endParaRPr lang="en-GB"/>
+          </a:p>
+        </p:txBody>
+      </p:sp>
+      <p:sp>
+        <p:nvSpPr>
+          <p:cNvPr id="5" name="Text Placeholder 4"/>
+          <p:cNvSpPr>
+            <a:spLocks noGrp="1"/>
+          </p:cNvSpPr>
+          <p:nvPr>
+            <p:ph type="body" sz="quarter" idx="3"/>
+          </p:nvPr>
+        </p:nvSpPr>
+        <p:spPr>
+          <a:xfrm>
+            <a:off x="4629150" y="1681163"/>
+            <a:ext cx="3887391" cy="823912"/>
+          </a:xfrm>
+        </p:spPr>
+        <p:txBody>
+          <a:bodyPr anchor="b"/>
+          <a:lstStyle>
+            <a:lvl1pPr marL="0" indent="0">
+              <a:buNone/>
+              <a:defRPr sz="1800" b="1"/>
+            </a:lvl1pPr>
+            <a:lvl2pPr marL="342900" indent="0">
+              <a:buNone/>
+              <a:defRPr sz="1500" b="1"/>
+            </a:lvl2pPr>
+            <a:lvl3pPr marL="685800" indent="0">
+              <a:buNone/>
+              <a:defRPr sz="1350" b="1"/>
+            </a:lvl3pPr>
+            <a:lvl4pPr marL="1028700" indent="0">
+              <a:buNone/>
+              <a:defRPr sz="1200" b="1"/>
+            </a:lvl4pPr>
+            <a:lvl5pPr marL="1371600" indent="0">
+              <a:buNone/>
+              <a:defRPr sz="1200" b="1"/>
+            </a:lvl5pPr>
+            <a:lvl6pPr marL="1714500" indent="0">
+              <a:buNone/>
+              <a:defRPr sz="1200" b="1"/>
+            </a:lvl6pPr>
+            <a:lvl7pPr marL="2057400" indent="0">
+              <a:buNone/>
+              <a:defRPr sz="1200" b="1"/>
+            </a:lvl7pPr>
+            <a:lvl8pPr marL="2400300" indent="0">
+              <a:buNone/>
+              <a:defRPr sz="1200" b="1"/>
+            </a:lvl8pPr>
+            <a:lvl9pPr marL="2743200" indent="0">
+              <a:buNone/>
+              <a:defRPr sz="1200" b="1"/>
+            </a:lvl9pPr>
+          </a:lstStyle>
+          <a:p>
+            <a:pPr lvl="0"/>
+            <a:r>
+              <a:rPr lang="en-US" smtClean="0"/>
+              <a:t>Click to edit Master text styles</a:t>
+            </a:r>
+          </a:p>
+        </p:txBody>
+      </p:sp>
+      <p:sp>
+        <p:nvSpPr>
+          <p:cNvPr id="6" name="Content Placeholder 5"/>
+          <p:cNvSpPr>
+            <a:spLocks noGrp="1"/>
+          </p:cNvSpPr>
+          <p:nvPr>
+            <p:ph sz="quarter" idx="4"/>
+          </p:nvPr>
+        </p:nvSpPr>
+        <p:spPr>
+          <a:xfrm>
+            <a:off x="4629150" y="2505075"/>
+            <a:ext cx="3887391" cy="3684588"/>
+          </a:xfrm>
+        </p:spPr>
+        <p:txBody>
+          <a:bodyPr/>
+          <a:lstStyle/>
+          <a:p>
+            <a:pPr lvl="0"/>
+            <a:r>
+              <a:rPr lang="en-US" smtClean="0"/>
+              <a:t>Click to edit Master text styles</a:t>
+            </a:r>
+          </a:p>
+          <a:p>
+            <a:pPr lvl="1"/>
+            <a:r>
+              <a:rPr lang="en-US" smtClean="0"/>
+              <a:t>Second level</a:t>
+            </a:r>
+          </a:p>
+          <a:p>
+            <a:pPr lvl="2"/>
+            <a:r>
+              <a:rPr lang="en-US" smtClean="0"/>
+              <a:t>Third level</a:t>
+            </a:r>
+          </a:p>
+          <a:p>
+            <a:pPr lvl="3"/>
+            <a:r>
+              <a:rPr lang="en-US" smtClean="0"/>
+              <a:t>Fourth level</a:t>
+            </a:r>
+          </a:p>
+          <a:p>
+            <a:pPr lvl="4"/>
+            <a:r>
+              <a:rPr lang="en-US" smtClean="0"/>
+              <a:t>Fifth level</a:t>
+            </a:r>
+            <a:endParaRPr lang="en-GB"/>
+          </a:p>
+        </p:txBody>
+      </p:sp>
+      <p:sp>
+        <p:nvSpPr>
+          <p:cNvPr id="7" name="Date Placeholder 6"/>
+          <p:cNvSpPr>
+            <a:spLocks noGrp="1"/>
+          </p:cNvSpPr>
+          <p:nvPr>
+            <p:ph type="dt" sz="half" idx="10"/>
+          </p:nvPr>
+        </p:nvSpPr>
+        <p:spPr/>
+        <p:txBody>
+          <a:bodyPr/>
+          <a:lstStyle/>
+          <a:p>
+            <a:fld id="{D0823908-2689-42EA-85FA-685E69EBFF6B}" type="datetimeFigureOut">
+              <a:rPr lang="en-GB" smtClean="0"/>
+              <a:t>07/01/2016</a:t>
+            </a:fld>
+            <a:endParaRPr lang="en-GB"/>
+          </a:p>
+        </p:txBody>
+      </p:sp>
+      <p:sp>
+        <p:nvSpPr>
+          <p:cNvPr id="8" name="Footer Placeholder 7"/>
+          <p:cNvSpPr>
+            <a:spLocks noGrp="1"/>
+          </p:cNvSpPr>
+          <p:nvPr>
+            <p:ph type="ftr" sz="quarter" idx="11"/>
+          </p:nvPr>
+        </p:nvSpPr>
+        <p:spPr/>
+        <p:txBody>
+          <a:bodyPr/>
+          <a:lstStyle/>
+          <a:p>
+            <a:endParaRPr lang="en-GB"/>
+          </a:p>
+        </p:txBody>
+      </p:sp>
+      <p:sp>
+        <p:nvSpPr>
+          <p:cNvPr id="9" name="Slide Number Placeholder 8"/>
+          <p:cNvSpPr>
+            <a:spLocks noGrp="1"/>
+          </p:cNvSpPr>
+          <p:nvPr>
+            <p:ph type="sldNum" sz="quarter" idx="12"/>
+          </p:nvPr>
+        </p:nvSpPr>
+        <p:spPr/>
+        <p:txBody>
+          <a:bodyPr/>
+          <a:lstStyle/>
+          <a:p>
+            <a:fld id="{17A7BC5E-5705-4547-84A2-DF79DB49C5EF}" type="slidenum">
+              <a:rPr lang="en-GB" smtClean="0"/>
+              <a:t>‹#›</a:t>
+            </a:fld>
+            <a:endParaRPr lang="en-GB"/>
+          </a:p>
+        </p:txBody>
+      </p:sp>
+    </p:spTree>
+    <p:extLst>
+      <p:ext uri="{BB962C8B-B14F-4D97-AF65-F5344CB8AC3E}">
+        <p14:creationId xmlns:p14="http://schemas.microsoft.com/office/powerpoint/2010/main" val="823924991"/>
+      </p:ext>
+    </p:extLst>
+  </p:cSld>
+  <p:clrMapOvr>
+    <a:masterClrMapping/>
+  </p:clrMapOvr>
+  <p:hf sldNum="0" hdr="0" ftr="0" dt="0"/>
+</p:sldLayout>
+</file>
+
+<file path=ppt/slideLayouts/slideLayout6.xml><?xml version="1.0" encoding="utf-8"?>
+<p:sldLayout xmlns:a="http://schemas.openxmlformats.org/drawingml/2006/main" xmlns:r="http://schemas.openxmlformats.org/officeDocument/2006/relationships" xmlns:p="http://schemas.openxmlformats.org/presentationml/2006/main" type="titleOnly" preserve="1">
   <p:cSld name="Title Only">
     <p:spTree>
       <p:nvGrpSpPr>
@@ -883,140 +3414,731 @@
       </p:grpSpPr>
       <p:sp>
         <p:nvSpPr>
-          <p:cNvPr id="6" name="Title 1"/>
+          <p:cNvPr id="2" name="Title 1"/>
           <p:cNvSpPr>
             <a:spLocks noGrp="1"/>
           </p:cNvSpPr>
           <p:nvPr>
             <p:ph type="title"/>
-            <p:custDataLst>
-              <p:tags r:id="rId1"/>
-            </p:custDataLst>
-          </p:nvPr>
-        </p:nvSpPr>
-        <p:spPr>
-          <a:xfrm>
-            <a:off x="76200" y="328200"/>
-            <a:ext cx="8991600" cy="510000"/>
-          </a:xfrm>
-          <a:prstGeom prst="rect">
-            <a:avLst/>
-          </a:prstGeom>
-        </p:spPr>
-        <p:txBody>
-          <a:bodyPr/>
-          <a:lstStyle>
-            <a:lvl1pPr algn="ctr">
-              <a:defRPr sz="2400" b="1" i="0" baseline="0">
-                <a:solidFill>
-                  <a:srgbClr val="7030A0"/>
-                </a:solidFill>
-                <a:latin typeface="Comfortaa" panose="020F0603070200060003" pitchFamily="34" charset="0"/>
-              </a:defRPr>
-            </a:lvl1pPr>
-          </a:lstStyle>
+          </p:nvPr>
+        </p:nvSpPr>
+        <p:spPr/>
+        <p:txBody>
+          <a:bodyPr/>
+          <a:lstStyle/>
           <a:p>
             <a:r>
               <a:rPr lang="en-US" smtClean="0"/>
               <a:t>Click to edit Master title style</a:t>
             </a:r>
-            <a:endParaRPr lang="en-US" dirty="0"/>
-          </a:p>
-        </p:txBody>
-      </p:sp>
-      <p:sp>
-        <p:nvSpPr>
-          <p:cNvPr id="7" name="Content Placeholder 2"/>
-          <p:cNvSpPr>
-            <a:spLocks noGrp="1"/>
-          </p:cNvSpPr>
-          <p:nvPr>
-            <p:ph idx="1"/>
-            <p:custDataLst>
-              <p:tags r:id="rId2"/>
-            </p:custDataLst>
-          </p:nvPr>
-        </p:nvSpPr>
-        <p:spPr>
-          <a:xfrm>
-            <a:off x="76200" y="838200"/>
-            <a:ext cx="8991600" cy="5105399"/>
-          </a:xfrm>
-          <a:prstGeom prst="rect">
-            <a:avLst/>
-          </a:prstGeom>
-        </p:spPr>
-        <p:txBody>
-          <a:bodyPr/>
-          <a:lstStyle>
-            <a:lvl1pPr marL="225425" indent="-225425" algn="l">
-              <a:buFont typeface="Arial" pitchFamily="34" charset="0"/>
-              <a:buChar char="•"/>
-              <a:defRPr sz="3000" b="0" i="0" baseline="0">
-                <a:latin typeface="+mn-lt"/>
-              </a:defRPr>
-            </a:lvl1pPr>
-            <a:lvl2pPr algn="l">
-              <a:defRPr>
-                <a:latin typeface="+mn-lt"/>
-              </a:defRPr>
-            </a:lvl2pPr>
-            <a:lvl3pPr algn="l">
-              <a:defRPr>
-                <a:latin typeface="+mn-lt"/>
-              </a:defRPr>
-            </a:lvl3pPr>
-            <a:lvl4pPr algn="l">
-              <a:defRPr>
-                <a:latin typeface="+mn-lt"/>
-              </a:defRPr>
-            </a:lvl4pPr>
-            <a:lvl5pPr algn="just">
-              <a:defRPr/>
-            </a:lvl5pPr>
-          </a:lstStyle>
-          <a:p>
-            <a:pPr lvl="0"/>
-            <a:r>
-              <a:rPr lang="en-US" smtClean="0"/>
-              <a:t>Click to edit Master text styles</a:t>
-            </a:r>
-          </a:p>
-          <a:p>
-            <a:pPr lvl="1"/>
-            <a:r>
-              <a:rPr lang="en-US" smtClean="0"/>
-              <a:t>Second level</a:t>
-            </a:r>
-          </a:p>
-          <a:p>
-            <a:pPr lvl="2"/>
-            <a:r>
-              <a:rPr lang="en-US" smtClean="0"/>
-              <a:t>Third level</a:t>
-            </a:r>
-          </a:p>
-          <a:p>
-            <a:pPr lvl="3"/>
-            <a:r>
-              <a:rPr lang="en-US" smtClean="0"/>
-              <a:t>Fourth level</a:t>
-            </a:r>
+            <a:endParaRPr lang="en-GB"/>
+          </a:p>
+        </p:txBody>
+      </p:sp>
+      <p:sp>
+        <p:nvSpPr>
+          <p:cNvPr id="3" name="Date Placeholder 2"/>
+          <p:cNvSpPr>
+            <a:spLocks noGrp="1"/>
+          </p:cNvSpPr>
+          <p:nvPr>
+            <p:ph type="dt" sz="half" idx="10"/>
+          </p:nvPr>
+        </p:nvSpPr>
+        <p:spPr/>
+        <p:txBody>
+          <a:bodyPr/>
+          <a:lstStyle/>
+          <a:p>
+            <a:fld id="{D0823908-2689-42EA-85FA-685E69EBFF6B}" type="datetimeFigureOut">
+              <a:rPr lang="en-GB" smtClean="0"/>
+              <a:t>07/01/2016</a:t>
+            </a:fld>
+            <a:endParaRPr lang="en-GB"/>
+          </a:p>
+        </p:txBody>
+      </p:sp>
+      <p:sp>
+        <p:nvSpPr>
+          <p:cNvPr id="4" name="Footer Placeholder 3"/>
+          <p:cNvSpPr>
+            <a:spLocks noGrp="1"/>
+          </p:cNvSpPr>
+          <p:nvPr>
+            <p:ph type="ftr" sz="quarter" idx="11"/>
+          </p:nvPr>
+        </p:nvSpPr>
+        <p:spPr/>
+        <p:txBody>
+          <a:bodyPr/>
+          <a:lstStyle/>
+          <a:p>
+            <a:endParaRPr lang="en-GB"/>
+          </a:p>
+        </p:txBody>
+      </p:sp>
+      <p:sp>
+        <p:nvSpPr>
+          <p:cNvPr id="5" name="Slide Number Placeholder 4"/>
+          <p:cNvSpPr>
+            <a:spLocks noGrp="1"/>
+          </p:cNvSpPr>
+          <p:nvPr>
+            <p:ph type="sldNum" sz="quarter" idx="12"/>
+          </p:nvPr>
+        </p:nvSpPr>
+        <p:spPr/>
+        <p:txBody>
+          <a:bodyPr/>
+          <a:lstStyle/>
+          <a:p>
+            <a:fld id="{17A7BC5E-5705-4547-84A2-DF79DB49C5EF}" type="slidenum">
+              <a:rPr lang="en-GB" smtClean="0"/>
+              <a:t>‹#›</a:t>
+            </a:fld>
+            <a:endParaRPr lang="en-GB"/>
           </a:p>
         </p:txBody>
       </p:sp>
     </p:spTree>
+    <p:extLst>
+      <p:ext uri="{BB962C8B-B14F-4D97-AF65-F5344CB8AC3E}">
+        <p14:creationId xmlns:p14="http://schemas.microsoft.com/office/powerpoint/2010/main" val="229096419"/>
+      </p:ext>
+    </p:extLst>
   </p:cSld>
   <p:clrMapOvr>
     <a:masterClrMapping/>
   </p:clrMapOvr>
-  <p:timing>
-    <p:tnLst>
-      <p:par>
-        <p:cTn id="1" dur="indefinite" restart="never" nodeType="tmRoot"/>
-      </p:par>
-    </p:tnLst>
-  </p:timing>
+  <p:hf sldNum="0" hdr="0" ftr="0" dt="0"/>
+</p:sldLayout>
+</file>
+
+<file path=ppt/slideLayouts/slideLayout7.xml><?xml version="1.0" encoding="utf-8"?>
+<p:sldLayout xmlns:a="http://schemas.openxmlformats.org/drawingml/2006/main" xmlns:r="http://schemas.openxmlformats.org/officeDocument/2006/relationships" xmlns:p="http://schemas.openxmlformats.org/presentationml/2006/main" type="blank" preserve="1">
+  <p:cSld name="Blank">
+    <p:spTree>
+      <p:nvGrpSpPr>
+        <p:cNvPr id="1" name=""/>
+        <p:cNvGrpSpPr/>
+        <p:nvPr/>
+      </p:nvGrpSpPr>
+      <p:grpSpPr>
+        <a:xfrm>
+          <a:off x="0" y="0"/>
+          <a:ext cx="0" cy="0"/>
+          <a:chOff x="0" y="0"/>
+          <a:chExt cx="0" cy="0"/>
+        </a:xfrm>
+      </p:grpSpPr>
+      <p:sp>
+        <p:nvSpPr>
+          <p:cNvPr id="2" name="Date Placeholder 1"/>
+          <p:cNvSpPr>
+            <a:spLocks noGrp="1"/>
+          </p:cNvSpPr>
+          <p:nvPr>
+            <p:ph type="dt" sz="half" idx="10"/>
+          </p:nvPr>
+        </p:nvSpPr>
+        <p:spPr/>
+        <p:txBody>
+          <a:bodyPr/>
+          <a:lstStyle/>
+          <a:p>
+            <a:fld id="{D0823908-2689-42EA-85FA-685E69EBFF6B}" type="datetimeFigureOut">
+              <a:rPr lang="en-GB" smtClean="0"/>
+              <a:t>07/01/2016</a:t>
+            </a:fld>
+            <a:endParaRPr lang="en-GB"/>
+          </a:p>
+        </p:txBody>
+      </p:sp>
+      <p:sp>
+        <p:nvSpPr>
+          <p:cNvPr id="3" name="Footer Placeholder 2"/>
+          <p:cNvSpPr>
+            <a:spLocks noGrp="1"/>
+          </p:cNvSpPr>
+          <p:nvPr>
+            <p:ph type="ftr" sz="quarter" idx="11"/>
+          </p:nvPr>
+        </p:nvSpPr>
+        <p:spPr/>
+        <p:txBody>
+          <a:bodyPr/>
+          <a:lstStyle/>
+          <a:p>
+            <a:endParaRPr lang="en-GB"/>
+          </a:p>
+        </p:txBody>
+      </p:sp>
+      <p:sp>
+        <p:nvSpPr>
+          <p:cNvPr id="4" name="Slide Number Placeholder 3"/>
+          <p:cNvSpPr>
+            <a:spLocks noGrp="1"/>
+          </p:cNvSpPr>
+          <p:nvPr>
+            <p:ph type="sldNum" sz="quarter" idx="12"/>
+          </p:nvPr>
+        </p:nvSpPr>
+        <p:spPr/>
+        <p:txBody>
+          <a:bodyPr/>
+          <a:lstStyle/>
+          <a:p>
+            <a:fld id="{17A7BC5E-5705-4547-84A2-DF79DB49C5EF}" type="slidenum">
+              <a:rPr lang="en-GB" smtClean="0"/>
+              <a:t>‹#›</a:t>
+            </a:fld>
+            <a:endParaRPr lang="en-GB"/>
+          </a:p>
+        </p:txBody>
+      </p:sp>
+    </p:spTree>
+    <p:extLst>
+      <p:ext uri="{BB962C8B-B14F-4D97-AF65-F5344CB8AC3E}">
+        <p14:creationId xmlns:p14="http://schemas.microsoft.com/office/powerpoint/2010/main" val="3739147085"/>
+      </p:ext>
+    </p:extLst>
+  </p:cSld>
+  <p:clrMapOvr>
+    <a:masterClrMapping/>
+  </p:clrMapOvr>
+  <p:hf sldNum="0" hdr="0" ftr="0" dt="0"/>
+</p:sldLayout>
+</file>
+
+<file path=ppt/slideLayouts/slideLayout8.xml><?xml version="1.0" encoding="utf-8"?>
+<p:sldLayout xmlns:a="http://schemas.openxmlformats.org/drawingml/2006/main" xmlns:r="http://schemas.openxmlformats.org/officeDocument/2006/relationships" xmlns:p="http://schemas.openxmlformats.org/presentationml/2006/main" type="objTx" preserve="1">
+  <p:cSld name="Content with Caption">
+    <p:spTree>
+      <p:nvGrpSpPr>
+        <p:cNvPr id="1" name=""/>
+        <p:cNvGrpSpPr/>
+        <p:nvPr/>
+      </p:nvGrpSpPr>
+      <p:grpSpPr>
+        <a:xfrm>
+          <a:off x="0" y="0"/>
+          <a:ext cx="0" cy="0"/>
+          <a:chOff x="0" y="0"/>
+          <a:chExt cx="0" cy="0"/>
+        </a:xfrm>
+      </p:grpSpPr>
+      <p:sp>
+        <p:nvSpPr>
+          <p:cNvPr id="2" name="Title 1"/>
+          <p:cNvSpPr>
+            <a:spLocks noGrp="1"/>
+          </p:cNvSpPr>
+          <p:nvPr>
+            <p:ph type="title"/>
+          </p:nvPr>
+        </p:nvSpPr>
+        <p:spPr>
+          <a:xfrm>
+            <a:off x="629841" y="457200"/>
+            <a:ext cx="2949178" cy="1600200"/>
+          </a:xfrm>
+        </p:spPr>
+        <p:txBody>
+          <a:bodyPr anchor="b"/>
+          <a:lstStyle>
+            <a:lvl1pPr>
+              <a:defRPr sz="2400"/>
+            </a:lvl1pPr>
+          </a:lstStyle>
+          <a:p>
+            <a:r>
+              <a:rPr lang="en-US" smtClean="0"/>
+              <a:t>Click to edit Master title style</a:t>
+            </a:r>
+            <a:endParaRPr lang="en-GB"/>
+          </a:p>
+        </p:txBody>
+      </p:sp>
+      <p:sp>
+        <p:nvSpPr>
+          <p:cNvPr id="3" name="Content Placeholder 2"/>
+          <p:cNvSpPr>
+            <a:spLocks noGrp="1"/>
+          </p:cNvSpPr>
+          <p:nvPr>
+            <p:ph idx="1"/>
+          </p:nvPr>
+        </p:nvSpPr>
+        <p:spPr>
+          <a:xfrm>
+            <a:off x="3887391" y="987426"/>
+            <a:ext cx="4629150" cy="4873625"/>
+          </a:xfrm>
+        </p:spPr>
+        <p:txBody>
+          <a:bodyPr/>
+          <a:lstStyle>
+            <a:lvl1pPr>
+              <a:defRPr sz="2400"/>
+            </a:lvl1pPr>
+            <a:lvl2pPr>
+              <a:defRPr sz="2100"/>
+            </a:lvl2pPr>
+            <a:lvl3pPr>
+              <a:defRPr sz="1800"/>
+            </a:lvl3pPr>
+            <a:lvl4pPr>
+              <a:defRPr sz="1500"/>
+            </a:lvl4pPr>
+            <a:lvl5pPr>
+              <a:defRPr sz="1500"/>
+            </a:lvl5pPr>
+            <a:lvl6pPr>
+              <a:defRPr sz="1500"/>
+            </a:lvl6pPr>
+            <a:lvl7pPr>
+              <a:defRPr sz="1500"/>
+            </a:lvl7pPr>
+            <a:lvl8pPr>
+              <a:defRPr sz="1500"/>
+            </a:lvl8pPr>
+            <a:lvl9pPr>
+              <a:defRPr sz="1500"/>
+            </a:lvl9pPr>
+          </a:lstStyle>
+          <a:p>
+            <a:pPr lvl="0"/>
+            <a:r>
+              <a:rPr lang="en-US" smtClean="0"/>
+              <a:t>Click to edit Master text styles</a:t>
+            </a:r>
+          </a:p>
+          <a:p>
+            <a:pPr lvl="1"/>
+            <a:r>
+              <a:rPr lang="en-US" smtClean="0"/>
+              <a:t>Second level</a:t>
+            </a:r>
+          </a:p>
+          <a:p>
+            <a:pPr lvl="2"/>
+            <a:r>
+              <a:rPr lang="en-US" smtClean="0"/>
+              <a:t>Third level</a:t>
+            </a:r>
+          </a:p>
+          <a:p>
+            <a:pPr lvl="3"/>
+            <a:r>
+              <a:rPr lang="en-US" smtClean="0"/>
+              <a:t>Fourth level</a:t>
+            </a:r>
+          </a:p>
+          <a:p>
+            <a:pPr lvl="4"/>
+            <a:r>
+              <a:rPr lang="en-US" smtClean="0"/>
+              <a:t>Fifth level</a:t>
+            </a:r>
+            <a:endParaRPr lang="en-GB"/>
+          </a:p>
+        </p:txBody>
+      </p:sp>
+      <p:sp>
+        <p:nvSpPr>
+          <p:cNvPr id="4" name="Text Placeholder 3"/>
+          <p:cNvSpPr>
+            <a:spLocks noGrp="1"/>
+          </p:cNvSpPr>
+          <p:nvPr>
+            <p:ph type="body" sz="half" idx="2"/>
+          </p:nvPr>
+        </p:nvSpPr>
+        <p:spPr>
+          <a:xfrm>
+            <a:off x="629841" y="2057400"/>
+            <a:ext cx="2949178" cy="3811588"/>
+          </a:xfrm>
+        </p:spPr>
+        <p:txBody>
+          <a:bodyPr/>
+          <a:lstStyle>
+            <a:lvl1pPr marL="0" indent="0">
+              <a:buNone/>
+              <a:defRPr sz="1200"/>
+            </a:lvl1pPr>
+            <a:lvl2pPr marL="342900" indent="0">
+              <a:buNone/>
+              <a:defRPr sz="1050"/>
+            </a:lvl2pPr>
+            <a:lvl3pPr marL="685800" indent="0">
+              <a:buNone/>
+              <a:defRPr sz="900"/>
+            </a:lvl3pPr>
+            <a:lvl4pPr marL="1028700" indent="0">
+              <a:buNone/>
+              <a:defRPr sz="750"/>
+            </a:lvl4pPr>
+            <a:lvl5pPr marL="1371600" indent="0">
+              <a:buNone/>
+              <a:defRPr sz="750"/>
+            </a:lvl5pPr>
+            <a:lvl6pPr marL="1714500" indent="0">
+              <a:buNone/>
+              <a:defRPr sz="750"/>
+            </a:lvl6pPr>
+            <a:lvl7pPr marL="2057400" indent="0">
+              <a:buNone/>
+              <a:defRPr sz="750"/>
+            </a:lvl7pPr>
+            <a:lvl8pPr marL="2400300" indent="0">
+              <a:buNone/>
+              <a:defRPr sz="750"/>
+            </a:lvl8pPr>
+            <a:lvl9pPr marL="2743200" indent="0">
+              <a:buNone/>
+              <a:defRPr sz="750"/>
+            </a:lvl9pPr>
+          </a:lstStyle>
+          <a:p>
+            <a:pPr lvl="0"/>
+            <a:r>
+              <a:rPr lang="en-US" smtClean="0"/>
+              <a:t>Click to edit Master text styles</a:t>
+            </a:r>
+          </a:p>
+        </p:txBody>
+      </p:sp>
+      <p:sp>
+        <p:nvSpPr>
+          <p:cNvPr id="5" name="Date Placeholder 4"/>
+          <p:cNvSpPr>
+            <a:spLocks noGrp="1"/>
+          </p:cNvSpPr>
+          <p:nvPr>
+            <p:ph type="dt" sz="half" idx="10"/>
+          </p:nvPr>
+        </p:nvSpPr>
+        <p:spPr/>
+        <p:txBody>
+          <a:bodyPr/>
+          <a:lstStyle/>
+          <a:p>
+            <a:fld id="{D0823908-2689-42EA-85FA-685E69EBFF6B}" type="datetimeFigureOut">
+              <a:rPr lang="en-GB" smtClean="0"/>
+              <a:t>07/01/2016</a:t>
+            </a:fld>
+            <a:endParaRPr lang="en-GB"/>
+          </a:p>
+        </p:txBody>
+      </p:sp>
+      <p:sp>
+        <p:nvSpPr>
+          <p:cNvPr id="6" name="Footer Placeholder 5"/>
+          <p:cNvSpPr>
+            <a:spLocks noGrp="1"/>
+          </p:cNvSpPr>
+          <p:nvPr>
+            <p:ph type="ftr" sz="quarter" idx="11"/>
+          </p:nvPr>
+        </p:nvSpPr>
+        <p:spPr/>
+        <p:txBody>
+          <a:bodyPr/>
+          <a:lstStyle/>
+          <a:p>
+            <a:endParaRPr lang="en-GB"/>
+          </a:p>
+        </p:txBody>
+      </p:sp>
+      <p:sp>
+        <p:nvSpPr>
+          <p:cNvPr id="7" name="Slide Number Placeholder 6"/>
+          <p:cNvSpPr>
+            <a:spLocks noGrp="1"/>
+          </p:cNvSpPr>
+          <p:nvPr>
+            <p:ph type="sldNum" sz="quarter" idx="12"/>
+          </p:nvPr>
+        </p:nvSpPr>
+        <p:spPr/>
+        <p:txBody>
+          <a:bodyPr/>
+          <a:lstStyle/>
+          <a:p>
+            <a:fld id="{17A7BC5E-5705-4547-84A2-DF79DB49C5EF}" type="slidenum">
+              <a:rPr lang="en-GB" smtClean="0"/>
+              <a:t>‹#›</a:t>
+            </a:fld>
+            <a:endParaRPr lang="en-GB"/>
+          </a:p>
+        </p:txBody>
+      </p:sp>
+    </p:spTree>
+    <p:extLst>
+      <p:ext uri="{BB962C8B-B14F-4D97-AF65-F5344CB8AC3E}">
+        <p14:creationId xmlns:p14="http://schemas.microsoft.com/office/powerpoint/2010/main" val="2876234690"/>
+      </p:ext>
+    </p:extLst>
+  </p:cSld>
+  <p:clrMapOvr>
+    <a:masterClrMapping/>
+  </p:clrMapOvr>
+  <p:hf sldNum="0" hdr="0" ftr="0" dt="0"/>
+</p:sldLayout>
+</file>
+
+<file path=ppt/slideLayouts/slideLayout9.xml><?xml version="1.0" encoding="utf-8"?>
+<p:sldLayout xmlns:a="http://schemas.openxmlformats.org/drawingml/2006/main" xmlns:r="http://schemas.openxmlformats.org/officeDocument/2006/relationships" xmlns:p="http://schemas.openxmlformats.org/presentationml/2006/main" type="picTx" preserve="1">
+  <p:cSld name="Picture with Caption">
+    <p:spTree>
+      <p:nvGrpSpPr>
+        <p:cNvPr id="1" name=""/>
+        <p:cNvGrpSpPr/>
+        <p:nvPr/>
+      </p:nvGrpSpPr>
+      <p:grpSpPr>
+        <a:xfrm>
+          <a:off x="0" y="0"/>
+          <a:ext cx="0" cy="0"/>
+          <a:chOff x="0" y="0"/>
+          <a:chExt cx="0" cy="0"/>
+        </a:xfrm>
+      </p:grpSpPr>
+      <p:sp>
+        <p:nvSpPr>
+          <p:cNvPr id="2" name="Title 1"/>
+          <p:cNvSpPr>
+            <a:spLocks noGrp="1"/>
+          </p:cNvSpPr>
+          <p:nvPr>
+            <p:ph type="title"/>
+          </p:nvPr>
+        </p:nvSpPr>
+        <p:spPr>
+          <a:xfrm>
+            <a:off x="629841" y="457200"/>
+            <a:ext cx="2949178" cy="1600200"/>
+          </a:xfrm>
+        </p:spPr>
+        <p:txBody>
+          <a:bodyPr anchor="b"/>
+          <a:lstStyle>
+            <a:lvl1pPr>
+              <a:defRPr sz="2400"/>
+            </a:lvl1pPr>
+          </a:lstStyle>
+          <a:p>
+            <a:r>
+              <a:rPr lang="en-US" smtClean="0"/>
+              <a:t>Click to edit Master title style</a:t>
+            </a:r>
+            <a:endParaRPr lang="en-GB"/>
+          </a:p>
+        </p:txBody>
+      </p:sp>
+      <p:sp>
+        <p:nvSpPr>
+          <p:cNvPr id="3" name="Picture Placeholder 2"/>
+          <p:cNvSpPr>
+            <a:spLocks noGrp="1"/>
+          </p:cNvSpPr>
+          <p:nvPr>
+            <p:ph type="pic" idx="1"/>
+          </p:nvPr>
+        </p:nvSpPr>
+        <p:spPr>
+          <a:xfrm>
+            <a:off x="3887391" y="987426"/>
+            <a:ext cx="4629150" cy="4873625"/>
+          </a:xfrm>
+        </p:spPr>
+        <p:txBody>
+          <a:bodyPr/>
+          <a:lstStyle>
+            <a:lvl1pPr marL="0" indent="0">
+              <a:buNone/>
+              <a:defRPr sz="2400"/>
+            </a:lvl1pPr>
+            <a:lvl2pPr marL="342900" indent="0">
+              <a:buNone/>
+              <a:defRPr sz="2100"/>
+            </a:lvl2pPr>
+            <a:lvl3pPr marL="685800" indent="0">
+              <a:buNone/>
+              <a:defRPr sz="1800"/>
+            </a:lvl3pPr>
+            <a:lvl4pPr marL="1028700" indent="0">
+              <a:buNone/>
+              <a:defRPr sz="1500"/>
+            </a:lvl4pPr>
+            <a:lvl5pPr marL="1371600" indent="0">
+              <a:buNone/>
+              <a:defRPr sz="1500"/>
+            </a:lvl5pPr>
+            <a:lvl6pPr marL="1714500" indent="0">
+              <a:buNone/>
+              <a:defRPr sz="1500"/>
+            </a:lvl6pPr>
+            <a:lvl7pPr marL="2057400" indent="0">
+              <a:buNone/>
+              <a:defRPr sz="1500"/>
+            </a:lvl7pPr>
+            <a:lvl8pPr marL="2400300" indent="0">
+              <a:buNone/>
+              <a:defRPr sz="1500"/>
+            </a:lvl8pPr>
+            <a:lvl9pPr marL="2743200" indent="0">
+              <a:buNone/>
+              <a:defRPr sz="1500"/>
+            </a:lvl9pPr>
+          </a:lstStyle>
+          <a:p>
+            <a:endParaRPr lang="en-GB"/>
+          </a:p>
+        </p:txBody>
+      </p:sp>
+      <p:sp>
+        <p:nvSpPr>
+          <p:cNvPr id="4" name="Text Placeholder 3"/>
+          <p:cNvSpPr>
+            <a:spLocks noGrp="1"/>
+          </p:cNvSpPr>
+          <p:nvPr>
+            <p:ph type="body" sz="half" idx="2"/>
+          </p:nvPr>
+        </p:nvSpPr>
+        <p:spPr>
+          <a:xfrm>
+            <a:off x="629841" y="2057400"/>
+            <a:ext cx="2949178" cy="3811588"/>
+          </a:xfrm>
+        </p:spPr>
+        <p:txBody>
+          <a:bodyPr/>
+          <a:lstStyle>
+            <a:lvl1pPr marL="0" indent="0">
+              <a:buNone/>
+              <a:defRPr sz="1200"/>
+            </a:lvl1pPr>
+            <a:lvl2pPr marL="342900" indent="0">
+              <a:buNone/>
+              <a:defRPr sz="1050"/>
+            </a:lvl2pPr>
+            <a:lvl3pPr marL="685800" indent="0">
+              <a:buNone/>
+              <a:defRPr sz="900"/>
+            </a:lvl3pPr>
+            <a:lvl4pPr marL="1028700" indent="0">
+              <a:buNone/>
+              <a:defRPr sz="750"/>
+            </a:lvl4pPr>
+            <a:lvl5pPr marL="1371600" indent="0">
+              <a:buNone/>
+              <a:defRPr sz="750"/>
+            </a:lvl5pPr>
+            <a:lvl6pPr marL="1714500" indent="0">
+              <a:buNone/>
+              <a:defRPr sz="750"/>
+            </a:lvl6pPr>
+            <a:lvl7pPr marL="2057400" indent="0">
+              <a:buNone/>
+              <a:defRPr sz="750"/>
+            </a:lvl7pPr>
+            <a:lvl8pPr marL="2400300" indent="0">
+              <a:buNone/>
+              <a:defRPr sz="750"/>
+            </a:lvl8pPr>
+            <a:lvl9pPr marL="2743200" indent="0">
+              <a:buNone/>
+              <a:defRPr sz="750"/>
+            </a:lvl9pPr>
+          </a:lstStyle>
+          <a:p>
+            <a:pPr lvl="0"/>
+            <a:r>
+              <a:rPr lang="en-US" smtClean="0"/>
+              <a:t>Click to edit Master text styles</a:t>
+            </a:r>
+          </a:p>
+        </p:txBody>
+      </p:sp>
+      <p:sp>
+        <p:nvSpPr>
+          <p:cNvPr id="5" name="Date Placeholder 4"/>
+          <p:cNvSpPr>
+            <a:spLocks noGrp="1"/>
+          </p:cNvSpPr>
+          <p:nvPr>
+            <p:ph type="dt" sz="half" idx="10"/>
+          </p:nvPr>
+        </p:nvSpPr>
+        <p:spPr/>
+        <p:txBody>
+          <a:bodyPr/>
+          <a:lstStyle/>
+          <a:p>
+            <a:fld id="{D0823908-2689-42EA-85FA-685E69EBFF6B}" type="datetimeFigureOut">
+              <a:rPr lang="en-GB" smtClean="0"/>
+              <a:t>07/01/2016</a:t>
+            </a:fld>
+            <a:endParaRPr lang="en-GB"/>
+          </a:p>
+        </p:txBody>
+      </p:sp>
+      <p:sp>
+        <p:nvSpPr>
+          <p:cNvPr id="6" name="Footer Placeholder 5"/>
+          <p:cNvSpPr>
+            <a:spLocks noGrp="1"/>
+          </p:cNvSpPr>
+          <p:nvPr>
+            <p:ph type="ftr" sz="quarter" idx="11"/>
+          </p:nvPr>
+        </p:nvSpPr>
+        <p:spPr/>
+        <p:txBody>
+          <a:bodyPr/>
+          <a:lstStyle/>
+          <a:p>
+            <a:endParaRPr lang="en-GB"/>
+          </a:p>
+        </p:txBody>
+      </p:sp>
+      <p:sp>
+        <p:nvSpPr>
+          <p:cNvPr id="7" name="Slide Number Placeholder 6"/>
+          <p:cNvSpPr>
+            <a:spLocks noGrp="1"/>
+          </p:cNvSpPr>
+          <p:nvPr>
+            <p:ph type="sldNum" sz="quarter" idx="12"/>
+          </p:nvPr>
+        </p:nvSpPr>
+        <p:spPr/>
+        <p:txBody>
+          <a:bodyPr/>
+          <a:lstStyle/>
+          <a:p>
+            <a:fld id="{17A7BC5E-5705-4547-84A2-DF79DB49C5EF}" type="slidenum">
+              <a:rPr lang="en-GB" smtClean="0"/>
+              <a:t>‹#›</a:t>
+            </a:fld>
+            <a:endParaRPr lang="en-GB"/>
+          </a:p>
+        </p:txBody>
+      </p:sp>
+    </p:spTree>
+    <p:extLst>
+      <p:ext uri="{BB962C8B-B14F-4D97-AF65-F5344CB8AC3E}">
+        <p14:creationId xmlns:p14="http://schemas.microsoft.com/office/powerpoint/2010/main" val="2685682328"/>
+      </p:ext>
+    </p:extLst>
+  </p:cSld>
+  <p:clrMapOvr>
+    <a:masterClrMapping/>
+  </p:clrMapOvr>
+  <p:hf sldNum="0" hdr="0" ftr="0" dt="0"/>
 </p:sldLayout>
 </file>
 
@@ -1024,18 +4146,9 @@
 <p:sldMaster xmlns:a="http://schemas.openxmlformats.org/drawingml/2006/main" xmlns:r="http://schemas.openxmlformats.org/officeDocument/2006/relationships" xmlns:p="http://schemas.openxmlformats.org/presentationml/2006/main">
   <p:cSld>
     <p:bg>
-      <p:bgPr>
-        <a:blipFill dpi="0" rotWithShape="1">
-          <a:blip r:embed="rId6">
-            <a:lum/>
-          </a:blip>
-          <a:srcRect/>
-          <a:stretch>
-            <a:fillRect/>
-          </a:stretch>
-        </a:blipFill>
-        <a:effectLst/>
-      </p:bgPr>
+      <p:bgRef idx="1001">
+        <a:schemeClr val="bg1"/>
+      </p:bgRef>
     </p:bg>
     <p:spTree>
       <p:nvGrpSpPr>
@@ -1053,13 +4166,227 @@
       </p:grpSpPr>
       <p:sp>
         <p:nvSpPr>
+          <p:cNvPr id="2" name="Title Placeholder 1"/>
+          <p:cNvSpPr>
+            <a:spLocks noGrp="1"/>
+          </p:cNvSpPr>
+          <p:nvPr>
+            <p:ph type="title"/>
+          </p:nvPr>
+        </p:nvSpPr>
+        <p:spPr>
+          <a:xfrm>
+            <a:off x="628650" y="365126"/>
+            <a:ext cx="7886700" cy="1325563"/>
+          </a:xfrm>
+          <a:prstGeom prst="rect">
+            <a:avLst/>
+          </a:prstGeom>
+        </p:spPr>
+        <p:txBody>
+          <a:bodyPr vert="horz" lIns="91440" tIns="45720" rIns="91440" bIns="45720" rtlCol="0" anchor="ctr">
+            <a:normAutofit/>
+          </a:bodyPr>
+          <a:lstStyle/>
+          <a:p>
+            <a:r>
+              <a:rPr lang="en-US" smtClean="0"/>
+              <a:t>Click to edit Master title style</a:t>
+            </a:r>
+            <a:endParaRPr lang="en-GB"/>
+          </a:p>
+        </p:txBody>
+      </p:sp>
+      <p:sp>
+        <p:nvSpPr>
+          <p:cNvPr id="3" name="Text Placeholder 2"/>
+          <p:cNvSpPr>
+            <a:spLocks noGrp="1"/>
+          </p:cNvSpPr>
+          <p:nvPr>
+            <p:ph type="body" idx="1"/>
+          </p:nvPr>
+        </p:nvSpPr>
+        <p:spPr>
+          <a:xfrm>
+            <a:off x="628650" y="1825625"/>
+            <a:ext cx="7886700" cy="4351338"/>
+          </a:xfrm>
+          <a:prstGeom prst="rect">
+            <a:avLst/>
+          </a:prstGeom>
+        </p:spPr>
+        <p:txBody>
+          <a:bodyPr vert="horz" lIns="91440" tIns="45720" rIns="91440" bIns="45720" rtlCol="0">
+            <a:normAutofit/>
+          </a:bodyPr>
+          <a:lstStyle/>
+          <a:p>
+            <a:pPr lvl="0"/>
+            <a:r>
+              <a:rPr lang="en-US" smtClean="0"/>
+              <a:t>Click to edit Master text styles</a:t>
+            </a:r>
+          </a:p>
+          <a:p>
+            <a:pPr lvl="1"/>
+            <a:r>
+              <a:rPr lang="en-US" smtClean="0"/>
+              <a:t>Second level</a:t>
+            </a:r>
+          </a:p>
+          <a:p>
+            <a:pPr lvl="2"/>
+            <a:r>
+              <a:rPr lang="en-US" smtClean="0"/>
+              <a:t>Third level</a:t>
+            </a:r>
+          </a:p>
+          <a:p>
+            <a:pPr lvl="3"/>
+            <a:r>
+              <a:rPr lang="en-US" smtClean="0"/>
+              <a:t>Fourth level</a:t>
+            </a:r>
+          </a:p>
+          <a:p>
+            <a:pPr lvl="4"/>
+            <a:r>
+              <a:rPr lang="en-US" smtClean="0"/>
+              <a:t>Fifth level</a:t>
+            </a:r>
+            <a:endParaRPr lang="en-GB"/>
+          </a:p>
+        </p:txBody>
+      </p:sp>
+      <p:sp>
+        <p:nvSpPr>
+          <p:cNvPr id="4" name="Date Placeholder 3"/>
+          <p:cNvSpPr>
+            <a:spLocks noGrp="1"/>
+          </p:cNvSpPr>
+          <p:nvPr>
+            <p:ph type="dt" sz="half" idx="2"/>
+          </p:nvPr>
+        </p:nvSpPr>
+        <p:spPr>
+          <a:xfrm>
+            <a:off x="628650" y="6356351"/>
+            <a:ext cx="2057400" cy="365125"/>
+          </a:xfrm>
+          <a:prstGeom prst="rect">
+            <a:avLst/>
+          </a:prstGeom>
+        </p:spPr>
+        <p:txBody>
+          <a:bodyPr vert="horz" lIns="91440" tIns="45720" rIns="91440" bIns="45720" rtlCol="0" anchor="ctr"/>
+          <a:lstStyle>
+            <a:lvl1pPr algn="l">
+              <a:defRPr sz="900">
+                <a:solidFill>
+                  <a:schemeClr val="tx1">
+                    <a:tint val="75000"/>
+                  </a:schemeClr>
+                </a:solidFill>
+              </a:defRPr>
+            </a:lvl1pPr>
+          </a:lstStyle>
+          <a:p>
+            <a:fld id="{D0823908-2689-42EA-85FA-685E69EBFF6B}" type="datetimeFigureOut">
+              <a:rPr lang="en-GB" smtClean="0"/>
+              <a:t>07/01/2016</a:t>
+            </a:fld>
+            <a:endParaRPr lang="en-GB"/>
+          </a:p>
+        </p:txBody>
+      </p:sp>
+      <p:sp>
+        <p:nvSpPr>
+          <p:cNvPr id="5" name="Footer Placeholder 4"/>
+          <p:cNvSpPr>
+            <a:spLocks noGrp="1"/>
+          </p:cNvSpPr>
+          <p:nvPr>
+            <p:ph type="ftr" sz="quarter" idx="3"/>
+          </p:nvPr>
+        </p:nvSpPr>
+        <p:spPr>
+          <a:xfrm>
+            <a:off x="3028950" y="6356351"/>
+            <a:ext cx="3086100" cy="365125"/>
+          </a:xfrm>
+          <a:prstGeom prst="rect">
+            <a:avLst/>
+          </a:prstGeom>
+        </p:spPr>
+        <p:txBody>
+          <a:bodyPr vert="horz" lIns="91440" tIns="45720" rIns="91440" bIns="45720" rtlCol="0" anchor="ctr"/>
+          <a:lstStyle>
+            <a:lvl1pPr algn="ctr">
+              <a:defRPr sz="900">
+                <a:solidFill>
+                  <a:schemeClr val="tx1">
+                    <a:tint val="75000"/>
+                  </a:schemeClr>
+                </a:solidFill>
+              </a:defRPr>
+            </a:lvl1pPr>
+          </a:lstStyle>
+          <a:p>
+            <a:endParaRPr lang="en-GB"/>
+          </a:p>
+        </p:txBody>
+      </p:sp>
+      <p:sp>
+        <p:nvSpPr>
+          <p:cNvPr id="6" name="Slide Number Placeholder 5"/>
+          <p:cNvSpPr>
+            <a:spLocks noGrp="1"/>
+          </p:cNvSpPr>
+          <p:nvPr>
+            <p:ph type="sldNum" sz="quarter" idx="4"/>
+          </p:nvPr>
+        </p:nvSpPr>
+        <p:spPr>
+          <a:xfrm>
+            <a:off x="6457950" y="6356351"/>
+            <a:ext cx="2057400" cy="365125"/>
+          </a:xfrm>
+          <a:prstGeom prst="rect">
+            <a:avLst/>
+          </a:prstGeom>
+        </p:spPr>
+        <p:txBody>
+          <a:bodyPr vert="horz" lIns="91440" tIns="45720" rIns="91440" bIns="45720" rtlCol="0" anchor="ctr"/>
+          <a:lstStyle>
+            <a:lvl1pPr algn="r">
+              <a:defRPr sz="900">
+                <a:solidFill>
+                  <a:schemeClr val="tx1">
+                    <a:tint val="75000"/>
+                  </a:schemeClr>
+                </a:solidFill>
+              </a:defRPr>
+            </a:lvl1pPr>
+          </a:lstStyle>
+          <a:p>
+            <a:fld id="{17A7BC5E-5705-4547-84A2-DF79DB49C5EF}" type="slidenum">
+              <a:rPr lang="en-GB" smtClean="0"/>
+              <a:t>‹#›</a:t>
+            </a:fld>
+            <a:endParaRPr lang="en-GB"/>
+          </a:p>
+        </p:txBody>
+      </p:sp>
+      <p:sp>
+        <p:nvSpPr>
           <p:cNvPr id="7" name="Rectangle 5"/>
           <p:cNvSpPr>
             <a:spLocks noChangeArrowheads="1"/>
           </p:cNvSpPr>
           <p:nvPr userDrawn="1">
             <p:custDataLst>
-              <p:tags r:id="rId5"/>
+              <p:tags r:id="rId21"/>
             </p:custDataLst>
           </p:nvPr>
         </p:nvSpPr>
@@ -1078,14 +4405,14 @@
           <a:effectLst/>
           <a:extLst>
             <a:ext uri="{909E8E84-426E-40dd-AFC4-6F175D3DCCD1}">
-              <a14:hiddenFill xmlns:a14="http://schemas.microsoft.com/office/drawing/2010/main" xmlns="">
+              <a14:hiddenFill xmlns="" xmlns:a14="http://schemas.microsoft.com/office/drawing/2010/main">
                 <a:solidFill>
                   <a:schemeClr val="accent1"/>
                 </a:solidFill>
               </a14:hiddenFill>
             </a:ext>
             <a:ext uri="{91240B29-F687-4f45-9708-019B960494DF}">
-              <a14:hiddenLine xmlns:a14="http://schemas.microsoft.com/office/drawing/2010/main" xmlns="" w="9525">
+              <a14:hiddenLine xmlns="" xmlns:a14="http://schemas.microsoft.com/office/drawing/2010/main" w="9525">
                 <a:solidFill>
                   <a:schemeClr val="tx1"/>
                 </a:solidFill>
@@ -1095,7 +4422,7 @@
               </a14:hiddenLine>
             </a:ext>
             <a:ext uri="{AF507438-7753-43e0-B8FC-AC1667EBCBE1}">
-              <a14:hiddenEffects xmlns:a14="http://schemas.microsoft.com/office/drawing/2010/main" xmlns="">
+              <a14:hiddenEffects xmlns="" xmlns:a14="http://schemas.microsoft.com/office/drawing/2010/main">
                 <a:effectLst>
                   <a:outerShdw dist="35921" dir="2700000" algn="ctr" rotWithShape="0">
                     <a:schemeClr val="bg2"/>
@@ -1184,29 +4511,46 @@
         </p:txBody>
       </p:sp>
     </p:spTree>
+    <p:extLst>
+      <p:ext uri="{BB962C8B-B14F-4D97-AF65-F5344CB8AC3E}">
+        <p14:creationId xmlns:p14="http://schemas.microsoft.com/office/powerpoint/2010/main" val="3148461511"/>
+      </p:ext>
+    </p:extLst>
   </p:cSld>
   <p:clrMap bg1="lt1" tx1="dk1" bg2="lt2" tx2="dk2" accent1="accent1" accent2="accent2" accent3="accent3" accent4="accent4" accent5="accent5" accent6="accent6" hlink="hlink" folHlink="folHlink"/>
   <p:sldLayoutIdLst>
-    <p:sldLayoutId id="2147483655" r:id="rId1"/>
-    <p:sldLayoutId id="2147483656" r:id="rId2"/>
-    <p:sldLayoutId id="2147483654" r:id="rId3"/>
+    <p:sldLayoutId id="2147483658" r:id="rId1"/>
+    <p:sldLayoutId id="2147483659" r:id="rId2"/>
+    <p:sldLayoutId id="2147483660" r:id="rId3"/>
+    <p:sldLayoutId id="2147483661" r:id="rId4"/>
+    <p:sldLayoutId id="2147483662" r:id="rId5"/>
+    <p:sldLayoutId id="2147483663" r:id="rId6"/>
+    <p:sldLayoutId id="2147483664" r:id="rId7"/>
+    <p:sldLayoutId id="2147483665" r:id="rId8"/>
+    <p:sldLayoutId id="2147483666" r:id="rId9"/>
+    <p:sldLayoutId id="2147483667" r:id="rId10"/>
+    <p:sldLayoutId id="2147483668" r:id="rId11"/>
+    <p:sldLayoutId id="2147483669" r:id="rId12"/>
+    <p:sldLayoutId id="2147483670" r:id="rId13"/>
+    <p:sldLayoutId id="2147483671" r:id="rId14"/>
+    <p:sldLayoutId id="2147483672" r:id="rId15"/>
+    <p:sldLayoutId id="2147483673" r:id="rId16"/>
+    <p:sldLayoutId id="2147483674" r:id="rId17"/>
+    <p:sldLayoutId id="2147483655" r:id="rId18"/>
+    <p:sldLayoutId id="2147483656" r:id="rId19"/>
   </p:sldLayoutIdLst>
-  <p:timing>
-    <p:tnLst>
-      <p:par>
-        <p:cTn id="1" dur="indefinite" restart="never" nodeType="tmRoot"/>
-      </p:par>
-    </p:tnLst>
-  </p:timing>
   <p:hf sldNum="0" hdr="0" ftr="0" dt="0"/>
   <p:txStyles>
     <p:titleStyle>
-      <a:lvl1pPr algn="ctr" defTabSz="914400" rtl="0" eaLnBrk="1" latinLnBrk="0" hangingPunct="1">
+      <a:lvl1pPr algn="l" defTabSz="685800" rtl="0" eaLnBrk="1" latinLnBrk="0" hangingPunct="1">
+        <a:lnSpc>
+          <a:spcPct val="90000"/>
+        </a:lnSpc>
         <a:spcBef>
           <a:spcPct val="0"/>
         </a:spcBef>
         <a:buNone/>
-        <a:defRPr sz="4400" kern="1200">
+        <a:defRPr sz="3300" kern="1200">
           <a:solidFill>
             <a:schemeClr val="tx1"/>
           </a:solidFill>
@@ -1217,13 +4561,16 @@
       </a:lvl1pPr>
     </p:titleStyle>
     <p:bodyStyle>
-      <a:lvl1pPr marL="342900" indent="-342900" algn="l" defTabSz="914400" rtl="0" eaLnBrk="1" latinLnBrk="0" hangingPunct="1">
+      <a:lvl1pPr marL="171450" indent="-171450" algn="l" defTabSz="685800" rtl="0" eaLnBrk="1" latinLnBrk="0" hangingPunct="1">
+        <a:lnSpc>
+          <a:spcPct val="90000"/>
+        </a:lnSpc>
         <a:spcBef>
-          <a:spcPct val="20000"/>
+          <a:spcPts val="750"/>
         </a:spcBef>
-        <a:buFont typeface="Arial" pitchFamily="34" charset="0"/>
+        <a:buFont typeface="Arial" panose="020B0604020202020204" pitchFamily="34" charset="0"/>
         <a:buChar char="•"/>
-        <a:defRPr sz="3200" kern="1200">
+        <a:defRPr sz="2100" kern="1200">
           <a:solidFill>
             <a:schemeClr val="tx1"/>
           </a:solidFill>
@@ -1232,13 +4579,16 @@
           <a:cs typeface="+mn-cs"/>
         </a:defRPr>
       </a:lvl1pPr>
-      <a:lvl2pPr marL="742950" indent="-285750" algn="l" defTabSz="914400" rtl="0" eaLnBrk="1" latinLnBrk="0" hangingPunct="1">
+      <a:lvl2pPr marL="514350" indent="-171450" algn="l" defTabSz="685800" rtl="0" eaLnBrk="1" latinLnBrk="0" hangingPunct="1">
+        <a:lnSpc>
+          <a:spcPct val="90000"/>
+        </a:lnSpc>
         <a:spcBef>
-          <a:spcPct val="20000"/>
+          <a:spcPts val="375"/>
         </a:spcBef>
-        <a:buFont typeface="Arial" pitchFamily="34" charset="0"/>
-        <a:buChar char="–"/>
-        <a:defRPr sz="2800" kern="1200">
+        <a:buFont typeface="Arial" panose="020B0604020202020204" pitchFamily="34" charset="0"/>
+        <a:buChar char="•"/>
+        <a:defRPr sz="1800" kern="1200">
           <a:solidFill>
             <a:schemeClr val="tx1"/>
           </a:solidFill>
@@ -1247,13 +4597,16 @@
           <a:cs typeface="+mn-cs"/>
         </a:defRPr>
       </a:lvl2pPr>
-      <a:lvl3pPr marL="1143000" indent="-228600" algn="l" defTabSz="914400" rtl="0" eaLnBrk="1" latinLnBrk="0" hangingPunct="1">
+      <a:lvl3pPr marL="857250" indent="-171450" algn="l" defTabSz="685800" rtl="0" eaLnBrk="1" latinLnBrk="0" hangingPunct="1">
+        <a:lnSpc>
+          <a:spcPct val="90000"/>
+        </a:lnSpc>
         <a:spcBef>
-          <a:spcPct val="20000"/>
+          <a:spcPts val="375"/>
         </a:spcBef>
-        <a:buFont typeface="Arial" pitchFamily="34" charset="0"/>
+        <a:buFont typeface="Arial" panose="020B0604020202020204" pitchFamily="34" charset="0"/>
         <a:buChar char="•"/>
-        <a:defRPr sz="2400" kern="1200">
+        <a:defRPr sz="1500" kern="1200">
           <a:solidFill>
             <a:schemeClr val="tx1"/>
           </a:solidFill>
@@ -1262,13 +4615,16 @@
           <a:cs typeface="+mn-cs"/>
         </a:defRPr>
       </a:lvl3pPr>
-      <a:lvl4pPr marL="1600200" indent="-228600" algn="l" defTabSz="914400" rtl="0" eaLnBrk="1" latinLnBrk="0" hangingPunct="1">
+      <a:lvl4pPr marL="1200150" indent="-171450" algn="l" defTabSz="685800" rtl="0" eaLnBrk="1" latinLnBrk="0" hangingPunct="1">
+        <a:lnSpc>
+          <a:spcPct val="90000"/>
+        </a:lnSpc>
         <a:spcBef>
-          <a:spcPct val="20000"/>
+          <a:spcPts val="375"/>
         </a:spcBef>
-        <a:buFont typeface="Arial" pitchFamily="34" charset="0"/>
-        <a:buChar char="–"/>
-        <a:defRPr sz="2000" kern="1200">
+        <a:buFont typeface="Arial" panose="020B0604020202020204" pitchFamily="34" charset="0"/>
+        <a:buChar char="•"/>
+        <a:defRPr sz="1350" kern="1200">
           <a:solidFill>
             <a:schemeClr val="tx1"/>
           </a:solidFill>
@@ -1277,13 +4633,16 @@
           <a:cs typeface="+mn-cs"/>
         </a:defRPr>
       </a:lvl4pPr>
-      <a:lvl5pPr marL="2057400" indent="-228600" algn="l" defTabSz="914400" rtl="0" eaLnBrk="1" latinLnBrk="0" hangingPunct="1">
+      <a:lvl5pPr marL="1543050" indent="-171450" algn="l" defTabSz="685800" rtl="0" eaLnBrk="1" latinLnBrk="0" hangingPunct="1">
+        <a:lnSpc>
+          <a:spcPct val="90000"/>
+        </a:lnSpc>
         <a:spcBef>
-          <a:spcPct val="20000"/>
+          <a:spcPts val="375"/>
         </a:spcBef>
-        <a:buFont typeface="Arial" pitchFamily="34" charset="0"/>
-        <a:buChar char="»"/>
-        <a:defRPr sz="2000" kern="1200">
+        <a:buFont typeface="Arial" panose="020B0604020202020204" pitchFamily="34" charset="0"/>
+        <a:buChar char="•"/>
+        <a:defRPr sz="1350" kern="1200">
           <a:solidFill>
             <a:schemeClr val="tx1"/>
           </a:solidFill>
@@ -1292,13 +4651,16 @@
           <a:cs typeface="+mn-cs"/>
         </a:defRPr>
       </a:lvl5pPr>
-      <a:lvl6pPr marL="2514600" indent="-228600" algn="l" defTabSz="914400" rtl="0" eaLnBrk="1" latinLnBrk="0" hangingPunct="1">
+      <a:lvl6pPr marL="1885950" indent="-171450" algn="l" defTabSz="685800" rtl="0" eaLnBrk="1" latinLnBrk="0" hangingPunct="1">
+        <a:lnSpc>
+          <a:spcPct val="90000"/>
+        </a:lnSpc>
         <a:spcBef>
-          <a:spcPct val="20000"/>
+          <a:spcPts val="375"/>
         </a:spcBef>
-        <a:buFont typeface="Arial" pitchFamily="34" charset="0"/>
+        <a:buFont typeface="Arial" panose="020B0604020202020204" pitchFamily="34" charset="0"/>
         <a:buChar char="•"/>
-        <a:defRPr sz="2000" kern="1200">
+        <a:defRPr sz="1350" kern="1200">
           <a:solidFill>
             <a:schemeClr val="tx1"/>
           </a:solidFill>
@@ -1307,13 +4669,16 @@
           <a:cs typeface="+mn-cs"/>
         </a:defRPr>
       </a:lvl6pPr>
-      <a:lvl7pPr marL="2971800" indent="-228600" algn="l" defTabSz="914400" rtl="0" eaLnBrk="1" latinLnBrk="0" hangingPunct="1">
+      <a:lvl7pPr marL="2228850" indent="-171450" algn="l" defTabSz="685800" rtl="0" eaLnBrk="1" latinLnBrk="0" hangingPunct="1">
+        <a:lnSpc>
+          <a:spcPct val="90000"/>
+        </a:lnSpc>
         <a:spcBef>
-          <a:spcPct val="20000"/>
+          <a:spcPts val="375"/>
         </a:spcBef>
-        <a:buFont typeface="Arial" pitchFamily="34" charset="0"/>
+        <a:buFont typeface="Arial" panose="020B0604020202020204" pitchFamily="34" charset="0"/>
         <a:buChar char="•"/>
-        <a:defRPr sz="2000" kern="1200">
+        <a:defRPr sz="1350" kern="1200">
           <a:solidFill>
             <a:schemeClr val="tx1"/>
           </a:solidFill>
@@ -1322,13 +4687,16 @@
           <a:cs typeface="+mn-cs"/>
         </a:defRPr>
       </a:lvl7pPr>
-      <a:lvl8pPr marL="3429000" indent="-228600" algn="l" defTabSz="914400" rtl="0" eaLnBrk="1" latinLnBrk="0" hangingPunct="1">
+      <a:lvl8pPr marL="2571750" indent="-171450" algn="l" defTabSz="685800" rtl="0" eaLnBrk="1" latinLnBrk="0" hangingPunct="1">
+        <a:lnSpc>
+          <a:spcPct val="90000"/>
+        </a:lnSpc>
         <a:spcBef>
-          <a:spcPct val="20000"/>
+          <a:spcPts val="375"/>
         </a:spcBef>
-        <a:buFont typeface="Arial" pitchFamily="34" charset="0"/>
+        <a:buFont typeface="Arial" panose="020B0604020202020204" pitchFamily="34" charset="0"/>
         <a:buChar char="•"/>
-        <a:defRPr sz="2000" kern="1200">
+        <a:defRPr sz="1350" kern="1200">
           <a:solidFill>
             <a:schemeClr val="tx1"/>
           </a:solidFill>
@@ -1337,13 +4705,16 @@
           <a:cs typeface="+mn-cs"/>
         </a:defRPr>
       </a:lvl8pPr>
-      <a:lvl9pPr marL="3886200" indent="-228600" algn="l" defTabSz="914400" rtl="0" eaLnBrk="1" latinLnBrk="0" hangingPunct="1">
+      <a:lvl9pPr marL="2914650" indent="-171450" algn="l" defTabSz="685800" rtl="0" eaLnBrk="1" latinLnBrk="0" hangingPunct="1">
+        <a:lnSpc>
+          <a:spcPct val="90000"/>
+        </a:lnSpc>
         <a:spcBef>
-          <a:spcPct val="20000"/>
+          <a:spcPts val="375"/>
         </a:spcBef>
-        <a:buFont typeface="Arial" pitchFamily="34" charset="0"/>
+        <a:buFont typeface="Arial" panose="020B0604020202020204" pitchFamily="34" charset="0"/>
         <a:buChar char="•"/>
-        <a:defRPr sz="2000" kern="1200">
+        <a:defRPr sz="1350" kern="1200">
           <a:solidFill>
             <a:schemeClr val="tx1"/>
           </a:solidFill>
@@ -1357,8 +4728,8 @@
       <a:defPPr>
         <a:defRPr lang="en-US"/>
       </a:defPPr>
-      <a:lvl1pPr marL="0" algn="l" defTabSz="914400" rtl="0" eaLnBrk="1" latinLnBrk="0" hangingPunct="1">
-        <a:defRPr sz="1800" kern="1200">
+      <a:lvl1pPr marL="0" algn="l" defTabSz="685800" rtl="0" eaLnBrk="1" latinLnBrk="0" hangingPunct="1">
+        <a:defRPr sz="1350" kern="1200">
           <a:solidFill>
             <a:schemeClr val="tx1"/>
           </a:solidFill>
@@ -1367,8 +4738,8 @@
           <a:cs typeface="+mn-cs"/>
         </a:defRPr>
       </a:lvl1pPr>
-      <a:lvl2pPr marL="457200" algn="l" defTabSz="914400" rtl="0" eaLnBrk="1" latinLnBrk="0" hangingPunct="1">
-        <a:defRPr sz="1800" kern="1200">
+      <a:lvl2pPr marL="342900" algn="l" defTabSz="685800" rtl="0" eaLnBrk="1" latinLnBrk="0" hangingPunct="1">
+        <a:defRPr sz="1350" kern="1200">
           <a:solidFill>
             <a:schemeClr val="tx1"/>
           </a:solidFill>
@@ -1377,8 +4748,8 @@
           <a:cs typeface="+mn-cs"/>
         </a:defRPr>
       </a:lvl2pPr>
-      <a:lvl3pPr marL="914400" algn="l" defTabSz="914400" rtl="0" eaLnBrk="1" latinLnBrk="0" hangingPunct="1">
-        <a:defRPr sz="1800" kern="1200">
+      <a:lvl3pPr marL="685800" algn="l" defTabSz="685800" rtl="0" eaLnBrk="1" latinLnBrk="0" hangingPunct="1">
+        <a:defRPr sz="1350" kern="1200">
           <a:solidFill>
             <a:schemeClr val="tx1"/>
           </a:solidFill>
@@ -1387,8 +4758,8 @@
           <a:cs typeface="+mn-cs"/>
         </a:defRPr>
       </a:lvl3pPr>
-      <a:lvl4pPr marL="1371600" algn="l" defTabSz="914400" rtl="0" eaLnBrk="1" latinLnBrk="0" hangingPunct="1">
-        <a:defRPr sz="1800" kern="1200">
+      <a:lvl4pPr marL="1028700" algn="l" defTabSz="685800" rtl="0" eaLnBrk="1" latinLnBrk="0" hangingPunct="1">
+        <a:defRPr sz="1350" kern="1200">
           <a:solidFill>
             <a:schemeClr val="tx1"/>
           </a:solidFill>
@@ -1397,8 +4768,8 @@
           <a:cs typeface="+mn-cs"/>
         </a:defRPr>
       </a:lvl4pPr>
-      <a:lvl5pPr marL="1828800" algn="l" defTabSz="914400" rtl="0" eaLnBrk="1" latinLnBrk="0" hangingPunct="1">
-        <a:defRPr sz="1800" kern="1200">
+      <a:lvl5pPr marL="1371600" algn="l" defTabSz="685800" rtl="0" eaLnBrk="1" latinLnBrk="0" hangingPunct="1">
+        <a:defRPr sz="1350" kern="1200">
           <a:solidFill>
             <a:schemeClr val="tx1"/>
           </a:solidFill>
@@ -1407,8 +4778,8 @@
           <a:cs typeface="+mn-cs"/>
         </a:defRPr>
       </a:lvl5pPr>
-      <a:lvl6pPr marL="2286000" algn="l" defTabSz="914400" rtl="0" eaLnBrk="1" latinLnBrk="0" hangingPunct="1">
-        <a:defRPr sz="1800" kern="1200">
+      <a:lvl6pPr marL="1714500" algn="l" defTabSz="685800" rtl="0" eaLnBrk="1" latinLnBrk="0" hangingPunct="1">
+        <a:defRPr sz="1350" kern="1200">
           <a:solidFill>
             <a:schemeClr val="tx1"/>
           </a:solidFill>
@@ -1417,8 +4788,8 @@
           <a:cs typeface="+mn-cs"/>
         </a:defRPr>
       </a:lvl6pPr>
-      <a:lvl7pPr marL="2743200" algn="l" defTabSz="914400" rtl="0" eaLnBrk="1" latinLnBrk="0" hangingPunct="1">
-        <a:defRPr sz="1800" kern="1200">
+      <a:lvl7pPr marL="2057400" algn="l" defTabSz="685800" rtl="0" eaLnBrk="1" latinLnBrk="0" hangingPunct="1">
+        <a:defRPr sz="1350" kern="1200">
           <a:solidFill>
             <a:schemeClr val="tx1"/>
           </a:solidFill>
@@ -1427,8 +4798,8 @@
           <a:cs typeface="+mn-cs"/>
         </a:defRPr>
       </a:lvl7pPr>
-      <a:lvl8pPr marL="3200400" algn="l" defTabSz="914400" rtl="0" eaLnBrk="1" latinLnBrk="0" hangingPunct="1">
-        <a:defRPr sz="1800" kern="1200">
+      <a:lvl8pPr marL="2400300" algn="l" defTabSz="685800" rtl="0" eaLnBrk="1" latinLnBrk="0" hangingPunct="1">
+        <a:defRPr sz="1350" kern="1200">
           <a:solidFill>
             <a:schemeClr val="tx1"/>
           </a:solidFill>
@@ -1437,8 +4808,8 @@
           <a:cs typeface="+mn-cs"/>
         </a:defRPr>
       </a:lvl8pPr>
-      <a:lvl9pPr marL="3657600" algn="l" defTabSz="914400" rtl="0" eaLnBrk="1" latinLnBrk="0" hangingPunct="1">
-        <a:defRPr sz="1800" kern="1200">
+      <a:lvl9pPr marL="2743200" algn="l" defTabSz="685800" rtl="0" eaLnBrk="1" latinLnBrk="0" hangingPunct="1">
+        <a:defRPr sz="1350" kern="1200">
           <a:solidFill>
             <a:schemeClr val="tx1"/>
           </a:solidFill>
@@ -1471,12 +4842,12 @@
       </p:grpSpPr>
       <p:sp>
         <p:nvSpPr>
-          <p:cNvPr id="3" name="Title 4"/>
-          <p:cNvSpPr>
-            <a:spLocks noGrp="1"/>
-          </p:cNvSpPr>
-          <p:nvPr>
-            <p:ph type="title"/>
+          <p:cNvPr id="4" name="Title 3"/>
+          <p:cNvSpPr>
+            <a:spLocks noGrp="1"/>
+          </p:cNvSpPr>
+          <p:nvPr>
+            <p:ph type="ctrTitle"/>
           </p:nvPr>
         </p:nvSpPr>
         <p:spPr/>
@@ -1487,10 +4858,136 @@
           <a:lstStyle/>
           <a:p>
             <a:r>
-              <a:rPr lang="en-US" dirty="0" smtClean="0"/>
+              <a:rPr lang="en-GB" sz="6600" b="1" dirty="0" err="1" smtClean="0">
+                <a:solidFill>
+                  <a:srgbClr val="7E5E96"/>
+                </a:solidFill>
+              </a:rPr>
+              <a:t>Devops</a:t>
+            </a:r>
+            <a:r>
+              <a:rPr lang="en-GB" sz="6600" b="1" dirty="0" smtClean="0">
+                <a:solidFill>
+                  <a:srgbClr val="7E5E96"/>
+                </a:solidFill>
+              </a:rPr>
+              <a:t> Playground</a:t>
+            </a:r>
+            <a:endParaRPr lang="en-GB" sz="6600" b="1" dirty="0">
+              <a:solidFill>
+                <a:srgbClr val="7E5E96"/>
+              </a:solidFill>
+            </a:endParaRPr>
+          </a:p>
+        </p:txBody>
+      </p:sp>
+      <p:sp>
+        <p:nvSpPr>
+          <p:cNvPr id="5" name="Subtitle 4"/>
+          <p:cNvSpPr>
+            <a:spLocks noGrp="1"/>
+          </p:cNvSpPr>
+          <p:nvPr>
+            <p:ph type="subTitle" idx="1"/>
+          </p:nvPr>
+        </p:nvSpPr>
+        <p:spPr/>
+        <p:txBody>
+          <a:bodyPr/>
+          <a:lstStyle/>
+          <a:p>
+            <a:endParaRPr lang="en-GB" dirty="0" smtClean="0">
+              <a:solidFill>
+                <a:srgbClr val="7E5E96"/>
+              </a:solidFill>
+            </a:endParaRPr>
+          </a:p>
+          <a:p>
+            <a:r>
+              <a:rPr lang="en-GB" sz="3200" b="1" dirty="0" err="1" smtClean="0">
+                <a:solidFill>
+                  <a:srgbClr val="7E5E96"/>
+                </a:solidFill>
+              </a:rPr>
+              <a:t>ChatOps</a:t>
+            </a:r>
+            <a:r>
+              <a:rPr lang="en-GB" sz="3200" b="1" dirty="0" smtClean="0">
+                <a:solidFill>
+                  <a:srgbClr val="7E5E96"/>
+                </a:solidFill>
+              </a:rPr>
+              <a:t> Introduction</a:t>
+            </a:r>
+          </a:p>
+          <a:p>
+            <a:endParaRPr lang="en-GB" dirty="0">
+              <a:solidFill>
+                <a:srgbClr val="7E5E96"/>
+              </a:solidFill>
+            </a:endParaRPr>
+          </a:p>
+          <a:p>
+            <a:endParaRPr lang="en-GB" dirty="0">
+              <a:solidFill>
+                <a:srgbClr val="7E5E96"/>
+              </a:solidFill>
+            </a:endParaRPr>
+          </a:p>
+        </p:txBody>
+      </p:sp>
+    </p:spTree>
+    <p:extLst>
+      <p:ext uri="{BB962C8B-B14F-4D97-AF65-F5344CB8AC3E}">
+        <p14:creationId xmlns:p14="http://schemas.microsoft.com/office/powerpoint/2010/main" val="2813136719"/>
+      </p:ext>
+    </p:extLst>
+  </p:cSld>
+  <p:clrMapOvr>
+    <a:masterClrMapping/>
+  </p:clrMapOvr>
+</p:sld>
+</file>
+
+<file path=ppt/slides/slide2.xml><?xml version="1.0" encoding="utf-8"?>
+<p:sld xmlns:a="http://schemas.openxmlformats.org/drawingml/2006/main" xmlns:r="http://schemas.openxmlformats.org/officeDocument/2006/relationships" xmlns:p="http://schemas.openxmlformats.org/presentationml/2006/main">
+  <p:cSld>
+    <p:spTree>
+      <p:nvGrpSpPr>
+        <p:cNvPr id="1" name=""/>
+        <p:cNvGrpSpPr/>
+        <p:nvPr/>
+      </p:nvGrpSpPr>
+      <p:grpSpPr>
+        <a:xfrm>
+          <a:off x="0" y="0"/>
+          <a:ext cx="0" cy="0"/>
+          <a:chOff x="0" y="0"/>
+          <a:chExt cx="0" cy="0"/>
+        </a:xfrm>
+      </p:grpSpPr>
+      <p:sp>
+        <p:nvSpPr>
+          <p:cNvPr id="3" name="Title 4"/>
+          <p:cNvSpPr>
+            <a:spLocks noGrp="1"/>
+          </p:cNvSpPr>
+          <p:nvPr>
+            <p:ph type="title"/>
+          </p:nvPr>
+        </p:nvSpPr>
+        <p:spPr/>
+        <p:txBody>
+          <a:bodyPr>
+            <a:normAutofit fontScale="90000"/>
+          </a:bodyPr>
+          <a:lstStyle/>
+          <a:p>
+            <a:r>
+              <a:rPr lang="en-US" sz="3200" dirty="0" smtClean="0"/>
               <a:t>Agenda</a:t>
             </a:r>
-            <a:endParaRPr lang="en-US" b="1" dirty="0">
+            <a:endParaRPr lang="en-US" sz="3200" b="1" dirty="0">
               <a:solidFill>
                 <a:srgbClr val="7030A0"/>
               </a:solidFill>
@@ -1513,6 +5010,15 @@
           <a:bodyPr/>
           <a:lstStyle/>
           <a:p>
+            <a:pPr marL="0" indent="0">
+              <a:buNone/>
+            </a:pPr>
+            <a:endParaRPr lang="en-US" sz="2400" dirty="0"/>
+          </a:p>
+          <a:p>
+            <a:pPr marL="0" indent="0">
+              <a:buNone/>
+            </a:pPr>
             <a:endParaRPr lang="en-US" sz="2400" dirty="0" smtClean="0"/>
           </a:p>
           <a:p>
@@ -1531,7 +5037,7 @@
           <a:p>
             <a:r>
               <a:rPr lang="en-US" sz="2400" dirty="0" err="1" smtClean="0"/>
-              <a:t>Chatops</a:t>
+              <a:t>ChatOps</a:t>
             </a:r>
             <a:r>
               <a:rPr lang="en-US" sz="2400" dirty="0" smtClean="0"/>
@@ -1539,46 +5045,41 @@
             </a:r>
           </a:p>
           <a:p>
+            <a:endParaRPr lang="en-US" sz="2400" dirty="0" smtClean="0"/>
+          </a:p>
+          <a:p>
+            <a:r>
+              <a:rPr lang="en-US" sz="2400" dirty="0" smtClean="0"/>
+              <a:t>An example of a </a:t>
+            </a:r>
+            <a:r>
+              <a:rPr lang="en-US" sz="2400" dirty="0" err="1" smtClean="0"/>
+              <a:t>ChatOps</a:t>
+            </a:r>
+            <a:r>
+              <a:rPr lang="en-US" sz="2400" dirty="0" smtClean="0"/>
+              <a:t> </a:t>
+            </a:r>
+            <a:r>
+              <a:rPr lang="en-US" sz="2400" dirty="0" smtClean="0"/>
+              <a:t>implementation</a:t>
+            </a:r>
+          </a:p>
+          <a:p>
             <a:endParaRPr lang="en-US" sz="2400" dirty="0"/>
           </a:p>
           <a:p>
             <a:r>
-              <a:rPr lang="en-US" sz="2200" dirty="0" smtClean="0"/>
-              <a:t>We are using Slack</a:t>
-            </a:r>
-            <a:endParaRPr lang="en-US" sz="2200" dirty="0"/>
-          </a:p>
-          <a:p>
-            <a:endParaRPr lang="en-US" sz="2200" dirty="0" smtClean="0"/>
-          </a:p>
-          <a:p>
-            <a:r>
-              <a:rPr lang="en-US" sz="2200" dirty="0" smtClean="0"/>
-              <a:t>An example of a </a:t>
-            </a:r>
-            <a:r>
-              <a:rPr lang="en-US" sz="2200" dirty="0" err="1" smtClean="0"/>
-              <a:t>Chatops</a:t>
-            </a:r>
-            <a:r>
-              <a:rPr lang="en-US" sz="2200" dirty="0" smtClean="0"/>
-              <a:t> implementation</a:t>
-            </a:r>
-          </a:p>
-          <a:p>
-            <a:endParaRPr lang="en-US" sz="2200" dirty="0"/>
-          </a:p>
-          <a:p>
-            <a:r>
-              <a:rPr lang="en-US" sz="2200" dirty="0" smtClean="0"/>
-              <a:t>Plan for this session</a:t>
-            </a:r>
-          </a:p>
-          <a:p>
-            <a:endParaRPr lang="en-US" sz="2200" dirty="0"/>
-          </a:p>
-          <a:p>
-            <a:endParaRPr lang="en-US" sz="2200" dirty="0" smtClean="0"/>
+              <a:rPr lang="en-US" sz="2400" dirty="0" smtClean="0"/>
+              <a:t>Practical session</a:t>
+            </a:r>
+            <a:endParaRPr lang="en-US" sz="2400" dirty="0" smtClean="0"/>
+          </a:p>
+          <a:p>
+            <a:endParaRPr lang="en-US" sz="2400" dirty="0"/>
+          </a:p>
+          <a:p>
+            <a:endParaRPr lang="en-US" sz="2400" dirty="0" smtClean="0"/>
           </a:p>
           <a:p>
             <a:endParaRPr lang="en-US" sz="2200" dirty="0"/>
@@ -1616,121 +5117,6 @@
 </p:sld>
 </file>
 
-<file path=ppt/slides/slide2.xml><?xml version="1.0" encoding="utf-8"?>
-<p:sld xmlns:a="http://schemas.openxmlformats.org/drawingml/2006/main" xmlns:r="http://schemas.openxmlformats.org/officeDocument/2006/relationships" xmlns:p="http://schemas.openxmlformats.org/presentationml/2006/main">
-  <p:cSld>
-    <p:spTree>
-      <p:nvGrpSpPr>
-        <p:cNvPr id="1" name=""/>
-        <p:cNvGrpSpPr/>
-        <p:nvPr/>
-      </p:nvGrpSpPr>
-      <p:grpSpPr>
-        <a:xfrm>
-          <a:off x="0" y="0"/>
-          <a:ext cx="0" cy="0"/>
-          <a:chOff x="0" y="0"/>
-          <a:chExt cx="0" cy="0"/>
-        </a:xfrm>
-      </p:grpSpPr>
-      <p:sp>
-        <p:nvSpPr>
-          <p:cNvPr id="2" name="Title 1"/>
-          <p:cNvSpPr>
-            <a:spLocks noGrp="1"/>
-          </p:cNvSpPr>
-          <p:nvPr>
-            <p:ph type="title"/>
-          </p:nvPr>
-        </p:nvSpPr>
-        <p:spPr/>
-        <p:txBody>
-          <a:bodyPr/>
-          <a:lstStyle/>
-          <a:p>
-            <a:r>
-              <a:rPr lang="en-GB" dirty="0" err="1" smtClean="0"/>
-              <a:t>Devops</a:t>
-            </a:r>
-            <a:r>
-              <a:rPr lang="en-GB" dirty="0" smtClean="0"/>
-              <a:t> Playground</a:t>
-            </a:r>
-            <a:endParaRPr lang="en-GB" dirty="0"/>
-          </a:p>
-        </p:txBody>
-      </p:sp>
-      <p:sp>
-        <p:nvSpPr>
-          <p:cNvPr id="3" name="Content Placeholder 2"/>
-          <p:cNvSpPr>
-            <a:spLocks noGrp="1"/>
-          </p:cNvSpPr>
-          <p:nvPr>
-            <p:ph idx="1"/>
-          </p:nvPr>
-        </p:nvSpPr>
-        <p:spPr/>
-        <p:txBody>
-          <a:bodyPr/>
-          <a:lstStyle/>
-          <a:p>
-            <a:endParaRPr lang="en-GB" dirty="0" smtClean="0"/>
-          </a:p>
-          <a:p>
-            <a:r>
-              <a:rPr lang="en-GB" dirty="0" smtClean="0"/>
-              <a:t>Monthly Hands-on meetup to show AND teach you technologies.</a:t>
-            </a:r>
-          </a:p>
-          <a:p>
-            <a:endParaRPr lang="en-GB" dirty="0"/>
-          </a:p>
-          <a:p>
-            <a:r>
-              <a:rPr lang="en-GB" dirty="0" smtClean="0"/>
-              <a:t>Format : 15 min introduction and 45 min practical session</a:t>
-            </a:r>
-          </a:p>
-          <a:p>
-            <a:endParaRPr lang="en-GB" dirty="0"/>
-          </a:p>
-          <a:p>
-            <a:r>
-              <a:rPr lang="en-GB" dirty="0" smtClean="0"/>
-              <a:t>This session will be oriented towards </a:t>
-            </a:r>
-            <a:r>
-              <a:rPr lang="en-GB" dirty="0" err="1" smtClean="0"/>
-              <a:t>Chatops</a:t>
-            </a:r>
-            <a:endParaRPr lang="en-GB" dirty="0" smtClean="0"/>
-          </a:p>
-          <a:p>
-            <a:endParaRPr lang="en-GB" b="1" dirty="0"/>
-          </a:p>
-        </p:txBody>
-      </p:sp>
-    </p:spTree>
-    <p:extLst>
-      <p:ext uri="{BB962C8B-B14F-4D97-AF65-F5344CB8AC3E}">
-        <p14:creationId xmlns:p14="http://schemas.microsoft.com/office/powerpoint/2010/main" val="3986944969"/>
-      </p:ext>
-    </p:extLst>
-  </p:cSld>
-  <p:clrMapOvr>
-    <a:masterClrMapping/>
-  </p:clrMapOvr>
-  <p:timing>
-    <p:tnLst>
-      <p:par>
-        <p:cTn id="1" dur="indefinite" restart="never" nodeType="tmRoot"/>
-      </p:par>
-    </p:tnLst>
-  </p:timing>
-</p:sld>
-</file>
-
 <file path=ppt/slides/slide3.xml><?xml version="1.0" encoding="utf-8"?>
 <p:sld xmlns:a="http://schemas.openxmlformats.org/drawingml/2006/main" xmlns:r="http://schemas.openxmlformats.org/officeDocument/2006/relationships" xmlns:p="http://schemas.openxmlformats.org/presentationml/2006/main">
   <p:cSld>
@@ -1760,89 +5146,134 @@
         </p:nvSpPr>
         <p:spPr/>
         <p:txBody>
-          <a:bodyPr/>
+          <a:bodyPr>
+            <a:normAutofit/>
+          </a:bodyPr>
           <a:lstStyle/>
           <a:p>
             <a:r>
+              <a:rPr lang="en-GB" sz="2900" dirty="0" err="1" smtClean="0">
+                <a:solidFill>
+                  <a:srgbClr val="7E5E96"/>
+                </a:solidFill>
+              </a:rPr>
+              <a:t>D</a:t>
+            </a:r>
+            <a:r>
+              <a:rPr lang="en-GB" sz="2900" dirty="0" err="1" smtClean="0"/>
+              <a:t>evops</a:t>
+            </a:r>
+            <a:r>
+              <a:rPr lang="en-GB" sz="2900" dirty="0" smtClean="0"/>
+              <a:t> Playground</a:t>
+            </a:r>
+            <a:endParaRPr lang="en-GB" sz="2900" dirty="0"/>
+          </a:p>
+        </p:txBody>
+      </p:sp>
+      <p:sp>
+        <p:nvSpPr>
+          <p:cNvPr id="3" name="Content Placeholder 2"/>
+          <p:cNvSpPr>
+            <a:spLocks noGrp="1"/>
+          </p:cNvSpPr>
+          <p:nvPr>
+            <p:ph idx="1"/>
+          </p:nvPr>
+        </p:nvSpPr>
+        <p:spPr/>
+        <p:txBody>
+          <a:bodyPr/>
+          <a:lstStyle/>
+          <a:p>
+            <a:pPr marL="0" indent="0">
+              <a:buNone/>
+            </a:pPr>
+            <a:endParaRPr lang="en-GB" dirty="0" smtClean="0"/>
+          </a:p>
+          <a:p>
+            <a:r>
+              <a:rPr lang="en-GB" dirty="0" smtClean="0"/>
+              <a:t>Monthly </a:t>
+            </a:r>
+            <a:r>
+              <a:rPr lang="en-GB" b="1" dirty="0" smtClean="0"/>
+              <a:t>Hands-on</a:t>
+            </a:r>
+            <a:r>
+              <a:rPr lang="en-GB" dirty="0" smtClean="0"/>
+              <a:t> meetup to show </a:t>
+            </a:r>
+            <a:r>
+              <a:rPr lang="en-GB" b="1" dirty="0" smtClean="0"/>
+              <a:t>and</a:t>
+            </a:r>
+            <a:r>
+              <a:rPr lang="en-GB" dirty="0" smtClean="0"/>
+              <a:t> </a:t>
+            </a:r>
+            <a:r>
+              <a:rPr lang="en-GB" dirty="0" smtClean="0"/>
+              <a:t>teach you </a:t>
+            </a:r>
+            <a:r>
+              <a:rPr lang="en-GB" dirty="0" smtClean="0"/>
+              <a:t>technologies and </a:t>
+            </a:r>
+            <a:r>
               <a:rPr lang="en-GB" dirty="0" err="1" smtClean="0"/>
-              <a:t>Chatops</a:t>
+              <a:t>usecases</a:t>
             </a:r>
             <a:r>
               <a:rPr lang="en-GB" dirty="0" smtClean="0"/>
-              <a:t> Introduction</a:t>
-            </a:r>
+              <a:t>.</a:t>
+            </a:r>
+            <a:endParaRPr lang="en-GB" dirty="0" smtClean="0"/>
+          </a:p>
+          <a:p>
             <a:endParaRPr lang="en-GB" dirty="0"/>
           </a:p>
-        </p:txBody>
-      </p:sp>
-      <p:sp>
-        <p:nvSpPr>
-          <p:cNvPr id="3" name="Content Placeholder 2"/>
-          <p:cNvSpPr>
-            <a:spLocks noGrp="1"/>
-          </p:cNvSpPr>
-          <p:nvPr>
-            <p:ph idx="1"/>
-          </p:nvPr>
-        </p:nvSpPr>
-        <p:spPr/>
-        <p:txBody>
-          <a:bodyPr/>
-          <a:lstStyle/>
+          <a:p>
+            <a:r>
+              <a:rPr lang="en-GB" dirty="0" smtClean="0"/>
+              <a:t>Format : 15 min introduction and 45 min practical </a:t>
+            </a:r>
+            <a:r>
+              <a:rPr lang="en-GB" dirty="0" smtClean="0"/>
+              <a:t>session.</a:t>
+            </a:r>
+          </a:p>
           <a:p>
             <a:endParaRPr lang="en-GB" dirty="0"/>
           </a:p>
           <a:p>
             <a:r>
+              <a:rPr lang="en-GB" b="1" dirty="0" smtClean="0"/>
+              <a:t>Different</a:t>
+            </a:r>
+            <a:r>
+              <a:rPr lang="en-GB" dirty="0" smtClean="0"/>
+              <a:t> topic </a:t>
+            </a:r>
+            <a:r>
               <a:rPr lang="en-GB" dirty="0" err="1" smtClean="0"/>
-              <a:t>Chatops</a:t>
+              <a:t>everytime</a:t>
             </a:r>
             <a:r>
               <a:rPr lang="en-GB" dirty="0" smtClean="0"/>
-              <a:t> is the natural evolution of Instant Messaging</a:t>
-            </a:r>
-          </a:p>
-          <a:p>
-            <a:endParaRPr lang="en-GB" dirty="0"/>
-          </a:p>
-          <a:p>
-            <a:r>
-              <a:rPr lang="en-GB" dirty="0" smtClean="0"/>
-              <a:t>Having a scriptable bot monitoring the conversation, enables task automation from the chat itself.</a:t>
-            </a:r>
-          </a:p>
-          <a:p>
-            <a:pPr marL="0" indent="0">
-              <a:buNone/>
-            </a:pPr>
-            <a:endParaRPr lang="en-GB" dirty="0"/>
-          </a:p>
-          <a:p>
-            <a:r>
-              <a:rPr lang="en-GB" dirty="0" smtClean="0"/>
-              <a:t>From day-to-day task to </a:t>
-            </a:r>
-            <a:r>
-              <a:rPr lang="en-GB" smtClean="0"/>
-              <a:t>application deployment, </a:t>
-            </a:r>
-            <a:r>
-              <a:rPr lang="en-GB" dirty="0" smtClean="0"/>
-              <a:t>If it can be scripted it can be automated.</a:t>
-            </a:r>
-          </a:p>
-          <a:p>
-            <a:endParaRPr lang="en-GB" dirty="0"/>
-          </a:p>
-          <a:p>
-            <a:endParaRPr lang="en-GB" dirty="0"/>
+              <a:t>. Ideas and volunteers welcomed.</a:t>
+            </a:r>
+            <a:endParaRPr lang="en-GB" dirty="0" smtClean="0"/>
+          </a:p>
+          <a:p>
+            <a:endParaRPr lang="en-GB" b="1" dirty="0"/>
           </a:p>
         </p:txBody>
       </p:sp>
     </p:spTree>
     <p:extLst>
       <p:ext uri="{BB962C8B-B14F-4D97-AF65-F5344CB8AC3E}">
-        <p14:creationId xmlns:p14="http://schemas.microsoft.com/office/powerpoint/2010/main" val="2867493403"/>
+        <p14:creationId xmlns:p14="http://schemas.microsoft.com/office/powerpoint/2010/main" val="3986944969"/>
       </p:ext>
     </p:extLst>
   </p:cSld>
@@ -1888,85 +5319,100 @@
         </p:nvSpPr>
         <p:spPr/>
         <p:txBody>
-          <a:bodyPr/>
+          <a:bodyPr>
+            <a:normAutofit/>
+          </a:bodyPr>
           <a:lstStyle/>
           <a:p>
             <a:r>
+              <a:rPr lang="en-GB" sz="2900" dirty="0" err="1" smtClean="0"/>
+              <a:t>Chatops</a:t>
+            </a:r>
+            <a:r>
+              <a:rPr lang="en-GB" sz="2900" dirty="0" smtClean="0"/>
+              <a:t> Introduction</a:t>
+            </a:r>
+            <a:endParaRPr lang="en-GB" sz="2900" dirty="0"/>
+          </a:p>
+        </p:txBody>
+      </p:sp>
+      <p:sp>
+        <p:nvSpPr>
+          <p:cNvPr id="3" name="Content Placeholder 2"/>
+          <p:cNvSpPr>
+            <a:spLocks noGrp="1"/>
+          </p:cNvSpPr>
+          <p:nvPr>
+            <p:ph idx="1"/>
+          </p:nvPr>
+        </p:nvSpPr>
+        <p:spPr/>
+        <p:txBody>
+          <a:bodyPr>
+            <a:normAutofit/>
+          </a:bodyPr>
+          <a:lstStyle/>
+          <a:p>
+            <a:endParaRPr lang="en-GB" dirty="0"/>
+          </a:p>
+          <a:p>
+            <a:r>
+              <a:rPr lang="en-GB" dirty="0" err="1" smtClean="0"/>
+              <a:t>ChatOps</a:t>
+            </a:r>
+            <a:r>
               <a:rPr lang="en-GB" dirty="0" smtClean="0"/>
-              <a:t>Slack</a:t>
-            </a:r>
+              <a:t> </a:t>
+            </a:r>
+            <a:r>
+              <a:rPr lang="en-GB" dirty="0" smtClean="0"/>
+              <a:t>is the natural evolution of Instant Messaging</a:t>
+            </a:r>
+          </a:p>
+          <a:p>
             <a:endParaRPr lang="en-GB" dirty="0"/>
           </a:p>
-        </p:txBody>
-      </p:sp>
-      <p:sp>
-        <p:nvSpPr>
-          <p:cNvPr id="3" name="Content Placeholder 2"/>
-          <p:cNvSpPr>
-            <a:spLocks noGrp="1"/>
-          </p:cNvSpPr>
-          <p:nvPr>
-            <p:ph idx="1"/>
-          </p:nvPr>
-        </p:nvSpPr>
-        <p:spPr/>
-        <p:txBody>
-          <a:bodyPr/>
-          <a:lstStyle/>
-          <a:p>
+          <a:p>
+            <a:r>
+              <a:rPr lang="en-GB" dirty="0" smtClean="0"/>
+              <a:t>Principle </a:t>
+            </a:r>
+            <a:r>
+              <a:rPr lang="en-GB" dirty="0"/>
+              <a:t>: M</a:t>
+            </a:r>
+            <a:r>
+              <a:rPr lang="en-GB" dirty="0" smtClean="0"/>
+              <a:t>ake the chat smart by </a:t>
+            </a:r>
+            <a:r>
+              <a:rPr lang="en-GB" b="1" dirty="0" smtClean="0"/>
+              <a:t>automating</a:t>
+            </a:r>
+            <a:r>
+              <a:rPr lang="en-GB" dirty="0" smtClean="0"/>
+              <a:t> task via a scriptable chat bot.</a:t>
+            </a:r>
             <a:endParaRPr lang="en-GB" dirty="0" smtClean="0"/>
           </a:p>
           <a:p>
+            <a:pPr marL="0" indent="0">
+              <a:buNone/>
+            </a:pPr>
+            <a:endParaRPr lang="en-GB" dirty="0"/>
+          </a:p>
+          <a:p>
             <a:r>
               <a:rPr lang="en-GB" dirty="0" smtClean="0"/>
-              <a:t>Slack is a very popular IM tool.</a:t>
-            </a:r>
-          </a:p>
-          <a:p>
-            <a:endParaRPr lang="en-GB" dirty="0"/>
-          </a:p>
-          <a:p>
+              <a:t>From day-to-day task to application deployment, If it can be </a:t>
+            </a:r>
+            <a:r>
+              <a:rPr lang="en-GB" b="1" dirty="0" smtClean="0"/>
+              <a:t>scripted</a:t>
+            </a:r>
             <a:r>
               <a:rPr lang="en-GB" dirty="0" smtClean="0"/>
-              <a:t>High number of OOTB integrations.</a:t>
-            </a:r>
-          </a:p>
-          <a:p>
-            <a:endParaRPr lang="en-GB" dirty="0"/>
-          </a:p>
-          <a:p>
-            <a:r>
-              <a:rPr lang="en-GB" dirty="0" smtClean="0"/>
-              <a:t>Based on IRC </a:t>
-            </a:r>
-          </a:p>
-          <a:p>
-            <a:endParaRPr lang="en-GB" dirty="0"/>
-          </a:p>
-          <a:p>
-            <a:r>
-              <a:rPr lang="en-GB" dirty="0" smtClean="0"/>
-              <a:t>Compatible with </a:t>
-            </a:r>
-            <a:r>
-              <a:rPr lang="en-GB" dirty="0" err="1" smtClean="0"/>
-              <a:t>Hubot</a:t>
-            </a:r>
-            <a:r>
-              <a:rPr lang="en-GB" dirty="0"/>
-              <a:t> </a:t>
-            </a:r>
-            <a:r>
-              <a:rPr lang="en-GB" dirty="0" smtClean="0"/>
-              <a:t>– </a:t>
-            </a:r>
-            <a:r>
-              <a:rPr lang="en-GB" dirty="0" err="1" smtClean="0"/>
-              <a:t>Github</a:t>
-            </a:r>
-            <a:r>
-              <a:rPr lang="en-GB" dirty="0" smtClean="0"/>
-              <a:t> chat bot</a:t>
+              <a:t> it can be automated.</a:t>
             </a:r>
           </a:p>
           <a:p>
@@ -1980,7 +5426,7 @@
     </p:spTree>
     <p:extLst>
       <p:ext uri="{BB962C8B-B14F-4D97-AF65-F5344CB8AC3E}">
-        <p14:creationId xmlns:p14="http://schemas.microsoft.com/office/powerpoint/2010/main" val="985950928"/>
+        <p14:creationId xmlns:p14="http://schemas.microsoft.com/office/powerpoint/2010/main" val="2867493403"/>
       </p:ext>
     </p:extLst>
   </p:cSld>
@@ -2026,33 +5472,71 @@
         </p:nvSpPr>
         <p:spPr/>
         <p:txBody>
-          <a:bodyPr/>
+          <a:bodyPr>
+            <a:normAutofit/>
+          </a:bodyPr>
           <a:lstStyle/>
           <a:p>
             <a:r>
+              <a:rPr lang="en-GB" sz="2900" dirty="0" smtClean="0"/>
+              <a:t>Slack</a:t>
+            </a:r>
+            <a:endParaRPr lang="en-GB" sz="2900" dirty="0"/>
+          </a:p>
+        </p:txBody>
+      </p:sp>
+      <p:sp>
+        <p:nvSpPr>
+          <p:cNvPr id="3" name="Content Placeholder 2"/>
+          <p:cNvSpPr>
+            <a:spLocks noGrp="1"/>
+          </p:cNvSpPr>
+          <p:nvPr>
+            <p:ph idx="1"/>
+          </p:nvPr>
+        </p:nvSpPr>
+        <p:spPr/>
+        <p:txBody>
+          <a:bodyPr>
+            <a:normAutofit/>
+          </a:bodyPr>
+          <a:lstStyle/>
+          <a:p>
+            <a:endParaRPr lang="en-GB" dirty="0" smtClean="0"/>
+          </a:p>
+          <a:p>
+            <a:r>
               <a:rPr lang="en-GB" dirty="0" smtClean="0"/>
-              <a:t>AWS EC2 Instances control</a:t>
-            </a:r>
+              <a:t>Slack is a very popular IM tool</a:t>
+            </a:r>
+            <a:r>
+              <a:rPr lang="en-GB" dirty="0" smtClean="0"/>
+              <a:t>.</a:t>
+            </a:r>
+            <a:endParaRPr lang="en-GB" dirty="0" smtClean="0"/>
+          </a:p>
+          <a:p>
+            <a:endParaRPr lang="en-GB" dirty="0" smtClean="0"/>
+          </a:p>
+          <a:p>
+            <a:r>
+              <a:rPr lang="en-GB" dirty="0"/>
+              <a:t>Based on IRC </a:t>
+            </a:r>
+          </a:p>
+          <a:p>
             <a:endParaRPr lang="en-GB" dirty="0"/>
           </a:p>
-        </p:txBody>
-      </p:sp>
-      <p:sp>
-        <p:nvSpPr>
-          <p:cNvPr id="3" name="Content Placeholder 2"/>
-          <p:cNvSpPr>
-            <a:spLocks noGrp="1"/>
-          </p:cNvSpPr>
-          <p:nvPr>
-            <p:ph idx="1"/>
-          </p:nvPr>
-        </p:nvSpPr>
-        <p:spPr/>
-        <p:txBody>
-          <a:bodyPr/>
-          <a:lstStyle/>
-          <a:p>
-            <a:endParaRPr lang="en-GB" dirty="0" smtClean="0"/>
+          <a:p>
+            <a:r>
+              <a:rPr lang="en-GB" dirty="0" smtClean="0"/>
+              <a:t>High number of </a:t>
+            </a:r>
+            <a:r>
+              <a:rPr lang="en-GB" dirty="0" smtClean="0"/>
+              <a:t>native integrations. </a:t>
+            </a:r>
+            <a:endParaRPr lang="en-GB" dirty="0"/>
           </a:p>
           <a:p>
             <a:pPr marL="0" indent="0">
@@ -2060,74 +5544,63 @@
             </a:pPr>
             <a:r>
               <a:rPr lang="en-GB" dirty="0" smtClean="0"/>
-              <a:t>We use </a:t>
+              <a:t>	(</a:t>
+            </a:r>
+            <a:r>
+              <a:rPr lang="en-GB" dirty="0"/>
+              <a:t>D</a:t>
+            </a:r>
+            <a:r>
+              <a:rPr lang="en-GB" dirty="0" smtClean="0"/>
+              <a:t>ropbox, </a:t>
+            </a:r>
+            <a:r>
+              <a:rPr lang="en-GB" dirty="0" err="1" smtClean="0"/>
+              <a:t>Github</a:t>
+            </a:r>
+            <a:r>
+              <a:rPr lang="en-GB" dirty="0" smtClean="0"/>
+              <a:t>, Twitter, etc.)</a:t>
+            </a:r>
+            <a:r>
+              <a:rPr lang="en-GB" dirty="0"/>
+              <a:t/>
+            </a:r>
+            <a:br>
+              <a:rPr lang="en-GB" dirty="0"/>
+            </a:br>
+            <a:endParaRPr lang="en-GB" dirty="0"/>
+          </a:p>
+          <a:p>
+            <a:r>
+              <a:rPr lang="en-GB" dirty="0" smtClean="0"/>
+              <a:t>Compatible with </a:t>
             </a:r>
             <a:r>
               <a:rPr lang="en-GB" dirty="0" err="1" smtClean="0"/>
               <a:t>Hubot</a:t>
             </a:r>
             <a:r>
+              <a:rPr lang="en-GB" dirty="0"/>
+              <a:t> </a:t>
+            </a:r>
+            <a:r>
               <a:rPr lang="en-GB" dirty="0" smtClean="0"/>
-              <a:t> to have easier control over AWS instances.</a:t>
-            </a:r>
-          </a:p>
-          <a:p>
-            <a:pPr marL="0" indent="0">
-              <a:buNone/>
-            </a:pPr>
-            <a:endParaRPr lang="en-GB" dirty="0" smtClean="0"/>
-          </a:p>
-          <a:p>
-            <a:pPr marL="0" indent="0">
-              <a:buNone/>
-            </a:pPr>
+              <a:t>– </a:t>
+            </a:r>
+            <a:r>
+              <a:rPr lang="en-GB" dirty="0" err="1" smtClean="0"/>
+              <a:t>Github</a:t>
+            </a:r>
             <a:r>
               <a:rPr lang="en-GB" dirty="0" smtClean="0"/>
-              <a:t>We wanted to be able to : </a:t>
-            </a:r>
-          </a:p>
-          <a:p>
-            <a:pPr lvl="1"/>
-            <a:r>
-              <a:rPr lang="en-GB" dirty="0" smtClean="0"/>
-              <a:t>Check the status of some instances</a:t>
-            </a:r>
-          </a:p>
-          <a:p>
-            <a:pPr lvl="1"/>
-            <a:r>
-              <a:rPr lang="en-GB" dirty="0" smtClean="0"/>
-              <a:t>Start or stop instances</a:t>
-            </a:r>
-          </a:p>
-          <a:p>
-            <a:pPr lvl="1"/>
-            <a:r>
-              <a:rPr lang="en-GB" dirty="0" smtClean="0"/>
-              <a:t>Manage permissions (within the chat)</a:t>
-            </a:r>
-          </a:p>
-          <a:p>
-            <a:pPr marL="0" indent="0">
-              <a:buNone/>
-            </a:pPr>
-            <a:r>
-              <a:rPr lang="en-GB" dirty="0" smtClean="0"/>
-              <a:t>	</a:t>
-            </a:r>
-            <a:r>
-              <a:rPr lang="en-GB" dirty="0"/>
-              <a:t>	</a:t>
-            </a:r>
-            <a:r>
-              <a:rPr lang="en-GB" dirty="0" smtClean="0"/>
-              <a:t>	(DEMO)</a:t>
-            </a:r>
-          </a:p>
-          <a:p>
-            <a:pPr marL="0" indent="0">
-              <a:buNone/>
-            </a:pPr>
+              <a:t> chat bot</a:t>
+            </a:r>
+          </a:p>
+          <a:p>
+            <a:endParaRPr lang="en-GB" dirty="0"/>
+          </a:p>
+          <a:p>
             <a:endParaRPr lang="en-GB" dirty="0"/>
           </a:p>
         </p:txBody>
@@ -2135,7 +5608,7 @@
     </p:spTree>
     <p:extLst>
       <p:ext uri="{BB962C8B-B14F-4D97-AF65-F5344CB8AC3E}">
-        <p14:creationId xmlns:p14="http://schemas.microsoft.com/office/powerpoint/2010/main" val="664654026"/>
+        <p14:creationId xmlns:p14="http://schemas.microsoft.com/office/powerpoint/2010/main" val="985950928"/>
       </p:ext>
     </p:extLst>
   </p:cSld>
@@ -2186,6 +5659,171 @@
           <a:p>
             <a:r>
               <a:rPr lang="en-GB" dirty="0" smtClean="0"/>
+              <a:t>Real Life Example</a:t>
+            </a:r>
+            <a:endParaRPr lang="en-GB" dirty="0"/>
+          </a:p>
+        </p:txBody>
+      </p:sp>
+      <p:sp>
+        <p:nvSpPr>
+          <p:cNvPr id="3" name="Content Placeholder 2"/>
+          <p:cNvSpPr>
+            <a:spLocks noGrp="1"/>
+          </p:cNvSpPr>
+          <p:nvPr>
+            <p:ph idx="1"/>
+          </p:nvPr>
+        </p:nvSpPr>
+        <p:spPr/>
+        <p:txBody>
+          <a:bodyPr>
+            <a:normAutofit/>
+          </a:bodyPr>
+          <a:lstStyle/>
+          <a:p>
+            <a:pPr marL="0" indent="0">
+              <a:buNone/>
+            </a:pPr>
+            <a:endParaRPr lang="en-GB" dirty="0"/>
+          </a:p>
+          <a:p>
+            <a:pPr marL="0" indent="0">
+              <a:buNone/>
+            </a:pPr>
+            <a:r>
+              <a:rPr lang="en-GB" b="1" i="1" dirty="0" smtClean="0"/>
+              <a:t>Issue :</a:t>
+            </a:r>
+            <a:r>
+              <a:rPr lang="en-GB" dirty="0" smtClean="0"/>
+              <a:t>  </a:t>
+            </a:r>
+          </a:p>
+          <a:p>
+            <a:pPr marL="0" indent="0">
+              <a:buNone/>
+            </a:pPr>
+            <a:r>
+              <a:rPr lang="en-GB" dirty="0" smtClean="0"/>
+              <a:t>Give customer control over AWS instance, without giving them access to our AWS console</a:t>
+            </a:r>
+            <a:endParaRPr lang="en-GB" dirty="0" smtClean="0"/>
+          </a:p>
+          <a:p>
+            <a:pPr marL="0" indent="0">
+              <a:buNone/>
+            </a:pPr>
+            <a:endParaRPr lang="en-GB" dirty="0"/>
+          </a:p>
+          <a:p>
+            <a:pPr marL="0" indent="0">
+              <a:buNone/>
+            </a:pPr>
+            <a:r>
+              <a:rPr lang="en-GB" b="1" i="1" dirty="0" smtClean="0"/>
+              <a:t>One solution : </a:t>
+            </a:r>
+          </a:p>
+          <a:p>
+            <a:pPr marL="0" indent="0">
+              <a:buNone/>
+            </a:pPr>
+            <a:r>
+              <a:rPr lang="en-GB" dirty="0" smtClean="0"/>
+              <a:t>A slack team + </a:t>
+            </a:r>
+            <a:r>
+              <a:rPr lang="en-GB" dirty="0" err="1" smtClean="0"/>
+              <a:t>hubot</a:t>
+            </a:r>
+            <a:r>
+              <a:rPr lang="en-GB" dirty="0" smtClean="0"/>
+              <a:t> + AWS API</a:t>
+            </a:r>
+            <a:endParaRPr lang="en-GB" dirty="0" smtClean="0"/>
+          </a:p>
+          <a:p>
+            <a:pPr marL="0" indent="0">
+              <a:buNone/>
+            </a:pPr>
+            <a:endParaRPr lang="en-GB" dirty="0" smtClean="0"/>
+          </a:p>
+          <a:p>
+            <a:pPr marL="0" indent="0" algn="ctr">
+              <a:buNone/>
+            </a:pPr>
+            <a:r>
+              <a:rPr lang="en-GB" dirty="0" smtClean="0"/>
+              <a:t>(</a:t>
+            </a:r>
+            <a:r>
+              <a:rPr lang="en-GB" dirty="0" smtClean="0"/>
+              <a:t>DEMO)</a:t>
+            </a:r>
+          </a:p>
+          <a:p>
+            <a:pPr marL="0" indent="0">
+              <a:buNone/>
+            </a:pPr>
+            <a:endParaRPr lang="en-GB" dirty="0"/>
+          </a:p>
+        </p:txBody>
+      </p:sp>
+    </p:spTree>
+    <p:extLst>
+      <p:ext uri="{BB962C8B-B14F-4D97-AF65-F5344CB8AC3E}">
+        <p14:creationId xmlns:p14="http://schemas.microsoft.com/office/powerpoint/2010/main" val="664654026"/>
+      </p:ext>
+    </p:extLst>
+  </p:cSld>
+  <p:clrMapOvr>
+    <a:masterClrMapping/>
+  </p:clrMapOvr>
+  <p:timing>
+    <p:tnLst>
+      <p:par>
+        <p:cTn id="1" dur="indefinite" restart="never" nodeType="tmRoot"/>
+      </p:par>
+    </p:tnLst>
+  </p:timing>
+</p:sld>
+</file>
+
+<file path=ppt/slides/slide7.xml><?xml version="1.0" encoding="utf-8"?>
+<p:sld xmlns:a="http://schemas.openxmlformats.org/drawingml/2006/main" xmlns:r="http://schemas.openxmlformats.org/officeDocument/2006/relationships" xmlns:p="http://schemas.openxmlformats.org/presentationml/2006/main">
+  <p:cSld>
+    <p:spTree>
+      <p:nvGrpSpPr>
+        <p:cNvPr id="1" name=""/>
+        <p:cNvGrpSpPr/>
+        <p:nvPr/>
+      </p:nvGrpSpPr>
+      <p:grpSpPr>
+        <a:xfrm>
+          <a:off x="0" y="0"/>
+          <a:ext cx="0" cy="0"/>
+          <a:chOff x="0" y="0"/>
+          <a:chExt cx="0" cy="0"/>
+        </a:xfrm>
+      </p:grpSpPr>
+      <p:sp>
+        <p:nvSpPr>
+          <p:cNvPr id="2" name="Title 1"/>
+          <p:cNvSpPr>
+            <a:spLocks noGrp="1"/>
+          </p:cNvSpPr>
+          <p:nvPr>
+            <p:ph type="title"/>
+          </p:nvPr>
+        </p:nvSpPr>
+        <p:spPr/>
+        <p:txBody>
+          <a:bodyPr/>
+          <a:lstStyle/>
+          <a:p>
+            <a:r>
+              <a:rPr lang="en-GB" dirty="0" smtClean="0"/>
               <a:t>Practical session</a:t>
             </a:r>
             <a:endParaRPr lang="en-GB" dirty="0"/>
@@ -2219,11 +5857,19 @@
             </a:r>
             <a:r>
               <a:rPr lang="en-GB" dirty="0" err="1" smtClean="0"/>
-              <a:t>chatops</a:t>
+              <a:t>C</a:t>
+            </a:r>
+            <a:r>
+              <a:rPr lang="en-GB" dirty="0" err="1" smtClean="0"/>
+              <a:t>hatOps</a:t>
             </a:r>
             <a:r>
               <a:rPr lang="en-GB" dirty="0" smtClean="0"/>
-              <a:t> solution end-to-end.</a:t>
+              <a:t> </a:t>
+            </a:r>
+            <a:r>
+              <a:rPr lang="en-GB" dirty="0" smtClean="0"/>
+              <a:t>solution end-to-end.</a:t>
             </a:r>
           </a:p>
           <a:p>
@@ -2237,25 +5883,38 @@
               <a:buNone/>
             </a:pPr>
             <a:r>
+              <a:rPr lang="en-GB" dirty="0" smtClean="0"/>
+              <a:t>We will: </a:t>
+            </a:r>
+            <a:endParaRPr lang="en-GB" dirty="0" smtClean="0"/>
+          </a:p>
+          <a:p>
+            <a:pPr marL="514350" indent="-514350">
+              <a:buFont typeface="+mj-lt"/>
+              <a:buAutoNum type="arabicPeriod"/>
+            </a:pPr>
+            <a:r>
+              <a:rPr lang="en-GB" dirty="0" smtClean="0"/>
+              <a:t>Create a new </a:t>
+            </a:r>
+            <a:r>
               <a:rPr lang="en-GB" dirty="0"/>
-              <a:t>	</a:t>
+              <a:t>S</a:t>
             </a:r>
             <a:r>
               <a:rPr lang="en-GB" dirty="0" smtClean="0"/>
-              <a:t>We will need a new slack team</a:t>
-            </a:r>
-          </a:p>
-          <a:p>
-            <a:pPr marL="0" indent="0">
-              <a:buNone/>
+              <a:t>lack team.</a:t>
+            </a:r>
+            <a:endParaRPr lang="en-GB" dirty="0" smtClean="0"/>
+          </a:p>
+          <a:p>
+            <a:pPr marL="514350" indent="-514350">
+              <a:buFont typeface="+mj-lt"/>
+              <a:buAutoNum type="arabicPeriod"/>
             </a:pPr>
             <a:r>
-              <a:rPr lang="en-GB" dirty="0"/>
-              <a:t>	I</a:t>
-            </a:r>
-            <a:r>
               <a:rPr lang="en-GB" dirty="0" smtClean="0"/>
-              <a:t>nstall </a:t>
+              <a:t>Install </a:t>
             </a:r>
             <a:r>
               <a:rPr lang="en-GB" dirty="0" err="1"/>
@@ -2267,21 +5926,32 @@
             </a:r>
             <a:r>
               <a:rPr lang="en-GB" dirty="0" smtClean="0"/>
-              <a:t> on the provided VM</a:t>
-            </a:r>
-          </a:p>
-          <a:p>
-            <a:pPr marL="0" indent="0">
-              <a:buNone/>
+              <a:t> on the provided </a:t>
+            </a:r>
+            <a:r>
+              <a:rPr lang="en-GB" dirty="0" smtClean="0"/>
+              <a:t>VM.</a:t>
+            </a:r>
+            <a:endParaRPr lang="en-GB" dirty="0" smtClean="0"/>
+          </a:p>
+          <a:p>
+            <a:pPr marL="514350" indent="-514350">
+              <a:buFont typeface="+mj-lt"/>
+              <a:buAutoNum type="arabicPeriod"/>
             </a:pPr>
             <a:r>
-              <a:rPr lang="en-GB" dirty="0"/>
-              <a:t>	</a:t>
-            </a:r>
-            <a:r>
               <a:rPr lang="en-GB" dirty="0" smtClean="0"/>
-              <a:t>Develop a new feature</a:t>
-            </a:r>
+              <a:t>Develop </a:t>
+            </a:r>
+            <a:r>
+              <a:rPr lang="en-GB" dirty="0" smtClean="0"/>
+              <a:t>a new </a:t>
+            </a:r>
+            <a:r>
+              <a:rPr lang="en-GB" dirty="0" smtClean="0"/>
+              <a:t>feature.</a:t>
+            </a:r>
+            <a:endParaRPr lang="en-GB" dirty="0" smtClean="0"/>
           </a:p>
           <a:p>
             <a:pPr marL="0" indent="0">
@@ -2329,6 +5999,42 @@
 </p:tagLst>
 </file>
 
+<file path=ppt/tags/tag10.xml><?xml version="1.0" encoding="utf-8"?>
+<p:tagLst xmlns:a="http://schemas.openxmlformats.org/drawingml/2006/main" xmlns:r="http://schemas.openxmlformats.org/officeDocument/2006/relationships" xmlns:p="http://schemas.openxmlformats.org/presentationml/2006/main">
+  <p:tag name="DVSHAPEID" val="VvKBBpkoWFiSOHoJVi03Zt"/>
+</p:tagLst>
+</file>
+
+<file path=ppt/tags/tag11.xml><?xml version="1.0" encoding="utf-8"?>
+<p:tagLst xmlns:a="http://schemas.openxmlformats.org/drawingml/2006/main" xmlns:r="http://schemas.openxmlformats.org/officeDocument/2006/relationships" xmlns:p="http://schemas.openxmlformats.org/presentationml/2006/main">
+  <p:tag name="DVSHAPEID" val="vcOuWX8A5cPDeI6Ccp5Uhc"/>
+</p:tagLst>
+</file>
+
+<file path=ppt/tags/tag12.xml><?xml version="1.0" encoding="utf-8"?>
+<p:tagLst xmlns:a="http://schemas.openxmlformats.org/drawingml/2006/main" xmlns:r="http://schemas.openxmlformats.org/officeDocument/2006/relationships" xmlns:p="http://schemas.openxmlformats.org/presentationml/2006/main">
+  <p:tag name="DVSHAPEID" val="VvKBBpkoWFiSOHoJVi03Zt"/>
+</p:tagLst>
+</file>
+
+<file path=ppt/tags/tag13.xml><?xml version="1.0" encoding="utf-8"?>
+<p:tagLst xmlns:a="http://schemas.openxmlformats.org/drawingml/2006/main" xmlns:r="http://schemas.openxmlformats.org/officeDocument/2006/relationships" xmlns:p="http://schemas.openxmlformats.org/presentationml/2006/main">
+  <p:tag name="DVSHAPEID" val="vcOuWX8A5cPDeI6Ccp5Uhc"/>
+</p:tagLst>
+</file>
+
+<file path=ppt/tags/tag14.xml><?xml version="1.0" encoding="utf-8"?>
+<p:tagLst xmlns:a="http://schemas.openxmlformats.org/drawingml/2006/main" xmlns:r="http://schemas.openxmlformats.org/officeDocument/2006/relationships" xmlns:p="http://schemas.openxmlformats.org/presentationml/2006/main">
+  <p:tag name="DVSHAPEID" val="VvKBBpkoWFiSOHoJVi03Zt"/>
+</p:tagLst>
+</file>
+
+<file path=ppt/tags/tag15.xml><?xml version="1.0" encoding="utf-8"?>
+<p:tagLst xmlns:a="http://schemas.openxmlformats.org/drawingml/2006/main" xmlns:r="http://schemas.openxmlformats.org/officeDocument/2006/relationships" xmlns:p="http://schemas.openxmlformats.org/presentationml/2006/main">
+  <p:tag name="DVSHAPEID" val="VvKBBpkoWFiSOHoJVi03Zt"/>
+</p:tagLst>
+</file>
+
 <file path=ppt/tags/tag2.xml><?xml version="1.0" encoding="utf-8"?>
 <p:tagLst xmlns:a="http://schemas.openxmlformats.org/drawingml/2006/main" xmlns:r="http://schemas.openxmlformats.org/officeDocument/2006/relationships" xmlns:p="http://schemas.openxmlformats.org/presentationml/2006/main">
   <p:tag name="DVSHAPEID" val="VvKBBpkoWFiSOHoJVi03Zt"/>
@@ -2337,7 +6043,7 @@
 
 <file path=ppt/tags/tag3.xml><?xml version="1.0" encoding="utf-8"?>
 <p:tagLst xmlns:a="http://schemas.openxmlformats.org/drawingml/2006/main" xmlns:r="http://schemas.openxmlformats.org/officeDocument/2006/relationships" xmlns:p="http://schemas.openxmlformats.org/presentationml/2006/main">
-  <p:tag name="DVSHAPEID" val="VvKBBpkoWFiSOHoJVi03Zt"/>
+  <p:tag name="DVSHAPEID" val="vcOuWX8A5cPDeI6Ccp5Uhc"/>
 </p:tagLst>
 </file>
 
@@ -2348,6 +6054,30 @@
 </file>
 
 <file path=ppt/tags/tag5.xml><?xml version="1.0" encoding="utf-8"?>
+<p:tagLst xmlns:a="http://schemas.openxmlformats.org/drawingml/2006/main" xmlns:r="http://schemas.openxmlformats.org/officeDocument/2006/relationships" xmlns:p="http://schemas.openxmlformats.org/presentationml/2006/main">
+  <p:tag name="DVSHAPEID" val="vcOuWX8A5cPDeI6Ccp5Uhc"/>
+</p:tagLst>
+</file>
+
+<file path=ppt/tags/tag6.xml><?xml version="1.0" encoding="utf-8"?>
+<p:tagLst xmlns:a="http://schemas.openxmlformats.org/drawingml/2006/main" xmlns:r="http://schemas.openxmlformats.org/officeDocument/2006/relationships" xmlns:p="http://schemas.openxmlformats.org/presentationml/2006/main">
+  <p:tag name="DVSHAPEID" val="VvKBBpkoWFiSOHoJVi03Zt"/>
+</p:tagLst>
+</file>
+
+<file path=ppt/tags/tag7.xml><?xml version="1.0" encoding="utf-8"?>
+<p:tagLst xmlns:a="http://schemas.openxmlformats.org/drawingml/2006/main" xmlns:r="http://schemas.openxmlformats.org/officeDocument/2006/relationships" xmlns:p="http://schemas.openxmlformats.org/presentationml/2006/main">
+  <p:tag name="DVSHAPEID" val="vcOuWX8A5cPDeI6Ccp5Uhc"/>
+</p:tagLst>
+</file>
+
+<file path=ppt/tags/tag8.xml><?xml version="1.0" encoding="utf-8"?>
+<p:tagLst xmlns:a="http://schemas.openxmlformats.org/drawingml/2006/main" xmlns:r="http://schemas.openxmlformats.org/officeDocument/2006/relationships" xmlns:p="http://schemas.openxmlformats.org/presentationml/2006/main">
+  <p:tag name="DVSHAPEID" val="VvKBBpkoWFiSOHoJVi03Zt"/>
+</p:tagLst>
+</file>
+
+<file path=ppt/tags/tag9.xml><?xml version="1.0" encoding="utf-8"?>
 <p:tagLst xmlns:a="http://schemas.openxmlformats.org/drawingml/2006/main" xmlns:r="http://schemas.openxmlformats.org/officeDocument/2006/relationships" xmlns:p="http://schemas.openxmlformats.org/presentationml/2006/main">
   <p:tag name="DVSHAPEID" val="vcOuWX8A5cPDeI6Ccp5Uhc"/>
 </p:tagLst>
@@ -2364,39 +6094,39 @@
         <a:sysClr val="window" lastClr="FFFFFF"/>
       </a:lt1>
       <a:dk2>
-        <a:srgbClr val="1F497D"/>
+        <a:srgbClr val="44546A"/>
       </a:dk2>
       <a:lt2>
-        <a:srgbClr val="EEECE1"/>
+        <a:srgbClr val="E7E6E6"/>
       </a:lt2>
       <a:accent1>
-        <a:srgbClr val="4F81BD"/>
+        <a:srgbClr val="5B9BD5"/>
       </a:accent1>
       <a:accent2>
-        <a:srgbClr val="C0504D"/>
+        <a:srgbClr val="ED7D31"/>
       </a:accent2>
       <a:accent3>
-        <a:srgbClr val="9BBB59"/>
+        <a:srgbClr val="A5A5A5"/>
       </a:accent3>
       <a:accent4>
-        <a:srgbClr val="8064A2"/>
+        <a:srgbClr val="FFC000"/>
       </a:accent4>
       <a:accent5>
-        <a:srgbClr val="4BACC6"/>
+        <a:srgbClr val="4472C4"/>
       </a:accent5>
       <a:accent6>
-        <a:srgbClr val="F79646"/>
+        <a:srgbClr val="70AD47"/>
       </a:accent6>
       <a:hlink>
-        <a:srgbClr val="0000FF"/>
+        <a:srgbClr val="0563C1"/>
       </a:hlink>
       <a:folHlink>
-        <a:srgbClr val="800080"/>
+        <a:srgbClr val="954F72"/>
       </a:folHlink>
     </a:clrScheme>
     <a:fontScheme name="Office">
       <a:majorFont>
-        <a:latin typeface="Calibri"/>
+        <a:latin typeface="Calibri Light" panose="020F0302020204030204"/>
         <a:ea typeface=""/>
         <a:cs typeface=""/>
         <a:font script="Jpan" typeface="ＭＳ Ｐゴシック"/>
@@ -2428,9 +6158,10 @@
         <a:font script="Mong" typeface="Mongolian Baiti"/>
         <a:font script="Viet" typeface="Times New Roman"/>
         <a:font script="Uigh" typeface="Microsoft Uighur"/>
+        <a:font script="Geor" typeface="Sylfaen"/>
       </a:majorFont>
       <a:minorFont>
-        <a:latin typeface="Calibri"/>
+        <a:latin typeface="Calibri" panose="020F0502020204030204"/>
         <a:ea typeface=""/>
         <a:cs typeface=""/>
         <a:font script="Jpan" typeface="ＭＳ Ｐゴシック"/>
@@ -2462,6 +6193,7 @@
         <a:font script="Mong" typeface="Mongolian Baiti"/>
         <a:font script="Viet" typeface="Arial"/>
         <a:font script="Uigh" typeface="Microsoft Uighur"/>
+        <a:font script="Geor" typeface="Sylfaen"/>
       </a:minorFont>
     </a:fontScheme>
     <a:fmtScheme name="Office">
@@ -2473,183 +6205,140 @@
           <a:gsLst>
             <a:gs pos="0">
               <a:schemeClr val="phClr">
-                <a:tint val="50000"/>
-                <a:satMod val="300000"/>
+                <a:lumMod val="110000"/>
+                <a:satMod val="105000"/>
+                <a:tint val="67000"/>
               </a:schemeClr>
             </a:gs>
-            <a:gs pos="35000">
+            <a:gs pos="50000">
               <a:schemeClr val="phClr">
-                <a:tint val="37000"/>
-                <a:satMod val="300000"/>
+                <a:lumMod val="105000"/>
+                <a:satMod val="103000"/>
+                <a:tint val="73000"/>
               </a:schemeClr>
             </a:gs>
             <a:gs pos="100000">
               <a:schemeClr val="phClr">
-                <a:tint val="15000"/>
-                <a:satMod val="350000"/>
+                <a:lumMod val="105000"/>
+                <a:satMod val="109000"/>
+                <a:tint val="81000"/>
               </a:schemeClr>
             </a:gs>
           </a:gsLst>
-          <a:lin ang="16200000" scaled="1"/>
+          <a:lin ang="5400000" scaled="0"/>
         </a:gradFill>
         <a:gradFill rotWithShape="1">
           <a:gsLst>
             <a:gs pos="0">
               <a:schemeClr val="phClr">
-                <a:shade val="51000"/>
-                <a:satMod val="130000"/>
+                <a:satMod val="103000"/>
+                <a:lumMod val="102000"/>
+                <a:tint val="94000"/>
               </a:schemeClr>
             </a:gs>
-            <a:gs pos="80000">
+            <a:gs pos="50000">
               <a:schemeClr val="phClr">
-                <a:shade val="93000"/>
-                <a:satMod val="130000"/>
+                <a:satMod val="110000"/>
+                <a:lumMod val="100000"/>
+                <a:shade val="100000"/>
               </a:schemeClr>
             </a:gs>
             <a:gs pos="100000">
               <a:schemeClr val="phClr">
-                <a:shade val="94000"/>
-                <a:satMod val="135000"/>
+                <a:lumMod val="99000"/>
+                <a:satMod val="120000"/>
+                <a:shade val="78000"/>
               </a:schemeClr>
             </a:gs>
           </a:gsLst>
-          <a:lin ang="16200000" scaled="0"/>
+          <a:lin ang="5400000" scaled="0"/>
         </a:gradFill>
       </a:fillStyleLst>
       <a:lnStyleLst>
-        <a:ln w="9525" cap="flat" cmpd="sng" algn="ctr">
-          <a:solidFill>
-            <a:schemeClr val="phClr">
-              <a:shade val="95000"/>
-              <a:satMod val="105000"/>
-            </a:schemeClr>
-          </a:solidFill>
-          <a:prstDash val="solid"/>
-        </a:ln>
-        <a:ln w="25400" cap="flat" cmpd="sng" algn="ctr">
+        <a:ln w="6350" cap="flat" cmpd="sng" algn="ctr">
           <a:solidFill>
             <a:schemeClr val="phClr"/>
           </a:solidFill>
           <a:prstDash val="solid"/>
+          <a:miter lim="800000"/>
         </a:ln>
-        <a:ln w="38100" cap="flat" cmpd="sng" algn="ctr">
+        <a:ln w="12700" cap="flat" cmpd="sng" algn="ctr">
           <a:solidFill>
             <a:schemeClr val="phClr"/>
           </a:solidFill>
           <a:prstDash val="solid"/>
+          <a:miter lim="800000"/>
+        </a:ln>
+        <a:ln w="19050" cap="flat" cmpd="sng" algn="ctr">
+          <a:solidFill>
+            <a:schemeClr val="phClr"/>
+          </a:solidFill>
+          <a:prstDash val="solid"/>
+          <a:miter lim="800000"/>
         </a:ln>
       </a:lnStyleLst>
       <a:effectStyleLst>
         <a:effectStyle>
+          <a:effectLst/>
+        </a:effectStyle>
+        <a:effectStyle>
+          <a:effectLst/>
+        </a:effectStyle>
+        <a:effectStyle>
           <a:effectLst>
-            <a:outerShdw blurRad="40000" dist="20000" dir="5400000" rotWithShape="0">
+            <a:outerShdw blurRad="57150" dist="19050" dir="5400000" algn="ctr" rotWithShape="0">
               <a:srgbClr val="000000">
-                <a:alpha val="38000"/>
+                <a:alpha val="63000"/>
               </a:srgbClr>
             </a:outerShdw>
           </a:effectLst>
-        </a:effectStyle>
-        <a:effectStyle>
-          <a:effectLst>
-            <a:outerShdw blurRad="40000" dist="23000" dir="5400000" rotWithShape="0">
-              <a:srgbClr val="000000">
-                <a:alpha val="35000"/>
-              </a:srgbClr>
-            </a:outerShdw>
-          </a:effectLst>
-        </a:effectStyle>
-        <a:effectStyle>
-          <a:effectLst>
-            <a:outerShdw blurRad="40000" dist="23000" dir="5400000" rotWithShape="0">
-              <a:srgbClr val="000000">
-                <a:alpha val="35000"/>
-              </a:srgbClr>
-            </a:outerShdw>
-          </a:effectLst>
-          <a:scene3d>
-            <a:camera prst="orthographicFront">
-              <a:rot lat="0" lon="0" rev="0"/>
-            </a:camera>
-            <a:lightRig rig="threePt" dir="t">
-              <a:rot lat="0" lon="0" rev="1200000"/>
-            </a:lightRig>
-          </a:scene3d>
-          <a:sp3d>
-            <a:bevelT w="63500" h="25400"/>
-          </a:sp3d>
         </a:effectStyle>
       </a:effectStyleLst>
       <a:bgFillStyleLst>
         <a:solidFill>
           <a:schemeClr val="phClr"/>
         </a:solidFill>
+        <a:solidFill>
+          <a:schemeClr val="phClr">
+            <a:tint val="95000"/>
+            <a:satMod val="170000"/>
+          </a:schemeClr>
+        </a:solidFill>
         <a:gradFill rotWithShape="1">
           <a:gsLst>
             <a:gs pos="0">
               <a:schemeClr val="phClr">
-                <a:tint val="40000"/>
-                <a:satMod val="350000"/>
+                <a:tint val="93000"/>
+                <a:satMod val="150000"/>
+                <a:shade val="98000"/>
+                <a:lumMod val="102000"/>
               </a:schemeClr>
             </a:gs>
-            <a:gs pos="40000">
+            <a:gs pos="50000">
               <a:schemeClr val="phClr">
-                <a:tint val="45000"/>
-                <a:shade val="99000"/>
-                <a:satMod val="350000"/>
+                <a:tint val="98000"/>
+                <a:satMod val="130000"/>
+                <a:shade val="90000"/>
+                <a:lumMod val="103000"/>
               </a:schemeClr>
             </a:gs>
             <a:gs pos="100000">
               <a:schemeClr val="phClr">
-                <a:shade val="20000"/>
-                <a:satMod val="255000"/>
+                <a:shade val="63000"/>
+                <a:satMod val="120000"/>
               </a:schemeClr>
             </a:gs>
           </a:gsLst>
-          <a:path path="circle">
-            <a:fillToRect l="50000" t="-80000" r="50000" b="180000"/>
-          </a:path>
-        </a:gradFill>
-        <a:gradFill rotWithShape="1">
-          <a:gsLst>
-            <a:gs pos="0">
-              <a:schemeClr val="phClr">
-                <a:tint val="80000"/>
-                <a:satMod val="300000"/>
-              </a:schemeClr>
-            </a:gs>
-            <a:gs pos="100000">
-              <a:schemeClr val="phClr">
-                <a:shade val="30000"/>
-                <a:satMod val="200000"/>
-              </a:schemeClr>
-            </a:gs>
-          </a:gsLst>
-          <a:path path="circle">
-            <a:fillToRect l="50000" t="50000" r="50000" b="50000"/>
-          </a:path>
+          <a:lin ang="5400000" scaled="0"/>
         </a:gradFill>
       </a:bgFillStyleLst>
     </a:fmtScheme>
   </a:themeElements>
-  <a:objectDefaults>
-    <a:txDef>
-      <a:spPr/>
-      <a:bodyPr/>
-      <a:lstStyle>
-        <a:defPPr>
-          <a:defRPr sz="2800" dirty="0" smtClean="0">
-            <a:solidFill>
-              <a:schemeClr val="tx1"/>
-            </a:solidFill>
-          </a:defRPr>
-        </a:defPPr>
-      </a:lstStyle>
-    </a:txDef>
-  </a:objectDefaults>
+  <a:objectDefaults/>
   <a:extraClrSchemeLst/>
   <a:extLst>
     <a:ext uri="{05A4C25C-085E-4340-85A3-A5531E510DB2}">
-      <thm15:themeFamily xmlns:thm15="http://schemas.microsoft.com/office/thememl/2012/main" name="20150515_ForestTechnologiesTemplate" id="{E4861CCB-0DDC-844C-8A26-3C66A24CD8F8}" vid="{EFC8A8BE-B9B3-184D-A48B-01E024B92B5E}"/>
+      <thm15:themeFamily xmlns:thm15="http://schemas.microsoft.com/office/thememl/2012/main" name="Office Theme" id="{62F939B6-93AF-4DB8-9C6B-D6C7DFDC589F}" vid="{4A3C46E8-61CC-4603-A589-7422A47A8E4A}"/>
     </a:ext>
   </a:extLst>
 </a:theme>

--- a/devops_playground_intro.pptx
+++ b/devops_playground_intro.pptx
@@ -220,7 +220,7 @@
           <a:p>
             <a:fld id="{EC6583EE-1744-469F-83FE-FBC2DC0C5805}" type="datetimeFigureOut">
               <a:rPr lang="en-GB" smtClean="0"/>
-              <a:t>07/01/2016</a:t>
+              <a:t>08/01/2016</a:t>
             </a:fld>
             <a:endParaRPr lang="en-GB"/>
           </a:p>
@@ -385,7 +385,7 @@
           <a:p>
             <a:fld id="{9E2563EB-1B48-4CFA-A8ED-114090E63D4B}" type="datetimeFigureOut">
               <a:rPr lang="en-GB" smtClean="0"/>
-              <a:t>07/01/2016</a:t>
+              <a:t>08/01/2016</a:t>
             </a:fld>
             <a:endParaRPr lang="en-GB"/>
           </a:p>
@@ -784,7 +784,7 @@
           <a:p>
             <a:fld id="{D0823908-2689-42EA-85FA-685E69EBFF6B}" type="datetimeFigureOut">
               <a:rPr lang="en-GB" smtClean="0"/>
-              <a:t>07/01/2016</a:t>
+              <a:t>08/01/2016</a:t>
             </a:fld>
             <a:endParaRPr lang="en-GB"/>
           </a:p>
@@ -955,7 +955,7 @@
           <a:p>
             <a:fld id="{D0823908-2689-42EA-85FA-685E69EBFF6B}" type="datetimeFigureOut">
               <a:rPr lang="en-GB" smtClean="0"/>
-              <a:t>07/01/2016</a:t>
+              <a:t>08/01/2016</a:t>
             </a:fld>
             <a:endParaRPr lang="en-GB"/>
           </a:p>
@@ -1136,7 +1136,7 @@
           <a:p>
             <a:fld id="{D0823908-2689-42EA-85FA-685E69EBFF6B}" type="datetimeFigureOut">
               <a:rPr lang="en-GB" smtClean="0"/>
-              <a:t>07/01/2016</a:t>
+              <a:t>08/01/2016</a:t>
             </a:fld>
             <a:endParaRPr lang="en-GB"/>
           </a:p>
@@ -2485,7 +2485,7 @@
           <a:p>
             <a:fld id="{D0823908-2689-42EA-85FA-685E69EBFF6B}" type="datetimeFigureOut">
               <a:rPr lang="en-GB" smtClean="0"/>
-              <a:t>07/01/2016</a:t>
+              <a:t>08/01/2016</a:t>
             </a:fld>
             <a:endParaRPr lang="en-GB"/>
           </a:p>
@@ -2732,7 +2732,7 @@
           <a:p>
             <a:fld id="{D0823908-2689-42EA-85FA-685E69EBFF6B}" type="datetimeFigureOut">
               <a:rPr lang="en-GB" smtClean="0"/>
-              <a:t>07/01/2016</a:t>
+              <a:t>08/01/2016</a:t>
             </a:fld>
             <a:endParaRPr lang="en-GB"/>
           </a:p>
@@ -2965,7 +2965,7 @@
           <a:p>
             <a:fld id="{D0823908-2689-42EA-85FA-685E69EBFF6B}" type="datetimeFigureOut">
               <a:rPr lang="en-GB" smtClean="0"/>
-              <a:t>07/01/2016</a:t>
+              <a:t>08/01/2016</a:t>
             </a:fld>
             <a:endParaRPr lang="en-GB"/>
           </a:p>
@@ -3333,7 +3333,7 @@
           <a:p>
             <a:fld id="{D0823908-2689-42EA-85FA-685E69EBFF6B}" type="datetimeFigureOut">
               <a:rPr lang="en-GB" smtClean="0"/>
-              <a:t>07/01/2016</a:t>
+              <a:t>08/01/2016</a:t>
             </a:fld>
             <a:endParaRPr lang="en-GB"/>
           </a:p>
@@ -3452,7 +3452,7 @@
           <a:p>
             <a:fld id="{D0823908-2689-42EA-85FA-685E69EBFF6B}" type="datetimeFigureOut">
               <a:rPr lang="en-GB" smtClean="0"/>
-              <a:t>07/01/2016</a:t>
+              <a:t>08/01/2016</a:t>
             </a:fld>
             <a:endParaRPr lang="en-GB"/>
           </a:p>
@@ -3548,7 +3548,7 @@
           <a:p>
             <a:fld id="{D0823908-2689-42EA-85FA-685E69EBFF6B}" type="datetimeFigureOut">
               <a:rPr lang="en-GB" smtClean="0"/>
-              <a:t>07/01/2016</a:t>
+              <a:t>08/01/2016</a:t>
             </a:fld>
             <a:endParaRPr lang="en-GB"/>
           </a:p>
@@ -3826,7 +3826,7 @@
           <a:p>
             <a:fld id="{D0823908-2689-42EA-85FA-685E69EBFF6B}" type="datetimeFigureOut">
               <a:rPr lang="en-GB" smtClean="0"/>
-              <a:t>07/01/2016</a:t>
+              <a:t>08/01/2016</a:t>
             </a:fld>
             <a:endParaRPr lang="en-GB"/>
           </a:p>
@@ -4080,7 +4080,7 @@
           <a:p>
             <a:fld id="{D0823908-2689-42EA-85FA-685E69EBFF6B}" type="datetimeFigureOut">
               <a:rPr lang="en-GB" smtClean="0"/>
-              <a:t>07/01/2016</a:t>
+              <a:t>08/01/2016</a:t>
             </a:fld>
             <a:endParaRPr lang="en-GB"/>
           </a:p>
@@ -4294,7 +4294,7 @@
           <a:p>
             <a:fld id="{D0823908-2689-42EA-85FA-685E69EBFF6B}" type="datetimeFigureOut">
               <a:rPr lang="en-GB" smtClean="0"/>
-              <a:t>07/01/2016</a:t>
+              <a:t>08/01/2016</a:t>
             </a:fld>
             <a:endParaRPr lang="en-GB"/>
           </a:p>
@@ -4405,14 +4405,14 @@
           <a:effectLst/>
           <a:extLst>
             <a:ext uri="{909E8E84-426E-40dd-AFC4-6F175D3DCCD1}">
-              <a14:hiddenFill xmlns="" xmlns:a14="http://schemas.microsoft.com/office/drawing/2010/main">
+              <a14:hiddenFill xmlns:a14="http://schemas.microsoft.com/office/drawing/2010/main" xmlns="">
                 <a:solidFill>
                   <a:schemeClr val="accent1"/>
                 </a:solidFill>
               </a14:hiddenFill>
             </a:ext>
             <a:ext uri="{91240B29-F687-4f45-9708-019B960494DF}">
-              <a14:hiddenLine xmlns="" xmlns:a14="http://schemas.microsoft.com/office/drawing/2010/main" w="9525">
+              <a14:hiddenLine xmlns:a14="http://schemas.microsoft.com/office/drawing/2010/main" xmlns="" w="9525">
                 <a:solidFill>
                   <a:schemeClr val="tx1"/>
                 </a:solidFill>
@@ -4422,7 +4422,7 @@
               </a14:hiddenLine>
             </a:ext>
             <a:ext uri="{AF507438-7753-43e0-B8FC-AC1667EBCBE1}">
-              <a14:hiddenEffects xmlns="" xmlns:a14="http://schemas.microsoft.com/office/drawing/2010/main">
+              <a14:hiddenEffects xmlns:a14="http://schemas.microsoft.com/office/drawing/2010/main" xmlns="">
                 <a:effectLst>
                   <a:outerShdw dist="35921" dir="2700000" algn="ctr" rotWithShape="0">
                     <a:schemeClr val="bg2"/>
@@ -5058,11 +5058,7 @@
             </a:r>
             <a:r>
               <a:rPr lang="en-US" sz="2400" dirty="0" smtClean="0"/>
-              <a:t> </a:t>
-            </a:r>
-            <a:r>
-              <a:rPr lang="en-US" sz="2400" dirty="0" smtClean="0"/>
-              <a:t>implementation</a:t>
+              <a:t> implementation</a:t>
             </a:r>
           </a:p>
           <a:p>
@@ -5073,7 +5069,6 @@
               <a:rPr lang="en-US" sz="2400" dirty="0" smtClean="0"/>
               <a:t>Practical session</a:t>
             </a:r>
-            <a:endParaRPr lang="en-US" sz="2400" dirty="0" smtClean="0"/>
           </a:p>
           <a:p>
             <a:endParaRPr lang="en-US" sz="2400" dirty="0"/>
@@ -5210,15 +5205,7 @@
             </a:r>
             <a:r>
               <a:rPr lang="en-GB" dirty="0" smtClean="0"/>
-              <a:t> </a:t>
-            </a:r>
-            <a:r>
-              <a:rPr lang="en-GB" dirty="0" smtClean="0"/>
-              <a:t>teach you </a:t>
-            </a:r>
-            <a:r>
-              <a:rPr lang="en-GB" dirty="0" smtClean="0"/>
-              <a:t>technologies and </a:t>
+              <a:t> teach you technologies and </a:t>
             </a:r>
             <a:r>
               <a:rPr lang="en-GB" dirty="0" err="1" smtClean="0"/>
@@ -5228,7 +5215,6 @@
               <a:rPr lang="en-GB" dirty="0" smtClean="0"/>
               <a:t>.</a:t>
             </a:r>
-            <a:endParaRPr lang="en-GB" dirty="0" smtClean="0"/>
           </a:p>
           <a:p>
             <a:endParaRPr lang="en-GB" dirty="0"/>
@@ -5236,11 +5222,7 @@
           <a:p>
             <a:r>
               <a:rPr lang="en-GB" dirty="0" smtClean="0"/>
-              <a:t>Format : 15 min introduction and 45 min practical </a:t>
-            </a:r>
-            <a:r>
-              <a:rPr lang="en-GB" dirty="0" smtClean="0"/>
-              <a:t>session.</a:t>
+              <a:t>Format : 15 min introduction and 45 min practical session.</a:t>
             </a:r>
           </a:p>
           <a:p>
@@ -5263,7 +5245,6 @@
               <a:rPr lang="en-GB" dirty="0" smtClean="0"/>
               <a:t>. Ideas and volunteers welcomed.</a:t>
             </a:r>
-            <a:endParaRPr lang="en-GB" dirty="0" smtClean="0"/>
           </a:p>
           <a:p>
             <a:endParaRPr lang="en-GB" b="1" dirty="0"/>
@@ -5362,11 +5343,7 @@
             </a:r>
             <a:r>
               <a:rPr lang="en-GB" dirty="0" smtClean="0"/>
-              <a:t> </a:t>
-            </a:r>
-            <a:r>
-              <a:rPr lang="en-GB" dirty="0" smtClean="0"/>
-              <a:t>is the natural evolution of Instant Messaging</a:t>
+              <a:t> is the natural evolution of Instant Messaging</a:t>
             </a:r>
           </a:p>
           <a:p>
@@ -5393,7 +5370,6 @@
               <a:rPr lang="en-GB" dirty="0" smtClean="0"/>
               <a:t> task via a scriptable chat bot.</a:t>
             </a:r>
-            <a:endParaRPr lang="en-GB" dirty="0" smtClean="0"/>
           </a:p>
           <a:p>
             <a:pPr marL="0" indent="0">
@@ -5507,13 +5483,8 @@
           <a:p>
             <a:r>
               <a:rPr lang="en-GB" dirty="0" smtClean="0"/>
-              <a:t>Slack is a very popular IM tool</a:t>
-            </a:r>
-            <a:r>
-              <a:rPr lang="en-GB" dirty="0" smtClean="0"/>
-              <a:t>.</a:t>
-            </a:r>
-            <a:endParaRPr lang="en-GB" dirty="0" smtClean="0"/>
+              <a:t>Slack is a very popular IM tool.</a:t>
+            </a:r>
           </a:p>
           <a:p>
             <a:endParaRPr lang="en-GB" dirty="0" smtClean="0"/>
@@ -5530,11 +5501,7 @@
           <a:p>
             <a:r>
               <a:rPr lang="en-GB" dirty="0" smtClean="0"/>
-              <a:t>High number of </a:t>
-            </a:r>
-            <a:r>
-              <a:rPr lang="en-GB" dirty="0" smtClean="0"/>
-              <a:t>native integrations. </a:t>
+              <a:t>High number of native integrations. </a:t>
             </a:r>
             <a:endParaRPr lang="en-GB" dirty="0"/>
           </a:p>
@@ -5708,7 +5675,6 @@
               <a:rPr lang="en-GB" dirty="0" smtClean="0"/>
               <a:t>Give customer control over AWS instance, without giving them access to our AWS console</a:t>
             </a:r>
-            <a:endParaRPr lang="en-GB" dirty="0" smtClean="0"/>
           </a:p>
           <a:p>
             <a:pPr marL="0" indent="0">
@@ -5730,18 +5696,17 @@
               <a:buNone/>
             </a:pPr>
             <a:r>
-              <a:rPr lang="en-GB" dirty="0" smtClean="0"/>
+              <a:rPr lang="en-GB" i="1" dirty="0" smtClean="0"/>
               <a:t>A slack team + </a:t>
             </a:r>
             <a:r>
-              <a:rPr lang="en-GB" dirty="0" err="1" smtClean="0"/>
+              <a:rPr lang="en-GB" i="1" dirty="0" err="1" smtClean="0"/>
               <a:t>hubot</a:t>
             </a:r>
             <a:r>
-              <a:rPr lang="en-GB" dirty="0" smtClean="0"/>
+              <a:rPr lang="en-GB" i="1" dirty="0" smtClean="0"/>
               <a:t> + AWS API</a:t>
             </a:r>
-            <a:endParaRPr lang="en-GB" dirty="0" smtClean="0"/>
           </a:p>
           <a:p>
             <a:pPr marL="0" indent="0">
@@ -5755,11 +5720,7 @@
             </a:pPr>
             <a:r>
               <a:rPr lang="en-GB" dirty="0" smtClean="0"/>
-              <a:t>(</a:t>
-            </a:r>
-            <a:r>
-              <a:rPr lang="en-GB" dirty="0" smtClean="0"/>
-              <a:t>DEMO)</a:t>
+              <a:t>(DEMO)</a:t>
             </a:r>
           </a:p>
           <a:p>
@@ -5857,19 +5818,11 @@
             </a:r>
             <a:r>
               <a:rPr lang="en-GB" dirty="0" err="1" smtClean="0"/>
-              <a:t>C</a:t>
-            </a:r>
-            <a:r>
-              <a:rPr lang="en-GB" dirty="0" err="1" smtClean="0"/>
-              <a:t>hatOps</a:t>
+              <a:t>ChatOps</a:t>
             </a:r>
             <a:r>
               <a:rPr lang="en-GB" dirty="0" smtClean="0"/>
-              <a:t> </a:t>
-            </a:r>
-            <a:r>
-              <a:rPr lang="en-GB" dirty="0" smtClean="0"/>
-              <a:t>solution end-to-end.</a:t>
+              <a:t> solution end-to-end.</a:t>
             </a:r>
           </a:p>
           <a:p>
@@ -5886,7 +5839,6 @@
               <a:rPr lang="en-GB" dirty="0" smtClean="0"/>
               <a:t>We will: </a:t>
             </a:r>
-            <a:endParaRPr lang="en-GB" dirty="0" smtClean="0"/>
           </a:p>
           <a:p>
             <a:pPr marL="514350" indent="-514350">
@@ -5905,7 +5857,6 @@
               <a:rPr lang="en-GB" dirty="0" smtClean="0"/>
               <a:t>lack team.</a:t>
             </a:r>
-            <a:endParaRPr lang="en-GB" dirty="0" smtClean="0"/>
           </a:p>
           <a:p>
             <a:pPr marL="514350" indent="-514350">
@@ -5926,13 +5877,8 @@
             </a:r>
             <a:r>
               <a:rPr lang="en-GB" dirty="0" smtClean="0"/>
-              <a:t> on the provided </a:t>
-            </a:r>
-            <a:r>
-              <a:rPr lang="en-GB" dirty="0" smtClean="0"/>
-              <a:t>VM.</a:t>
-            </a:r>
-            <a:endParaRPr lang="en-GB" dirty="0" smtClean="0"/>
+              <a:t> on the provided VM.</a:t>
+            </a:r>
           </a:p>
           <a:p>
             <a:pPr marL="514350" indent="-514350">
@@ -5941,17 +5887,8 @@
             </a:pPr>
             <a:r>
               <a:rPr lang="en-GB" dirty="0" smtClean="0"/>
-              <a:t>Develop </a:t>
-            </a:r>
-            <a:r>
-              <a:rPr lang="en-GB" dirty="0" smtClean="0"/>
-              <a:t>a new </a:t>
-            </a:r>
-            <a:r>
-              <a:rPr lang="en-GB" dirty="0" smtClean="0"/>
-              <a:t>feature.</a:t>
-            </a:r>
-            <a:endParaRPr lang="en-GB" dirty="0" smtClean="0"/>
+              <a:t>Develop a new feature.</a:t>
+            </a:r>
           </a:p>
           <a:p>
             <a:pPr marL="0" indent="0">

--- a/devops_playground_intro.pptx
+++ b/devops_playground_intro.pptx
@@ -4405,14 +4405,14 @@
           <a:effectLst/>
           <a:extLst>
             <a:ext uri="{909E8E84-426E-40dd-AFC4-6F175D3DCCD1}">
-              <a14:hiddenFill xmlns:a14="http://schemas.microsoft.com/office/drawing/2010/main" xmlns="">
+              <a14:hiddenFill xmlns="" xmlns:a14="http://schemas.microsoft.com/office/drawing/2010/main">
                 <a:solidFill>
                   <a:schemeClr val="accent1"/>
                 </a:solidFill>
               </a14:hiddenFill>
             </a:ext>
             <a:ext uri="{91240B29-F687-4f45-9708-019B960494DF}">
-              <a14:hiddenLine xmlns:a14="http://schemas.microsoft.com/office/drawing/2010/main" xmlns="" w="9525">
+              <a14:hiddenLine xmlns="" xmlns:a14="http://schemas.microsoft.com/office/drawing/2010/main" w="9525">
                 <a:solidFill>
                   <a:schemeClr val="tx1"/>
                 </a:solidFill>
@@ -4422,7 +4422,7 @@
               </a14:hiddenLine>
             </a:ext>
             <a:ext uri="{AF507438-7753-43e0-B8FC-AC1667EBCBE1}">
-              <a14:hiddenEffects xmlns:a14="http://schemas.microsoft.com/office/drawing/2010/main" xmlns="">
+              <a14:hiddenEffects xmlns="" xmlns:a14="http://schemas.microsoft.com/office/drawing/2010/main">
                 <a:effectLst>
                   <a:outerShdw dist="35921" dir="2700000" algn="ctr" rotWithShape="0">
                     <a:schemeClr val="bg2"/>

--- a/devops_playground_intro.pptx
+++ b/devops_playground_intro.pptx
@@ -5,10 +5,10 @@
     <p:sldMasterId id="2147483657" r:id="rId1"/>
   </p:sldMasterIdLst>
   <p:notesMasterIdLst>
-    <p:notesMasterId r:id="rId9"/>
+    <p:notesMasterId r:id="rId11"/>
   </p:notesMasterIdLst>
   <p:handoutMasterIdLst>
-    <p:handoutMasterId r:id="rId10"/>
+    <p:handoutMasterId r:id="rId12"/>
   </p:handoutMasterIdLst>
   <p:sldIdLst>
     <p:sldId id="510" r:id="rId2"/>
@@ -16,8 +16,10 @@
     <p:sldId id="505" r:id="rId4"/>
     <p:sldId id="506" r:id="rId5"/>
     <p:sldId id="507" r:id="rId6"/>
-    <p:sldId id="508" r:id="rId7"/>
-    <p:sldId id="509" r:id="rId8"/>
+    <p:sldId id="511" r:id="rId7"/>
+    <p:sldId id="508" r:id="rId8"/>
+    <p:sldId id="509" r:id="rId9"/>
+    <p:sldId id="512" r:id="rId10"/>
   </p:sldIdLst>
   <p:sldSz cx="9144000" cy="6858000" type="screen4x3"/>
   <p:notesSz cx="6858000" cy="9144000"/>
@@ -220,7 +222,7 @@
           <a:p>
             <a:fld id="{EC6583EE-1744-469F-83FE-FBC2DC0C5805}" type="datetimeFigureOut">
               <a:rPr lang="en-GB" smtClean="0"/>
-              <a:t>08/01/2016</a:t>
+              <a:t>13/01/2016</a:t>
             </a:fld>
             <a:endParaRPr lang="en-GB"/>
           </a:p>
@@ -385,7 +387,7 @@
           <a:p>
             <a:fld id="{9E2563EB-1B48-4CFA-A8ED-114090E63D4B}" type="datetimeFigureOut">
               <a:rPr lang="en-GB" smtClean="0"/>
-              <a:t>08/01/2016</a:t>
+              <a:t>13/01/2016</a:t>
             </a:fld>
             <a:endParaRPr lang="en-GB"/>
           </a:p>
@@ -784,7 +786,7 @@
           <a:p>
             <a:fld id="{D0823908-2689-42EA-85FA-685E69EBFF6B}" type="datetimeFigureOut">
               <a:rPr lang="en-GB" smtClean="0"/>
-              <a:t>08/01/2016</a:t>
+              <a:t>13/01/2016</a:t>
             </a:fld>
             <a:endParaRPr lang="en-GB"/>
           </a:p>
@@ -955,7 +957,7 @@
           <a:p>
             <a:fld id="{D0823908-2689-42EA-85FA-685E69EBFF6B}" type="datetimeFigureOut">
               <a:rPr lang="en-GB" smtClean="0"/>
-              <a:t>08/01/2016</a:t>
+              <a:t>13/01/2016</a:t>
             </a:fld>
             <a:endParaRPr lang="en-GB"/>
           </a:p>
@@ -1136,7 +1138,7 @@
           <a:p>
             <a:fld id="{D0823908-2689-42EA-85FA-685E69EBFF6B}" type="datetimeFigureOut">
               <a:rPr lang="en-GB" smtClean="0"/>
-              <a:t>08/01/2016</a:t>
+              <a:t>13/01/2016</a:t>
             </a:fld>
             <a:endParaRPr lang="en-GB"/>
           </a:p>
@@ -2485,7 +2487,7 @@
           <a:p>
             <a:fld id="{D0823908-2689-42EA-85FA-685E69EBFF6B}" type="datetimeFigureOut">
               <a:rPr lang="en-GB" smtClean="0"/>
-              <a:t>08/01/2016</a:t>
+              <a:t>13/01/2016</a:t>
             </a:fld>
             <a:endParaRPr lang="en-GB"/>
           </a:p>
@@ -2732,7 +2734,7 @@
           <a:p>
             <a:fld id="{D0823908-2689-42EA-85FA-685E69EBFF6B}" type="datetimeFigureOut">
               <a:rPr lang="en-GB" smtClean="0"/>
-              <a:t>08/01/2016</a:t>
+              <a:t>13/01/2016</a:t>
             </a:fld>
             <a:endParaRPr lang="en-GB"/>
           </a:p>
@@ -2965,7 +2967,7 @@
           <a:p>
             <a:fld id="{D0823908-2689-42EA-85FA-685E69EBFF6B}" type="datetimeFigureOut">
               <a:rPr lang="en-GB" smtClean="0"/>
-              <a:t>08/01/2016</a:t>
+              <a:t>13/01/2016</a:t>
             </a:fld>
             <a:endParaRPr lang="en-GB"/>
           </a:p>
@@ -3333,7 +3335,7 @@
           <a:p>
             <a:fld id="{D0823908-2689-42EA-85FA-685E69EBFF6B}" type="datetimeFigureOut">
               <a:rPr lang="en-GB" smtClean="0"/>
-              <a:t>08/01/2016</a:t>
+              <a:t>13/01/2016</a:t>
             </a:fld>
             <a:endParaRPr lang="en-GB"/>
           </a:p>
@@ -3452,7 +3454,7 @@
           <a:p>
             <a:fld id="{D0823908-2689-42EA-85FA-685E69EBFF6B}" type="datetimeFigureOut">
               <a:rPr lang="en-GB" smtClean="0"/>
-              <a:t>08/01/2016</a:t>
+              <a:t>13/01/2016</a:t>
             </a:fld>
             <a:endParaRPr lang="en-GB"/>
           </a:p>
@@ -3548,7 +3550,7 @@
           <a:p>
             <a:fld id="{D0823908-2689-42EA-85FA-685E69EBFF6B}" type="datetimeFigureOut">
               <a:rPr lang="en-GB" smtClean="0"/>
-              <a:t>08/01/2016</a:t>
+              <a:t>13/01/2016</a:t>
             </a:fld>
             <a:endParaRPr lang="en-GB"/>
           </a:p>
@@ -3826,7 +3828,7 @@
           <a:p>
             <a:fld id="{D0823908-2689-42EA-85FA-685E69EBFF6B}" type="datetimeFigureOut">
               <a:rPr lang="en-GB" smtClean="0"/>
-              <a:t>08/01/2016</a:t>
+              <a:t>13/01/2016</a:t>
             </a:fld>
             <a:endParaRPr lang="en-GB"/>
           </a:p>
@@ -4080,7 +4082,7 @@
           <a:p>
             <a:fld id="{D0823908-2689-42EA-85FA-685E69EBFF6B}" type="datetimeFigureOut">
               <a:rPr lang="en-GB" smtClean="0"/>
-              <a:t>08/01/2016</a:t>
+              <a:t>13/01/2016</a:t>
             </a:fld>
             <a:endParaRPr lang="en-GB"/>
           </a:p>
@@ -4294,7 +4296,7 @@
           <a:p>
             <a:fld id="{D0823908-2689-42EA-85FA-685E69EBFF6B}" type="datetimeFigureOut">
               <a:rPr lang="en-GB" smtClean="0"/>
-              <a:t>08/01/2016</a:t>
+              <a:t>13/01/2016</a:t>
             </a:fld>
             <a:endParaRPr lang="en-GB"/>
           </a:p>
@@ -4891,9 +4893,16 @@
             <p:ph type="subTitle" idx="1"/>
           </p:nvPr>
         </p:nvSpPr>
-        <p:spPr/>
-        <p:txBody>
-          <a:bodyPr/>
+        <p:spPr>
+          <a:xfrm>
+            <a:off x="1143000" y="3602038"/>
+            <a:ext cx="6858000" cy="2707282"/>
+          </a:xfrm>
+        </p:spPr>
+        <p:txBody>
+          <a:bodyPr>
+            <a:normAutofit fontScale="62500" lnSpcReduction="20000"/>
+          </a:bodyPr>
           <a:lstStyle/>
           <a:p>
             <a:endParaRPr lang="en-GB" dirty="0" smtClean="0">
@@ -4904,7 +4913,7 @@
           </a:p>
           <a:p>
             <a:r>
-              <a:rPr lang="en-GB" sz="3200" b="1" dirty="0" err="1" smtClean="0">
+              <a:rPr lang="en-GB" sz="5800" b="1" dirty="0" err="1" smtClean="0">
                 <a:solidFill>
                   <a:srgbClr val="7E5E96"/>
                 </a:solidFill>
@@ -4912,12 +4921,65 @@
               <a:t>ChatOps</a:t>
             </a:r>
             <a:r>
+              <a:rPr lang="en-GB" sz="5800" b="1" dirty="0" smtClean="0">
+                <a:solidFill>
+                  <a:srgbClr val="7E5E96"/>
+                </a:solidFill>
+              </a:rPr>
+              <a:t> Introduction</a:t>
+            </a:r>
+          </a:p>
+          <a:p>
+            <a:endParaRPr lang="en-GB" sz="3200" b="1" dirty="0">
+              <a:solidFill>
+                <a:srgbClr val="7E5E96"/>
+              </a:solidFill>
+            </a:endParaRPr>
+          </a:p>
+          <a:p>
+            <a:endParaRPr lang="en-GB" sz="3200" b="1" dirty="0" smtClean="0">
+              <a:solidFill>
+                <a:srgbClr val="7E5E96"/>
+              </a:solidFill>
+            </a:endParaRPr>
+          </a:p>
+          <a:p>
+            <a:endParaRPr lang="en-GB" sz="3200" b="1" dirty="0">
+              <a:solidFill>
+                <a:srgbClr val="7E5E96"/>
+              </a:solidFill>
+            </a:endParaRPr>
+          </a:p>
+          <a:p>
+            <a:endParaRPr lang="en-GB" sz="3200" b="1" dirty="0" smtClean="0">
+              <a:solidFill>
+                <a:srgbClr val="7E5E96"/>
+              </a:solidFill>
+            </a:endParaRPr>
+          </a:p>
+          <a:p>
+            <a:endParaRPr lang="en-GB" sz="3200" b="1" dirty="0" smtClean="0">
+              <a:solidFill>
+                <a:srgbClr val="7E5E96"/>
+              </a:solidFill>
+            </a:endParaRPr>
+          </a:p>
+          <a:p>
+            <a:r>
+              <a:rPr lang="en-GB" sz="3200" b="1" dirty="0">
+                <a:solidFill>
+                  <a:srgbClr val="7E5E96"/>
+                </a:solidFill>
+              </a:rPr>
+              <a:t>M</a:t>
+            </a:r>
+            <a:r>
               <a:rPr lang="en-GB" sz="3200" b="1" dirty="0" smtClean="0">
                 <a:solidFill>
                   <a:srgbClr val="7E5E96"/>
                 </a:solidFill>
               </a:rPr>
-              <a:t> Introduction</a:t>
+              <a:t>ourad@forest-technologies.co.uk</a:t>
             </a:r>
           </a:p>
           <a:p>
@@ -4946,6 +5008,13 @@
   <p:clrMapOvr>
     <a:masterClrMapping/>
   </p:clrMapOvr>
+  <p:timing>
+    <p:tnLst>
+      <p:par>
+        <p:cTn id="1" dur="indefinite" restart="never" nodeType="tmRoot"/>
+      </p:par>
+    </p:tnLst>
+  </p:timing>
 </p:sld>
 </file>
 
@@ -5019,55 +5088,71 @@
             <a:pPr marL="0" indent="0">
               <a:buNone/>
             </a:pPr>
-            <a:endParaRPr lang="en-US" sz="2400" dirty="0" smtClean="0"/>
-          </a:p>
-          <a:p>
-            <a:r>
-              <a:rPr lang="en-US" sz="2400" dirty="0" err="1" smtClean="0"/>
+            <a:endParaRPr lang="en-US" dirty="0" smtClean="0"/>
+          </a:p>
+          <a:p>
+            <a:r>
+              <a:rPr lang="en-US" dirty="0" err="1" smtClean="0"/>
               <a:t>Devops</a:t>
             </a:r>
             <a:r>
-              <a:rPr lang="en-US" sz="2400" dirty="0" smtClean="0"/>
-              <a:t> Playground – what is it ?</a:t>
-            </a:r>
-          </a:p>
-          <a:p>
-            <a:endParaRPr lang="en-US" sz="2400" dirty="0"/>
-          </a:p>
-          <a:p>
-            <a:r>
-              <a:rPr lang="en-US" sz="2400" dirty="0" err="1" smtClean="0"/>
+              <a:rPr lang="en-US" dirty="0" smtClean="0"/>
+              <a:t> Playground </a:t>
+            </a:r>
+            <a:r>
+              <a:rPr lang="en-US" dirty="0"/>
+              <a:t> </a:t>
+            </a:r>
+            <a:r>
+              <a:rPr lang="en-US" dirty="0" smtClean="0"/>
+              <a:t>introduction</a:t>
+            </a:r>
+          </a:p>
+          <a:p>
+            <a:endParaRPr lang="en-US" dirty="0"/>
+          </a:p>
+          <a:p>
+            <a:r>
+              <a:rPr lang="en-US" dirty="0" smtClean="0"/>
+              <a:t>What is </a:t>
+            </a:r>
+            <a:r>
+              <a:rPr lang="en-US" dirty="0" err="1" smtClean="0"/>
               <a:t>ChatOps</a:t>
             </a:r>
             <a:r>
-              <a:rPr lang="en-US" sz="2400" dirty="0" smtClean="0"/>
-              <a:t> introduction</a:t>
-            </a:r>
-          </a:p>
-          <a:p>
-            <a:endParaRPr lang="en-US" sz="2400" dirty="0" smtClean="0"/>
-          </a:p>
-          <a:p>
-            <a:r>
-              <a:rPr lang="en-US" sz="2400" dirty="0" smtClean="0"/>
+              <a:rPr lang="en-US" dirty="0" smtClean="0"/>
+              <a:t>? </a:t>
+            </a:r>
+          </a:p>
+          <a:p>
+            <a:endParaRPr lang="en-US" dirty="0" smtClean="0"/>
+          </a:p>
+          <a:p>
+            <a:r>
+              <a:rPr lang="en-US" dirty="0" smtClean="0"/>
               <a:t>An example of a </a:t>
             </a:r>
             <a:r>
-              <a:rPr lang="en-US" sz="2400" dirty="0" err="1" smtClean="0"/>
+              <a:rPr lang="en-US" dirty="0" err="1" smtClean="0"/>
               <a:t>ChatOps</a:t>
             </a:r>
             <a:r>
-              <a:rPr lang="en-US" sz="2400" dirty="0" smtClean="0"/>
+              <a:rPr lang="en-US" dirty="0" smtClean="0"/>
               <a:t> implementation</a:t>
             </a:r>
           </a:p>
           <a:p>
-            <a:endParaRPr lang="en-US" sz="2400" dirty="0"/>
-          </a:p>
-          <a:p>
-            <a:r>
-              <a:rPr lang="en-US" sz="2400" dirty="0" smtClean="0"/>
-              <a:t>Practical session</a:t>
+            <a:endParaRPr lang="en-US" dirty="0"/>
+          </a:p>
+          <a:p>
+            <a:r>
+              <a:rPr lang="en-US" dirty="0" smtClean="0"/>
+              <a:t>For practical </a:t>
+            </a:r>
+            <a:r>
+              <a:rPr lang="en-US" dirty="0" smtClean="0"/>
+              <a:t>session</a:t>
             </a:r>
           </a:p>
           <a:p>
@@ -5230,20 +5315,24 @@
           </a:p>
           <a:p>
             <a:r>
+              <a:rPr lang="en-GB" dirty="0" smtClean="0"/>
+              <a:t>As many </a:t>
+            </a:r>
+            <a:r>
               <a:rPr lang="en-GB" b="1" dirty="0" smtClean="0"/>
-              <a:t>Different</a:t>
+              <a:t>different</a:t>
             </a:r>
             <a:r>
               <a:rPr lang="en-GB" dirty="0" smtClean="0"/>
-              <a:t> topic </a:t>
+              <a:t> </a:t>
             </a:r>
             <a:r>
               <a:rPr lang="en-GB" dirty="0" err="1" smtClean="0"/>
-              <a:t>everytime</a:t>
+              <a:t>devops</a:t>
             </a:r>
             <a:r>
               <a:rPr lang="en-GB" dirty="0" smtClean="0"/>
-              <a:t>. Ideas and volunteers welcomed.</a:t>
+              <a:t>-related topic. Feedback, ideas and volunteers welcomed.</a:t>
             </a:r>
           </a:p>
           <a:p>
@@ -5368,8 +5457,13 @@
             </a:r>
             <a:r>
               <a:rPr lang="en-GB" dirty="0" smtClean="0"/>
-              <a:t> task via a scriptable chat bot.</a:t>
-            </a:r>
+              <a:t> task via a scriptable chat </a:t>
+            </a:r>
+            <a:r>
+              <a:rPr lang="en-GB" dirty="0" smtClean="0"/>
+              <a:t>bot or hidden logic.</a:t>
+            </a:r>
+            <a:endParaRPr lang="en-GB" dirty="0" smtClean="0"/>
           </a:p>
           <a:p>
             <a:pPr marL="0" indent="0">
@@ -5380,7 +5474,15 @@
           <a:p>
             <a:r>
               <a:rPr lang="en-GB" dirty="0" smtClean="0"/>
-              <a:t>From day-to-day task to application deployment, If it can be </a:t>
+              <a:t>From day-to-day </a:t>
+            </a:r>
+            <a:r>
+              <a:rPr lang="en-GB" dirty="0" smtClean="0"/>
+              <a:t>tasks </a:t>
+            </a:r>
+            <a:r>
+              <a:rPr lang="en-GB" dirty="0" smtClean="0"/>
+              <a:t>to application deployment, If it can be </a:t>
             </a:r>
             <a:r>
               <a:rPr lang="en-GB" b="1" dirty="0" smtClean="0"/>
@@ -5481,21 +5583,27 @@
             <a:endParaRPr lang="en-GB" dirty="0" smtClean="0"/>
           </a:p>
           <a:p>
+            <a:endParaRPr lang="en-GB" dirty="0" smtClean="0"/>
+          </a:p>
+          <a:p>
             <a:r>
               <a:rPr lang="en-GB" dirty="0" smtClean="0"/>
               <a:t>Slack is a very popular IM tool.</a:t>
             </a:r>
           </a:p>
           <a:p>
-            <a:endParaRPr lang="en-GB" dirty="0" smtClean="0"/>
-          </a:p>
-          <a:p>
-            <a:r>
-              <a:rPr lang="en-GB" dirty="0"/>
-              <a:t>Based on IRC </a:t>
-            </a:r>
-          </a:p>
-          <a:p>
+            <a:endParaRPr lang="en-GB" dirty="0"/>
+          </a:p>
+          <a:p>
+            <a:r>
+              <a:rPr lang="en-GB" dirty="0" smtClean="0"/>
+              <a:t>Available on all platform –ideal for automation.</a:t>
+            </a:r>
+          </a:p>
+          <a:p>
+            <a:pPr marL="0" indent="0">
+              <a:buNone/>
+            </a:pPr>
             <a:endParaRPr lang="en-GB" dirty="0"/>
           </a:p>
           <a:p>
@@ -5541,28 +5649,17 @@
           <a:p>
             <a:r>
               <a:rPr lang="en-GB" dirty="0" smtClean="0"/>
-              <a:t>Compatible with </a:t>
+              <a:t>Good choice for </a:t>
             </a:r>
             <a:r>
               <a:rPr lang="en-GB" dirty="0" err="1" smtClean="0"/>
-              <a:t>Hubot</a:t>
-            </a:r>
-            <a:r>
-              <a:rPr lang="en-GB" dirty="0"/>
-              <a:t> </a:t>
+              <a:t>ChatOps</a:t>
             </a:r>
             <a:r>
               <a:rPr lang="en-GB" dirty="0" smtClean="0"/>
-              <a:t>– </a:t>
-            </a:r>
-            <a:r>
-              <a:rPr lang="en-GB" dirty="0" err="1" smtClean="0"/>
-              <a:t>Github</a:t>
-            </a:r>
-            <a:r>
-              <a:rPr lang="en-GB" dirty="0" smtClean="0"/>
-              <a:t> chat bot</a:t>
-            </a:r>
+              <a:t>, but not the only one.</a:t>
+            </a:r>
+            <a:endParaRPr lang="en-GB" dirty="0" smtClean="0"/>
           </a:p>
           <a:p>
             <a:endParaRPr lang="en-GB" dirty="0"/>
@@ -5625,6 +5722,144 @@
           <a:lstStyle/>
           <a:p>
             <a:r>
+              <a:rPr lang="en-GB" dirty="0" err="1" smtClean="0"/>
+              <a:t>Github’s</a:t>
+            </a:r>
+            <a:r>
+              <a:rPr lang="en-GB" dirty="0" smtClean="0"/>
+              <a:t> </a:t>
+            </a:r>
+            <a:r>
+              <a:rPr lang="en-GB" dirty="0" err="1" smtClean="0"/>
+              <a:t>Hubot</a:t>
+            </a:r>
+            <a:endParaRPr lang="en-GB" dirty="0"/>
+          </a:p>
+        </p:txBody>
+      </p:sp>
+      <p:sp>
+        <p:nvSpPr>
+          <p:cNvPr id="3" name="Content Placeholder 2"/>
+          <p:cNvSpPr>
+            <a:spLocks noGrp="1"/>
+          </p:cNvSpPr>
+          <p:nvPr>
+            <p:ph idx="1"/>
+          </p:nvPr>
+        </p:nvSpPr>
+        <p:spPr/>
+        <p:txBody>
+          <a:bodyPr/>
+          <a:lstStyle/>
+          <a:p>
+            <a:endParaRPr lang="en-GB" dirty="0" smtClean="0"/>
+          </a:p>
+          <a:p>
+            <a:r>
+              <a:rPr lang="en-GB" dirty="0" err="1" smtClean="0"/>
+              <a:t>Github’s</a:t>
+            </a:r>
+            <a:r>
+              <a:rPr lang="en-GB" dirty="0" smtClean="0"/>
+              <a:t> </a:t>
+            </a:r>
+            <a:r>
+              <a:rPr lang="en-GB" dirty="0" err="1" smtClean="0"/>
+              <a:t>opensource</a:t>
+            </a:r>
+            <a:r>
+              <a:rPr lang="en-GB" dirty="0" smtClean="0"/>
+              <a:t> chat bot</a:t>
+            </a:r>
+          </a:p>
+          <a:p>
+            <a:endParaRPr lang="en-GB" dirty="0"/>
+          </a:p>
+          <a:p>
+            <a:r>
+              <a:rPr lang="en-GB" dirty="0" smtClean="0"/>
+              <a:t>Large community of developers</a:t>
+            </a:r>
+          </a:p>
+          <a:p>
+            <a:endParaRPr lang="en-GB" dirty="0"/>
+          </a:p>
+          <a:p>
+            <a:r>
+              <a:rPr lang="en-GB" dirty="0" smtClean="0"/>
+              <a:t>Large amount of modules an custom integration</a:t>
+            </a:r>
+          </a:p>
+          <a:p>
+            <a:endParaRPr lang="en-GB" dirty="0"/>
+          </a:p>
+          <a:p>
+            <a:r>
+              <a:rPr lang="en-GB" dirty="0" smtClean="0"/>
+              <a:t>It requires mainly: </a:t>
+            </a:r>
+            <a:r>
+              <a:rPr lang="en-GB" dirty="0" err="1" smtClean="0"/>
+              <a:t>NodeJS</a:t>
+            </a:r>
+            <a:r>
+              <a:rPr lang="en-GB" dirty="0" smtClean="0"/>
+              <a:t> and </a:t>
+            </a:r>
+            <a:r>
+              <a:rPr lang="en-GB" dirty="0" err="1" smtClean="0"/>
+              <a:t>Redis</a:t>
+            </a:r>
+            <a:endParaRPr lang="en-GB" dirty="0" smtClean="0"/>
+          </a:p>
+        </p:txBody>
+      </p:sp>
+    </p:spTree>
+    <p:extLst>
+      <p:ext uri="{BB962C8B-B14F-4D97-AF65-F5344CB8AC3E}">
+        <p14:creationId xmlns:p14="http://schemas.microsoft.com/office/powerpoint/2010/main" val="3611702093"/>
+      </p:ext>
+    </p:extLst>
+  </p:cSld>
+  <p:clrMapOvr>
+    <a:masterClrMapping/>
+  </p:clrMapOvr>
+</p:sld>
+</file>
+
+<file path=ppt/slides/slide7.xml><?xml version="1.0" encoding="utf-8"?>
+<p:sld xmlns:a="http://schemas.openxmlformats.org/drawingml/2006/main" xmlns:r="http://schemas.openxmlformats.org/officeDocument/2006/relationships" xmlns:p="http://schemas.openxmlformats.org/presentationml/2006/main">
+  <p:cSld>
+    <p:spTree>
+      <p:nvGrpSpPr>
+        <p:cNvPr id="1" name=""/>
+        <p:cNvGrpSpPr/>
+        <p:nvPr/>
+      </p:nvGrpSpPr>
+      <p:grpSpPr>
+        <a:xfrm>
+          <a:off x="0" y="0"/>
+          <a:ext cx="0" cy="0"/>
+          <a:chOff x="0" y="0"/>
+          <a:chExt cx="0" cy="0"/>
+        </a:xfrm>
+      </p:grpSpPr>
+      <p:sp>
+        <p:nvSpPr>
+          <p:cNvPr id="2" name="Title 1"/>
+          <p:cNvSpPr>
+            <a:spLocks noGrp="1"/>
+          </p:cNvSpPr>
+          <p:nvPr>
+            <p:ph type="title"/>
+          </p:nvPr>
+        </p:nvSpPr>
+        <p:spPr/>
+        <p:txBody>
+          <a:bodyPr/>
+          <a:lstStyle/>
+          <a:p>
+            <a:r>
               <a:rPr lang="en-GB" dirty="0" smtClean="0"/>
               <a:t>Real Life Example</a:t>
             </a:r>
@@ -5659,8 +5894,12 @@
               <a:buNone/>
             </a:pPr>
             <a:r>
+              <a:rPr lang="en-GB" b="1" dirty="0" smtClean="0"/>
+              <a:t>Issue</a:t>
+            </a:r>
+            <a:r>
               <a:rPr lang="en-GB" b="1" i="1" dirty="0" smtClean="0"/>
-              <a:t>Issue :</a:t>
+              <a:t> :</a:t>
             </a:r>
             <a:r>
               <a:rPr lang="en-GB" dirty="0" smtClean="0"/>
@@ -5672,8 +5911,8 @@
               <a:buNone/>
             </a:pPr>
             <a:r>
-              <a:rPr lang="en-GB" dirty="0" smtClean="0"/>
-              <a:t>Give customer control over AWS instance, without giving them access to our AWS console</a:t>
+              <a:rPr lang="en-GB" i="1" dirty="0" smtClean="0"/>
+              <a:t>Give customer control over AWS EC2 instances, without giving them access to our AWS console</a:t>
             </a:r>
           </a:p>
           <a:p>
@@ -5687,8 +5926,8 @@
               <a:buNone/>
             </a:pPr>
             <a:r>
-              <a:rPr lang="en-GB" b="1" i="1" dirty="0" smtClean="0"/>
-              <a:t>One solution : </a:t>
+              <a:rPr lang="en-GB" b="1" dirty="0" smtClean="0"/>
+              <a:t>One solution amongst many: </a:t>
             </a:r>
           </a:p>
           <a:p>
@@ -5751,7 +5990,7 @@
 </p:sld>
 </file>
 
-<file path=ppt/slides/slide7.xml><?xml version="1.0" encoding="utf-8"?>
+<file path=ppt/slides/slide8.xml><?xml version="1.0" encoding="utf-8"?>
 <p:sld xmlns:a="http://schemas.openxmlformats.org/drawingml/2006/main" xmlns:r="http://schemas.openxmlformats.org/officeDocument/2006/relationships" xmlns:p="http://schemas.openxmlformats.org/presentationml/2006/main">
   <p:cSld>
     <p:spTree>
@@ -5814,16 +6053,13 @@
             </a:pPr>
             <a:r>
               <a:rPr lang="en-GB" dirty="0" smtClean="0"/>
-              <a:t>The goal of the next 45 min is to implement a </a:t>
-            </a:r>
-            <a:r>
-              <a:rPr lang="en-GB" dirty="0" err="1" smtClean="0"/>
-              <a:t>ChatOps</a:t>
+              <a:t>The goal of the next 45 min is to </a:t>
             </a:r>
             <a:r>
               <a:rPr lang="en-GB" dirty="0" smtClean="0"/>
-              <a:t> solution end-to-end.</a:t>
-            </a:r>
+              <a:t>script a chat bot to call the Google Maps Distance Matrix API.</a:t>
+            </a:r>
+            <a:endParaRPr lang="en-GB" dirty="0" smtClean="0"/>
           </a:p>
           <a:p>
             <a:pPr marL="0" indent="0">
@@ -5837,76 +6073,68 @@
             </a:pPr>
             <a:r>
               <a:rPr lang="en-GB" dirty="0" smtClean="0"/>
-              <a:t>We will: </a:t>
-            </a:r>
-          </a:p>
-          <a:p>
-            <a:pPr marL="514350" indent="-514350">
-              <a:buFont typeface="+mj-lt"/>
-              <a:buAutoNum type="arabicPeriod"/>
-            </a:pPr>
+              <a:t>Step by step we will :</a:t>
+            </a:r>
+          </a:p>
+          <a:p>
             <a:r>
               <a:rPr lang="en-GB" dirty="0" smtClean="0"/>
-              <a:t>Create a new </a:t>
-            </a:r>
-            <a:r>
-              <a:rPr lang="en-GB" dirty="0"/>
-              <a:t>S</a:t>
-            </a:r>
-            <a:r>
-              <a:rPr lang="en-GB" dirty="0" smtClean="0"/>
-              <a:t>lack team.</a:t>
-            </a:r>
-          </a:p>
-          <a:p>
-            <a:pPr marL="514350" indent="-514350">
-              <a:buFont typeface="+mj-lt"/>
-              <a:buAutoNum type="arabicPeriod"/>
-            </a:pPr>
+              <a:t>Create a slack team</a:t>
+            </a:r>
+          </a:p>
+          <a:p>
             <a:r>
               <a:rPr lang="en-GB" dirty="0" smtClean="0"/>
               <a:t>Install </a:t>
             </a:r>
             <a:r>
-              <a:rPr lang="en-GB" dirty="0" err="1"/>
-              <a:t>H</a:t>
-            </a:r>
-            <a:r>
               <a:rPr lang="en-GB" dirty="0" err="1" smtClean="0"/>
-              <a:t>ubot</a:t>
+              <a:t>Hubot</a:t>
             </a:r>
             <a:r>
               <a:rPr lang="en-GB" dirty="0" smtClean="0"/>
-              <a:t> on the provided VM.</a:t>
-            </a:r>
-          </a:p>
-          <a:p>
-            <a:pPr marL="514350" indent="-514350">
-              <a:buFont typeface="+mj-lt"/>
-              <a:buAutoNum type="arabicPeriod"/>
+              <a:t> </a:t>
+            </a:r>
+          </a:p>
+          <a:p>
+            <a:r>
+              <a:rPr lang="en-GB" dirty="0" smtClean="0"/>
+              <a:t>Get to know </a:t>
+            </a:r>
+            <a:r>
+              <a:rPr lang="en-GB" dirty="0" err="1" smtClean="0"/>
+              <a:t>Hubot’s</a:t>
+            </a:r>
+            <a:r>
+              <a:rPr lang="en-GB" dirty="0" smtClean="0"/>
+              <a:t> scripting</a:t>
+            </a:r>
+          </a:p>
+          <a:p>
+            <a:r>
+              <a:rPr lang="en-GB" dirty="0" smtClean="0"/>
+              <a:t>Integrate with </a:t>
+            </a:r>
+            <a:r>
+              <a:rPr lang="en-GB" dirty="0" err="1" smtClean="0"/>
+              <a:t>Gmaps</a:t>
+            </a:r>
+            <a:r>
+              <a:rPr lang="en-GB" dirty="0" smtClean="0"/>
+              <a:t> Distance Matrix API.</a:t>
+            </a:r>
+          </a:p>
+          <a:p>
+            <a:pPr marL="0" indent="0">
+              <a:buNone/>
             </a:pPr>
-            <a:r>
-              <a:rPr lang="en-GB" dirty="0" smtClean="0"/>
-              <a:t>Develop a new feature.</a:t>
-            </a:r>
+            <a:endParaRPr lang="en-GB" dirty="0"/>
           </a:p>
           <a:p>
             <a:pPr marL="0" indent="0">
               <a:buNone/>
             </a:pPr>
-            <a:endParaRPr lang="en-GB" dirty="0" smtClean="0"/>
-          </a:p>
-          <a:p>
-            <a:pPr marL="0" indent="0">
-              <a:buNone/>
-            </a:pPr>
-            <a:r>
-              <a:rPr lang="en-GB" dirty="0"/>
-              <a:t>	</a:t>
-            </a:r>
-          </a:p>
-          <a:p>
-            <a:endParaRPr lang="en-GB" dirty="0" smtClean="0"/>
+            <a:endParaRPr lang="en-GB" dirty="0"/>
           </a:p>
         </p:txBody>
       </p:sp>
@@ -5927,6 +6155,136 @@
       </p:par>
     </p:tnLst>
   </p:timing>
+</p:sld>
+</file>
+
+<file path=ppt/slides/slide9.xml><?xml version="1.0" encoding="utf-8"?>
+<p:sld xmlns:a="http://schemas.openxmlformats.org/drawingml/2006/main" xmlns:r="http://schemas.openxmlformats.org/officeDocument/2006/relationships" xmlns:p="http://schemas.openxmlformats.org/presentationml/2006/main">
+  <p:cSld>
+    <p:spTree>
+      <p:nvGrpSpPr>
+        <p:cNvPr id="1" name=""/>
+        <p:cNvGrpSpPr/>
+        <p:nvPr/>
+      </p:nvGrpSpPr>
+      <p:grpSpPr>
+        <a:xfrm>
+          <a:off x="0" y="0"/>
+          <a:ext cx="0" cy="0"/>
+          <a:chOff x="0" y="0"/>
+          <a:chExt cx="0" cy="0"/>
+        </a:xfrm>
+      </p:grpSpPr>
+      <p:sp>
+        <p:nvSpPr>
+          <p:cNvPr id="2" name="Title 1"/>
+          <p:cNvSpPr>
+            <a:spLocks noGrp="1"/>
+          </p:cNvSpPr>
+          <p:nvPr>
+            <p:ph type="title"/>
+          </p:nvPr>
+        </p:nvSpPr>
+        <p:spPr/>
+        <p:txBody>
+          <a:bodyPr/>
+          <a:lstStyle/>
+          <a:p>
+            <a:r>
+              <a:rPr lang="en-GB" dirty="0" smtClean="0"/>
+              <a:t>Import the VM</a:t>
+            </a:r>
+            <a:endParaRPr lang="en-GB" dirty="0"/>
+          </a:p>
+        </p:txBody>
+      </p:sp>
+      <p:sp>
+        <p:nvSpPr>
+          <p:cNvPr id="3" name="Content Placeholder 2"/>
+          <p:cNvSpPr>
+            <a:spLocks noGrp="1"/>
+          </p:cNvSpPr>
+          <p:nvPr>
+            <p:ph idx="1"/>
+          </p:nvPr>
+        </p:nvSpPr>
+        <p:spPr/>
+        <p:txBody>
+          <a:bodyPr>
+            <a:normAutofit/>
+          </a:bodyPr>
+          <a:lstStyle/>
+          <a:p>
+            <a:pPr marL="0" indent="0">
+              <a:buNone/>
+            </a:pPr>
+            <a:endParaRPr lang="en-GB" dirty="0" smtClean="0"/>
+          </a:p>
+          <a:p>
+            <a:r>
+              <a:rPr lang="en-GB" dirty="0" smtClean="0"/>
+              <a:t>Ubuntu Server, already provisioned.</a:t>
+            </a:r>
+          </a:p>
+          <a:p>
+            <a:pPr marL="0" indent="0">
+              <a:buNone/>
+            </a:pPr>
+            <a:endParaRPr lang="en-GB" dirty="0"/>
+          </a:p>
+          <a:p>
+            <a:r>
+              <a:rPr lang="en-GB" dirty="0" smtClean="0"/>
+              <a:t>If you are using </a:t>
+            </a:r>
+            <a:r>
+              <a:rPr lang="en-GB" dirty="0" err="1" smtClean="0"/>
+              <a:t>VirtualBox</a:t>
+            </a:r>
+            <a:r>
+              <a:rPr lang="en-GB" dirty="0" smtClean="0"/>
+              <a:t>, you can simply open the OVA file or “Import the appliance”  and the VM will be imported.</a:t>
+            </a:r>
+          </a:p>
+          <a:p>
+            <a:pPr marL="0" indent="0">
+              <a:buNone/>
+            </a:pPr>
+            <a:endParaRPr lang="en-GB" dirty="0"/>
+          </a:p>
+          <a:p>
+            <a:r>
+              <a:rPr lang="en-GB" dirty="0" smtClean="0"/>
+              <a:t>If you are using VMWare (Workstation, Fusion or Player),  you have </a:t>
+            </a:r>
+            <a:r>
+              <a:rPr lang="en-GB" smtClean="0"/>
+              <a:t>to “Import</a:t>
+            </a:r>
+            <a:r>
+              <a:rPr lang="en-GB" dirty="0" smtClean="0"/>
+              <a:t>” the OVA file.</a:t>
+            </a:r>
+            <a:endParaRPr lang="en-GB" dirty="0"/>
+          </a:p>
+          <a:p>
+            <a:endParaRPr lang="en-GB" dirty="0" smtClean="0"/>
+          </a:p>
+          <a:p>
+            <a:endParaRPr lang="en-GB" dirty="0"/>
+          </a:p>
+        </p:txBody>
+      </p:sp>
+    </p:spTree>
+    <p:extLst>
+      <p:ext uri="{BB962C8B-B14F-4D97-AF65-F5344CB8AC3E}">
+        <p14:creationId xmlns:p14="http://schemas.microsoft.com/office/powerpoint/2010/main" val="2509916744"/>
+      </p:ext>
+    </p:extLst>
+  </p:cSld>
+  <p:clrMapOvr>
+    <a:masterClrMapping/>
+  </p:clrMapOvr>
 </p:sld>
 </file>
 
